--- a/ppt/java_ppt/은행업무 프로젝트(banking).pptx
+++ b/ppt/java_ppt/은행업무 프로젝트(banking).pptx
@@ -5,7 +5,7 @@
     <p:sldMasterId id="2147483648" r:id="rId1"/>
   </p:sldMasterIdLst>
   <p:notesMasterIdLst>
-    <p:notesMasterId r:id="rId22"/>
+    <p:notesMasterId r:id="rId38"/>
   </p:notesMasterIdLst>
   <p:sldIdLst>
     <p:sldId id="256" r:id="rId2"/>
@@ -28,6 +28,22 @@
     <p:sldId id="378" r:id="rId19"/>
     <p:sldId id="379" r:id="rId20"/>
     <p:sldId id="380" r:id="rId21"/>
+    <p:sldId id="381" r:id="rId22"/>
+    <p:sldId id="382" r:id="rId23"/>
+    <p:sldId id="394" r:id="rId24"/>
+    <p:sldId id="395" r:id="rId25"/>
+    <p:sldId id="396" r:id="rId26"/>
+    <p:sldId id="383" r:id="rId27"/>
+    <p:sldId id="386" r:id="rId28"/>
+    <p:sldId id="385" r:id="rId29"/>
+    <p:sldId id="384" r:id="rId30"/>
+    <p:sldId id="387" r:id="rId31"/>
+    <p:sldId id="390" r:id="rId32"/>
+    <p:sldId id="388" r:id="rId33"/>
+    <p:sldId id="389" r:id="rId34"/>
+    <p:sldId id="391" r:id="rId35"/>
+    <p:sldId id="392" r:id="rId36"/>
+    <p:sldId id="393" r:id="rId37"/>
   </p:sldIdLst>
   <p:sldSz cx="9906000" cy="6858000" type="A4"/>
   <p:notesSz cx="6858000" cy="9144000"/>
@@ -227,7 +243,7 @@
           <a:p>
             <a:fld id="{7665CDAC-D627-4E87-877A-1B781DD4CADC}" type="datetimeFigureOut">
               <a:rPr lang="ko-KR" altLang="en-US" smtClean="0"/>
-              <a:t>2023-05-25</a:t>
+              <a:t>2023-06-02</a:t>
             </a:fld>
             <a:endParaRPr lang="ko-KR" altLang="en-US"/>
           </a:p>
@@ -765,7 +781,7 @@
           <a:p>
             <a:fld id="{F4AC81B4-D91A-4578-85B3-829E63FCFE17}" type="datetime1">
               <a:rPr lang="ko-KR" altLang="en-US" smtClean="0"/>
-              <a:t>2023-05-25</a:t>
+              <a:t>2023-06-02</a:t>
             </a:fld>
             <a:endParaRPr lang="ko-KR" altLang="en-US"/>
           </a:p>
@@ -1140,7 +1156,7 @@
           <a:p>
             <a:fld id="{F5B77542-37E5-48F2-BAE7-80CC6B0EB6A3}" type="datetime1">
               <a:rPr lang="ko-KR" altLang="en-US" smtClean="0"/>
-              <a:t>2023-05-25</a:t>
+              <a:t>2023-06-02</a:t>
             </a:fld>
             <a:endParaRPr lang="ko-KR" altLang="en-US"/>
           </a:p>
@@ -1320,7 +1336,7 @@
           <a:p>
             <a:fld id="{227CF174-B5AC-4A98-B673-0BE8126D3F27}" type="datetime1">
               <a:rPr lang="ko-KR" altLang="en-US" smtClean="0"/>
-              <a:t>2023-05-25</a:t>
+              <a:t>2023-06-02</a:t>
             </a:fld>
             <a:endParaRPr lang="ko-KR" altLang="en-US"/>
           </a:p>
@@ -1494,7 +1510,7 @@
           <a:p>
             <a:fld id="{E20FDEC8-1339-42E8-9704-2977280C2FD3}" type="datetime1">
               <a:rPr lang="ko-KR" altLang="en-US" smtClean="0"/>
-              <a:t>2023-05-25</a:t>
+              <a:t>2023-06-02</a:t>
             </a:fld>
             <a:endParaRPr lang="ko-KR" altLang="en-US"/>
           </a:p>
@@ -1740,7 +1756,7 @@
           <a:p>
             <a:fld id="{4D18DC76-A282-4817-B790-197F054E1215}" type="datetime1">
               <a:rPr lang="ko-KR" altLang="en-US" smtClean="0"/>
-              <a:t>2023-05-25</a:t>
+              <a:t>2023-06-02</a:t>
             </a:fld>
             <a:endParaRPr lang="ko-KR" altLang="en-US"/>
           </a:p>
@@ -2028,7 +2044,7 @@
           <a:p>
             <a:fld id="{6680AA6C-13D8-43E4-90F0-E6C88A2B9F16}" type="datetime1">
               <a:rPr lang="ko-KR" altLang="en-US" smtClean="0"/>
-              <a:t>2023-05-25</a:t>
+              <a:t>2023-06-02</a:t>
             </a:fld>
             <a:endParaRPr lang="ko-KR" altLang="en-US"/>
           </a:p>
@@ -2450,7 +2466,7 @@
           <a:p>
             <a:fld id="{3EF5B03B-20CC-436E-8601-C933C6C1F4A6}" type="datetime1">
               <a:rPr lang="ko-KR" altLang="en-US" smtClean="0"/>
-              <a:t>2023-05-25</a:t>
+              <a:t>2023-06-02</a:t>
             </a:fld>
             <a:endParaRPr lang="ko-KR" altLang="en-US"/>
           </a:p>
@@ -2568,7 +2584,7 @@
           <a:p>
             <a:fld id="{87B5A15D-8B08-482F-AB47-E416EC355EB6}" type="datetime1">
               <a:rPr lang="ko-KR" altLang="en-US" smtClean="0"/>
-              <a:t>2023-05-25</a:t>
+              <a:t>2023-06-02</a:t>
             </a:fld>
             <a:endParaRPr lang="ko-KR" altLang="en-US"/>
           </a:p>
@@ -2663,7 +2679,7 @@
           <a:p>
             <a:fld id="{A877D7F8-7B64-44F8-A411-CBD22F28CBFF}" type="datetime1">
               <a:rPr lang="ko-KR" altLang="en-US" smtClean="0"/>
-              <a:t>2023-05-25</a:t>
+              <a:t>2023-06-02</a:t>
             </a:fld>
             <a:endParaRPr lang="ko-KR" altLang="en-US"/>
           </a:p>
@@ -2940,7 +2956,7 @@
           <a:p>
             <a:fld id="{E12DBD9B-2BB6-4D1F-BCB4-1E48829C93C3}" type="datetime1">
               <a:rPr lang="ko-KR" altLang="en-US" smtClean="0"/>
-              <a:t>2023-05-25</a:t>
+              <a:t>2023-06-02</a:t>
             </a:fld>
             <a:endParaRPr lang="ko-KR" altLang="en-US"/>
           </a:p>
@@ -3193,7 +3209,7 @@
           <a:p>
             <a:fld id="{17564C48-0CD7-40EB-BE64-BBF4DB8C56AF}" type="datetime1">
               <a:rPr lang="ko-KR" altLang="en-US" smtClean="0"/>
-              <a:t>2023-05-25</a:t>
+              <a:t>2023-06-02</a:t>
             </a:fld>
             <a:endParaRPr lang="ko-KR" altLang="en-US"/>
           </a:p>
@@ -3373,7 +3389,7 @@
           <a:p>
             <a:fld id="{C116BCB4-B68B-4638-8167-F4BDC0A30DA1}" type="datetime1">
               <a:rPr lang="ko-KR" altLang="en-US" smtClean="0"/>
-              <a:t>2023-05-25</a:t>
+              <a:t>2023-06-02</a:t>
             </a:fld>
             <a:endParaRPr lang="ko-KR" altLang="en-US"/>
           </a:p>
@@ -4932,11 +4948,7 @@
           <a:p>
             <a:r>
               <a:rPr lang="en-US" altLang="ko-KR" dirty="0" smtClean="0"/>
-              <a:t> </a:t>
-            </a:r>
-            <a:r>
-              <a:rPr lang="en-US" altLang="ko-KR" dirty="0" smtClean="0"/>
-              <a:t>step4. </a:t>
+              <a:t> step4. </a:t>
             </a:r>
             <a:r>
               <a:rPr lang="ko-KR" altLang="en-US" dirty="0" smtClean="0"/>
@@ -5304,11 +5316,7 @@
           <a:p>
             <a:r>
               <a:rPr lang="en-US" altLang="ko-KR" dirty="0" smtClean="0"/>
-              <a:t> </a:t>
-            </a:r>
-            <a:r>
-              <a:rPr lang="en-US" altLang="ko-KR" dirty="0" smtClean="0"/>
-              <a:t>step4. </a:t>
+              <a:t> step4. </a:t>
             </a:r>
             <a:r>
               <a:rPr lang="ko-KR" altLang="en-US" dirty="0" smtClean="0"/>
@@ -5652,11 +5660,7 @@
           <a:p>
             <a:r>
               <a:rPr lang="en-US" altLang="ko-KR" dirty="0" smtClean="0"/>
-              <a:t> </a:t>
-            </a:r>
-            <a:r>
-              <a:rPr lang="en-US" altLang="ko-KR" dirty="0" smtClean="0"/>
-              <a:t>step4. </a:t>
+              <a:t> step4. </a:t>
             </a:r>
             <a:r>
               <a:rPr lang="ko-KR" altLang="en-US" dirty="0" smtClean="0"/>
@@ -6000,11 +6004,7 @@
           <a:p>
             <a:r>
               <a:rPr lang="en-US" altLang="ko-KR" dirty="0" smtClean="0"/>
-              <a:t> </a:t>
-            </a:r>
-            <a:r>
-              <a:rPr lang="en-US" altLang="ko-KR" dirty="0" smtClean="0"/>
-              <a:t>step4. </a:t>
+              <a:t> step4. </a:t>
             </a:r>
             <a:r>
               <a:rPr lang="ko-KR" altLang="en-US" dirty="0" smtClean="0"/>
@@ -6348,11 +6348,7 @@
           <a:p>
             <a:r>
               <a:rPr lang="en-US" altLang="ko-KR" dirty="0" smtClean="0"/>
-              <a:t> </a:t>
-            </a:r>
-            <a:r>
-              <a:rPr lang="en-US" altLang="ko-KR" dirty="0" smtClean="0"/>
-              <a:t>step4. </a:t>
+              <a:t> step4. </a:t>
             </a:r>
             <a:r>
               <a:rPr lang="ko-KR" altLang="en-US" dirty="0" smtClean="0"/>
@@ -7136,11 +7132,7 @@
           <a:p>
             <a:r>
               <a:rPr lang="en-US" altLang="ko-KR" dirty="0" smtClean="0"/>
-              <a:t> </a:t>
-            </a:r>
-            <a:r>
-              <a:rPr lang="en-US" altLang="ko-KR" dirty="0" smtClean="0"/>
-              <a:t>step4. </a:t>
+              <a:t> step4. </a:t>
             </a:r>
             <a:r>
               <a:rPr lang="ko-KR" altLang="en-US" dirty="0" smtClean="0"/>
@@ -7427,6 +7419,2335 @@
     <p:extLst>
       <p:ext uri="{BB962C8B-B14F-4D97-AF65-F5344CB8AC3E}">
         <p14:creationId xmlns:p14="http://schemas.microsoft.com/office/powerpoint/2010/main" val="2874818509"/>
+      </p:ext>
+    </p:extLst>
+  </p:cSld>
+  <p:clrMapOvr>
+    <a:masterClrMapping/>
+  </p:clrMapOvr>
+  <p:timing>
+    <p:tnLst>
+      <p:par>
+        <p:cTn id="1" dur="indefinite" restart="never" nodeType="tmRoot"/>
+      </p:par>
+    </p:tnLst>
+  </p:timing>
+</p:sld>
+</file>
+
+<file path=ppt/slides/slide21.xml><?xml version="1.0" encoding="utf-8"?>
+<p:sld xmlns:a="http://schemas.openxmlformats.org/drawingml/2006/main" xmlns:r="http://schemas.openxmlformats.org/officeDocument/2006/relationships" xmlns:p="http://schemas.openxmlformats.org/presentationml/2006/main">
+  <p:cSld>
+    <p:spTree>
+      <p:nvGrpSpPr>
+        <p:cNvPr id="1" name=""/>
+        <p:cNvGrpSpPr/>
+        <p:nvPr/>
+      </p:nvGrpSpPr>
+      <p:grpSpPr>
+        <a:xfrm>
+          <a:off x="0" y="0"/>
+          <a:ext cx="0" cy="0"/>
+          <a:chOff x="0" y="0"/>
+          <a:chExt cx="0" cy="0"/>
+        </a:xfrm>
+      </p:grpSpPr>
+      <p:sp>
+        <p:nvSpPr>
+          <p:cNvPr id="6" name="제목 5"/>
+          <p:cNvSpPr>
+            <a:spLocks noGrp="1"/>
+          </p:cNvSpPr>
+          <p:nvPr>
+            <p:ph type="title"/>
+          </p:nvPr>
+        </p:nvSpPr>
+        <p:spPr>
+          <a:xfrm>
+            <a:off x="0" y="-18256"/>
+            <a:ext cx="7185248" cy="854968"/>
+          </a:xfrm>
+        </p:spPr>
+        <p:txBody>
+          <a:bodyPr>
+            <a:normAutofit/>
+          </a:bodyPr>
+          <a:lstStyle/>
+          <a:p>
+            <a:r>
+              <a:rPr lang="en-US" altLang="ko-KR" dirty="0" smtClean="0"/>
+              <a:t> </a:t>
+            </a:r>
+            <a:r>
+              <a:rPr lang="en-US" altLang="ko-KR" dirty="0" smtClean="0"/>
+              <a:t>step5. </a:t>
+            </a:r>
+            <a:r>
+              <a:rPr lang="ko-KR" altLang="en-US" dirty="0" smtClean="0"/>
+              <a:t>업그레이드</a:t>
+            </a:r>
+            <a:r>
+              <a:rPr lang="en-US" altLang="ko-KR" dirty="0" smtClean="0"/>
+              <a:t> – DB </a:t>
+            </a:r>
+            <a:r>
+              <a:rPr lang="ko-KR" altLang="en-US" dirty="0" smtClean="0"/>
+              <a:t>연동</a:t>
+            </a:r>
+            <a:endParaRPr lang="ko-KR" altLang="en-US" dirty="0"/>
+          </a:p>
+        </p:txBody>
+      </p:sp>
+      <p:sp>
+        <p:nvSpPr>
+          <p:cNvPr id="5" name="슬라이드 번호 개체 틀 4"/>
+          <p:cNvSpPr>
+            <a:spLocks noGrp="1"/>
+          </p:cNvSpPr>
+          <p:nvPr>
+            <p:ph type="sldNum" sz="quarter" idx="12"/>
+          </p:nvPr>
+        </p:nvSpPr>
+        <p:spPr>
+          <a:xfrm>
+            <a:off x="8853433" y="7312347"/>
+            <a:ext cx="557267" cy="365125"/>
+          </a:xfrm>
+        </p:spPr>
+        <p:txBody>
+          <a:bodyPr/>
+          <a:lstStyle/>
+          <a:p>
+            <a:fld id="{1BDE3FE7-3AEA-4B05-AC5A-802D1816ACF0}" type="slidenum">
+              <a:rPr lang="ko-KR" altLang="en-US" smtClean="0"/>
+              <a:t>21</a:t>
+            </a:fld>
+            <a:endParaRPr lang="ko-KR" altLang="en-US"/>
+          </a:p>
+        </p:txBody>
+      </p:sp>
+      <p:pic>
+        <p:nvPicPr>
+          <p:cNvPr id="3" name="그림 2"/>
+          <p:cNvPicPr>
+            <a:picLocks noChangeAspect="1"/>
+          </p:cNvPicPr>
+          <p:nvPr/>
+        </p:nvPicPr>
+        <p:blipFill>
+          <a:blip r:embed="rId2">
+            <a:extLst>
+              <a:ext uri="{28A0092B-C50C-407E-A947-70E740481C1C}">
+                <a14:useLocalDpi xmlns:a14="http://schemas.microsoft.com/office/drawing/2010/main" val="0"/>
+              </a:ext>
+            </a:extLst>
+          </a:blip>
+          <a:stretch>
+            <a:fillRect/>
+          </a:stretch>
+        </p:blipFill>
+        <p:spPr>
+          <a:xfrm>
+            <a:off x="1496616" y="1808211"/>
+            <a:ext cx="3057760" cy="3096344"/>
+          </a:xfrm>
+          <a:prstGeom prst="rect">
+            <a:avLst/>
+          </a:prstGeom>
+          <a:ln>
+            <a:solidFill>
+              <a:schemeClr val="bg1">
+                <a:lumMod val="85000"/>
+              </a:schemeClr>
+            </a:solidFill>
+          </a:ln>
+        </p:spPr>
+      </p:pic>
+      <p:sp>
+        <p:nvSpPr>
+          <p:cNvPr id="8" name="내용 개체 틀 2">
+            <a:extLst>
+              <a:ext uri="{FF2B5EF4-FFF2-40B4-BE49-F238E27FC236}">
+                <a16:creationId xmlns:a16="http://schemas.microsoft.com/office/drawing/2014/main" id="{98AF3A4E-7D90-4241-89FE-799D6F9D5A94}"/>
+              </a:ext>
+            </a:extLst>
+          </p:cNvPr>
+          <p:cNvSpPr txBox="1">
+            <a:spLocks/>
+          </p:cNvSpPr>
+          <p:nvPr/>
+        </p:nvSpPr>
+        <p:spPr>
+          <a:xfrm>
+            <a:off x="883939" y="1052736"/>
+            <a:ext cx="5509221" cy="504055"/>
+          </a:xfrm>
+          <a:prstGeom prst="rect">
+            <a:avLst/>
+          </a:prstGeom>
+        </p:spPr>
+        <p:txBody>
+          <a:bodyPr/>
+          <a:lstStyle>
+            <a:lvl1pPr marL="228600" indent="-228600" algn="l" defTabSz="914400" rtl="0" eaLnBrk="1" latinLnBrk="1" hangingPunct="1">
+              <a:lnSpc>
+                <a:spcPct val="90000"/>
+              </a:lnSpc>
+              <a:spcBef>
+                <a:spcPts val="1000"/>
+              </a:spcBef>
+              <a:buFont typeface="Arial" panose="020B0604020202020204" pitchFamily="34" charset="0"/>
+              <a:buChar char="•"/>
+              <a:defRPr sz="2800" kern="1200">
+                <a:solidFill>
+                  <a:schemeClr val="tx1"/>
+                </a:solidFill>
+                <a:latin typeface="+mn-lt"/>
+                <a:ea typeface="+mn-ea"/>
+                <a:cs typeface="+mn-cs"/>
+              </a:defRPr>
+            </a:lvl1pPr>
+            <a:lvl2pPr marL="685800" indent="-228600" algn="l" defTabSz="914400" rtl="0" eaLnBrk="1" latinLnBrk="1" hangingPunct="1">
+              <a:lnSpc>
+                <a:spcPct val="90000"/>
+              </a:lnSpc>
+              <a:spcBef>
+                <a:spcPts val="500"/>
+              </a:spcBef>
+              <a:buFont typeface="Arial" panose="020B0604020202020204" pitchFamily="34" charset="0"/>
+              <a:buChar char="•"/>
+              <a:defRPr sz="2400" kern="1200">
+                <a:solidFill>
+                  <a:schemeClr val="tx1"/>
+                </a:solidFill>
+                <a:latin typeface="+mn-lt"/>
+                <a:ea typeface="+mn-ea"/>
+                <a:cs typeface="+mn-cs"/>
+              </a:defRPr>
+            </a:lvl2pPr>
+            <a:lvl3pPr marL="1143000" indent="-228600" algn="l" defTabSz="914400" rtl="0" eaLnBrk="1" latinLnBrk="1" hangingPunct="1">
+              <a:lnSpc>
+                <a:spcPct val="90000"/>
+              </a:lnSpc>
+              <a:spcBef>
+                <a:spcPts val="500"/>
+              </a:spcBef>
+              <a:buFont typeface="Arial" panose="020B0604020202020204" pitchFamily="34" charset="0"/>
+              <a:buChar char="•"/>
+              <a:defRPr sz="2000" kern="1200">
+                <a:solidFill>
+                  <a:schemeClr val="tx1"/>
+                </a:solidFill>
+                <a:latin typeface="+mn-lt"/>
+                <a:ea typeface="+mn-ea"/>
+                <a:cs typeface="+mn-cs"/>
+              </a:defRPr>
+            </a:lvl3pPr>
+            <a:lvl4pPr marL="1600200" indent="-228600" algn="l" defTabSz="914400" rtl="0" eaLnBrk="1" latinLnBrk="1" hangingPunct="1">
+              <a:lnSpc>
+                <a:spcPct val="90000"/>
+              </a:lnSpc>
+              <a:spcBef>
+                <a:spcPts val="500"/>
+              </a:spcBef>
+              <a:buFont typeface="Arial" panose="020B0604020202020204" pitchFamily="34" charset="0"/>
+              <a:buChar char="•"/>
+              <a:defRPr sz="1800" kern="1200">
+                <a:solidFill>
+                  <a:schemeClr val="tx1"/>
+                </a:solidFill>
+                <a:latin typeface="+mn-lt"/>
+                <a:ea typeface="+mn-ea"/>
+                <a:cs typeface="+mn-cs"/>
+              </a:defRPr>
+            </a:lvl4pPr>
+            <a:lvl5pPr marL="2057400" indent="-228600" algn="l" defTabSz="914400" rtl="0" eaLnBrk="1" latinLnBrk="1" hangingPunct="1">
+              <a:lnSpc>
+                <a:spcPct val="90000"/>
+              </a:lnSpc>
+              <a:spcBef>
+                <a:spcPts val="500"/>
+              </a:spcBef>
+              <a:buFont typeface="Arial" panose="020B0604020202020204" pitchFamily="34" charset="0"/>
+              <a:buChar char="•"/>
+              <a:defRPr sz="1800" kern="1200">
+                <a:solidFill>
+                  <a:schemeClr val="tx1"/>
+                </a:solidFill>
+                <a:latin typeface="+mn-lt"/>
+                <a:ea typeface="+mn-ea"/>
+                <a:cs typeface="+mn-cs"/>
+              </a:defRPr>
+            </a:lvl5pPr>
+            <a:lvl6pPr marL="2514600" indent="-228600" algn="l" defTabSz="914400" rtl="0" eaLnBrk="1" latinLnBrk="1" hangingPunct="1">
+              <a:lnSpc>
+                <a:spcPct val="90000"/>
+              </a:lnSpc>
+              <a:spcBef>
+                <a:spcPts val="500"/>
+              </a:spcBef>
+              <a:buFont typeface="Arial" panose="020B0604020202020204" pitchFamily="34" charset="0"/>
+              <a:buChar char="•"/>
+              <a:defRPr sz="1800" kern="1200">
+                <a:solidFill>
+                  <a:schemeClr val="tx1"/>
+                </a:solidFill>
+                <a:latin typeface="+mn-lt"/>
+                <a:ea typeface="+mn-ea"/>
+                <a:cs typeface="+mn-cs"/>
+              </a:defRPr>
+            </a:lvl6pPr>
+            <a:lvl7pPr marL="2971800" indent="-228600" algn="l" defTabSz="914400" rtl="0" eaLnBrk="1" latinLnBrk="1" hangingPunct="1">
+              <a:lnSpc>
+                <a:spcPct val="90000"/>
+              </a:lnSpc>
+              <a:spcBef>
+                <a:spcPts val="500"/>
+              </a:spcBef>
+              <a:buFont typeface="Arial" panose="020B0604020202020204" pitchFamily="34" charset="0"/>
+              <a:buChar char="•"/>
+              <a:defRPr sz="1800" kern="1200">
+                <a:solidFill>
+                  <a:schemeClr val="tx1"/>
+                </a:solidFill>
+                <a:latin typeface="+mn-lt"/>
+                <a:ea typeface="+mn-ea"/>
+                <a:cs typeface="+mn-cs"/>
+              </a:defRPr>
+            </a:lvl7pPr>
+            <a:lvl8pPr marL="3429000" indent="-228600" algn="l" defTabSz="914400" rtl="0" eaLnBrk="1" latinLnBrk="1" hangingPunct="1">
+              <a:lnSpc>
+                <a:spcPct val="90000"/>
+              </a:lnSpc>
+              <a:spcBef>
+                <a:spcPts val="500"/>
+              </a:spcBef>
+              <a:buFont typeface="Arial" panose="020B0604020202020204" pitchFamily="34" charset="0"/>
+              <a:buChar char="•"/>
+              <a:defRPr sz="1800" kern="1200">
+                <a:solidFill>
+                  <a:schemeClr val="tx1"/>
+                </a:solidFill>
+                <a:latin typeface="+mn-lt"/>
+                <a:ea typeface="+mn-ea"/>
+                <a:cs typeface="+mn-cs"/>
+              </a:defRPr>
+            </a:lvl8pPr>
+            <a:lvl9pPr marL="3886200" indent="-228600" algn="l" defTabSz="914400" rtl="0" eaLnBrk="1" latinLnBrk="1" hangingPunct="1">
+              <a:lnSpc>
+                <a:spcPct val="90000"/>
+              </a:lnSpc>
+              <a:spcBef>
+                <a:spcPts val="500"/>
+              </a:spcBef>
+              <a:buFont typeface="Arial" panose="020B0604020202020204" pitchFamily="34" charset="0"/>
+              <a:buChar char="•"/>
+              <a:defRPr sz="1800" kern="1200">
+                <a:solidFill>
+                  <a:schemeClr val="tx1"/>
+                </a:solidFill>
+                <a:latin typeface="+mn-lt"/>
+                <a:ea typeface="+mn-ea"/>
+                <a:cs typeface="+mn-cs"/>
+              </a:defRPr>
+            </a:lvl9pPr>
+          </a:lstStyle>
+          <a:p>
+            <a:pPr>
+              <a:lnSpc>
+                <a:spcPct val="150000"/>
+              </a:lnSpc>
+              <a:buFont typeface="Wingdings" panose="05000000000000000000" pitchFamily="2" charset="2"/>
+              <a:buChar char="u"/>
+            </a:pPr>
+            <a:r>
+              <a:rPr lang="ko-KR" altLang="en-US" sz="1800" b="1" dirty="0" smtClean="0"/>
+              <a:t> 패키지 및 클래스 계층 구조</a:t>
+            </a:r>
+            <a:endParaRPr lang="en-US" altLang="ko-KR" sz="1800" b="1" dirty="0" smtClean="0"/>
+          </a:p>
+        </p:txBody>
+      </p:sp>
+    </p:spTree>
+    <p:extLst>
+      <p:ext uri="{BB962C8B-B14F-4D97-AF65-F5344CB8AC3E}">
+        <p14:creationId xmlns:p14="http://schemas.microsoft.com/office/powerpoint/2010/main" val="960138784"/>
+      </p:ext>
+    </p:extLst>
+  </p:cSld>
+  <p:clrMapOvr>
+    <a:masterClrMapping/>
+  </p:clrMapOvr>
+  <p:timing>
+    <p:tnLst>
+      <p:par>
+        <p:cTn id="1" dur="indefinite" restart="never" nodeType="tmRoot"/>
+      </p:par>
+    </p:tnLst>
+  </p:timing>
+</p:sld>
+</file>
+
+<file path=ppt/slides/slide22.xml><?xml version="1.0" encoding="utf-8"?>
+<p:sld xmlns:a="http://schemas.openxmlformats.org/drawingml/2006/main" xmlns:r="http://schemas.openxmlformats.org/officeDocument/2006/relationships" xmlns:p="http://schemas.openxmlformats.org/presentationml/2006/main">
+  <p:cSld>
+    <p:spTree>
+      <p:nvGrpSpPr>
+        <p:cNvPr id="1" name=""/>
+        <p:cNvGrpSpPr/>
+        <p:nvPr/>
+      </p:nvGrpSpPr>
+      <p:grpSpPr>
+        <a:xfrm>
+          <a:off x="0" y="0"/>
+          <a:ext cx="0" cy="0"/>
+          <a:chOff x="0" y="0"/>
+          <a:chExt cx="0" cy="0"/>
+        </a:xfrm>
+      </p:grpSpPr>
+      <p:sp>
+        <p:nvSpPr>
+          <p:cNvPr id="6" name="제목 5"/>
+          <p:cNvSpPr>
+            <a:spLocks noGrp="1"/>
+          </p:cNvSpPr>
+          <p:nvPr>
+            <p:ph type="title"/>
+          </p:nvPr>
+        </p:nvSpPr>
+        <p:spPr>
+          <a:xfrm>
+            <a:off x="0" y="-18256"/>
+            <a:ext cx="7185248" cy="854968"/>
+          </a:xfrm>
+        </p:spPr>
+        <p:txBody>
+          <a:bodyPr>
+            <a:normAutofit/>
+          </a:bodyPr>
+          <a:lstStyle/>
+          <a:p>
+            <a:r>
+              <a:rPr lang="en-US" altLang="ko-KR" dirty="0" smtClean="0"/>
+              <a:t> </a:t>
+            </a:r>
+            <a:r>
+              <a:rPr lang="en-US" altLang="ko-KR" dirty="0" smtClean="0"/>
+              <a:t>step5. </a:t>
+            </a:r>
+            <a:r>
+              <a:rPr lang="ko-KR" altLang="en-US" dirty="0" smtClean="0"/>
+              <a:t>업그레이드</a:t>
+            </a:r>
+            <a:r>
+              <a:rPr lang="en-US" altLang="ko-KR" dirty="0" smtClean="0"/>
+              <a:t> – DB </a:t>
+            </a:r>
+            <a:r>
+              <a:rPr lang="ko-KR" altLang="en-US" dirty="0" smtClean="0"/>
+              <a:t>연동</a:t>
+            </a:r>
+            <a:endParaRPr lang="ko-KR" altLang="en-US" dirty="0"/>
+          </a:p>
+        </p:txBody>
+      </p:sp>
+      <p:sp>
+        <p:nvSpPr>
+          <p:cNvPr id="5" name="슬라이드 번호 개체 틀 4"/>
+          <p:cNvSpPr>
+            <a:spLocks noGrp="1"/>
+          </p:cNvSpPr>
+          <p:nvPr>
+            <p:ph type="sldNum" sz="quarter" idx="12"/>
+          </p:nvPr>
+        </p:nvSpPr>
+        <p:spPr>
+          <a:xfrm>
+            <a:off x="8853433" y="7312347"/>
+            <a:ext cx="557267" cy="365125"/>
+          </a:xfrm>
+        </p:spPr>
+        <p:txBody>
+          <a:bodyPr/>
+          <a:lstStyle/>
+          <a:p>
+            <a:fld id="{1BDE3FE7-3AEA-4B05-AC5A-802D1816ACF0}" type="slidenum">
+              <a:rPr lang="ko-KR" altLang="en-US" smtClean="0"/>
+              <a:t>22</a:t>
+            </a:fld>
+            <a:endParaRPr lang="ko-KR" altLang="en-US"/>
+          </a:p>
+        </p:txBody>
+      </p:sp>
+      <p:sp>
+        <p:nvSpPr>
+          <p:cNvPr id="8" name="내용 개체 틀 2">
+            <a:extLst>
+              <a:ext uri="{FF2B5EF4-FFF2-40B4-BE49-F238E27FC236}">
+                <a16:creationId xmlns:a16="http://schemas.microsoft.com/office/drawing/2014/main" id="{98AF3A4E-7D90-4241-89FE-799D6F9D5A94}"/>
+              </a:ext>
+            </a:extLst>
+          </p:cNvPr>
+          <p:cNvSpPr txBox="1">
+            <a:spLocks/>
+          </p:cNvSpPr>
+          <p:nvPr/>
+        </p:nvSpPr>
+        <p:spPr>
+          <a:xfrm>
+            <a:off x="883939" y="1052736"/>
+            <a:ext cx="5509221" cy="504055"/>
+          </a:xfrm>
+          <a:prstGeom prst="rect">
+            <a:avLst/>
+          </a:prstGeom>
+        </p:spPr>
+        <p:txBody>
+          <a:bodyPr/>
+          <a:lstStyle>
+            <a:lvl1pPr marL="228600" indent="-228600" algn="l" defTabSz="914400" rtl="0" eaLnBrk="1" latinLnBrk="1" hangingPunct="1">
+              <a:lnSpc>
+                <a:spcPct val="90000"/>
+              </a:lnSpc>
+              <a:spcBef>
+                <a:spcPts val="1000"/>
+              </a:spcBef>
+              <a:buFont typeface="Arial" panose="020B0604020202020204" pitchFamily="34" charset="0"/>
+              <a:buChar char="•"/>
+              <a:defRPr sz="2800" kern="1200">
+                <a:solidFill>
+                  <a:schemeClr val="tx1"/>
+                </a:solidFill>
+                <a:latin typeface="+mn-lt"/>
+                <a:ea typeface="+mn-ea"/>
+                <a:cs typeface="+mn-cs"/>
+              </a:defRPr>
+            </a:lvl1pPr>
+            <a:lvl2pPr marL="685800" indent="-228600" algn="l" defTabSz="914400" rtl="0" eaLnBrk="1" latinLnBrk="1" hangingPunct="1">
+              <a:lnSpc>
+                <a:spcPct val="90000"/>
+              </a:lnSpc>
+              <a:spcBef>
+                <a:spcPts val="500"/>
+              </a:spcBef>
+              <a:buFont typeface="Arial" panose="020B0604020202020204" pitchFamily="34" charset="0"/>
+              <a:buChar char="•"/>
+              <a:defRPr sz="2400" kern="1200">
+                <a:solidFill>
+                  <a:schemeClr val="tx1"/>
+                </a:solidFill>
+                <a:latin typeface="+mn-lt"/>
+                <a:ea typeface="+mn-ea"/>
+                <a:cs typeface="+mn-cs"/>
+              </a:defRPr>
+            </a:lvl2pPr>
+            <a:lvl3pPr marL="1143000" indent="-228600" algn="l" defTabSz="914400" rtl="0" eaLnBrk="1" latinLnBrk="1" hangingPunct="1">
+              <a:lnSpc>
+                <a:spcPct val="90000"/>
+              </a:lnSpc>
+              <a:spcBef>
+                <a:spcPts val="500"/>
+              </a:spcBef>
+              <a:buFont typeface="Arial" panose="020B0604020202020204" pitchFamily="34" charset="0"/>
+              <a:buChar char="•"/>
+              <a:defRPr sz="2000" kern="1200">
+                <a:solidFill>
+                  <a:schemeClr val="tx1"/>
+                </a:solidFill>
+                <a:latin typeface="+mn-lt"/>
+                <a:ea typeface="+mn-ea"/>
+                <a:cs typeface="+mn-cs"/>
+              </a:defRPr>
+            </a:lvl3pPr>
+            <a:lvl4pPr marL="1600200" indent="-228600" algn="l" defTabSz="914400" rtl="0" eaLnBrk="1" latinLnBrk="1" hangingPunct="1">
+              <a:lnSpc>
+                <a:spcPct val="90000"/>
+              </a:lnSpc>
+              <a:spcBef>
+                <a:spcPts val="500"/>
+              </a:spcBef>
+              <a:buFont typeface="Arial" panose="020B0604020202020204" pitchFamily="34" charset="0"/>
+              <a:buChar char="•"/>
+              <a:defRPr sz="1800" kern="1200">
+                <a:solidFill>
+                  <a:schemeClr val="tx1"/>
+                </a:solidFill>
+                <a:latin typeface="+mn-lt"/>
+                <a:ea typeface="+mn-ea"/>
+                <a:cs typeface="+mn-cs"/>
+              </a:defRPr>
+            </a:lvl4pPr>
+            <a:lvl5pPr marL="2057400" indent="-228600" algn="l" defTabSz="914400" rtl="0" eaLnBrk="1" latinLnBrk="1" hangingPunct="1">
+              <a:lnSpc>
+                <a:spcPct val="90000"/>
+              </a:lnSpc>
+              <a:spcBef>
+                <a:spcPts val="500"/>
+              </a:spcBef>
+              <a:buFont typeface="Arial" panose="020B0604020202020204" pitchFamily="34" charset="0"/>
+              <a:buChar char="•"/>
+              <a:defRPr sz="1800" kern="1200">
+                <a:solidFill>
+                  <a:schemeClr val="tx1"/>
+                </a:solidFill>
+                <a:latin typeface="+mn-lt"/>
+                <a:ea typeface="+mn-ea"/>
+                <a:cs typeface="+mn-cs"/>
+              </a:defRPr>
+            </a:lvl5pPr>
+            <a:lvl6pPr marL="2514600" indent="-228600" algn="l" defTabSz="914400" rtl="0" eaLnBrk="1" latinLnBrk="1" hangingPunct="1">
+              <a:lnSpc>
+                <a:spcPct val="90000"/>
+              </a:lnSpc>
+              <a:spcBef>
+                <a:spcPts val="500"/>
+              </a:spcBef>
+              <a:buFont typeface="Arial" panose="020B0604020202020204" pitchFamily="34" charset="0"/>
+              <a:buChar char="•"/>
+              <a:defRPr sz="1800" kern="1200">
+                <a:solidFill>
+                  <a:schemeClr val="tx1"/>
+                </a:solidFill>
+                <a:latin typeface="+mn-lt"/>
+                <a:ea typeface="+mn-ea"/>
+                <a:cs typeface="+mn-cs"/>
+              </a:defRPr>
+            </a:lvl6pPr>
+            <a:lvl7pPr marL="2971800" indent="-228600" algn="l" defTabSz="914400" rtl="0" eaLnBrk="1" latinLnBrk="1" hangingPunct="1">
+              <a:lnSpc>
+                <a:spcPct val="90000"/>
+              </a:lnSpc>
+              <a:spcBef>
+                <a:spcPts val="500"/>
+              </a:spcBef>
+              <a:buFont typeface="Arial" panose="020B0604020202020204" pitchFamily="34" charset="0"/>
+              <a:buChar char="•"/>
+              <a:defRPr sz="1800" kern="1200">
+                <a:solidFill>
+                  <a:schemeClr val="tx1"/>
+                </a:solidFill>
+                <a:latin typeface="+mn-lt"/>
+                <a:ea typeface="+mn-ea"/>
+                <a:cs typeface="+mn-cs"/>
+              </a:defRPr>
+            </a:lvl7pPr>
+            <a:lvl8pPr marL="3429000" indent="-228600" algn="l" defTabSz="914400" rtl="0" eaLnBrk="1" latinLnBrk="1" hangingPunct="1">
+              <a:lnSpc>
+                <a:spcPct val="90000"/>
+              </a:lnSpc>
+              <a:spcBef>
+                <a:spcPts val="500"/>
+              </a:spcBef>
+              <a:buFont typeface="Arial" panose="020B0604020202020204" pitchFamily="34" charset="0"/>
+              <a:buChar char="•"/>
+              <a:defRPr sz="1800" kern="1200">
+                <a:solidFill>
+                  <a:schemeClr val="tx1"/>
+                </a:solidFill>
+                <a:latin typeface="+mn-lt"/>
+                <a:ea typeface="+mn-ea"/>
+                <a:cs typeface="+mn-cs"/>
+              </a:defRPr>
+            </a:lvl8pPr>
+            <a:lvl9pPr marL="3886200" indent="-228600" algn="l" defTabSz="914400" rtl="0" eaLnBrk="1" latinLnBrk="1" hangingPunct="1">
+              <a:lnSpc>
+                <a:spcPct val="90000"/>
+              </a:lnSpc>
+              <a:spcBef>
+                <a:spcPts val="500"/>
+              </a:spcBef>
+              <a:buFont typeface="Arial" panose="020B0604020202020204" pitchFamily="34" charset="0"/>
+              <a:buChar char="•"/>
+              <a:defRPr sz="1800" kern="1200">
+                <a:solidFill>
+                  <a:schemeClr val="tx1"/>
+                </a:solidFill>
+                <a:latin typeface="+mn-lt"/>
+                <a:ea typeface="+mn-ea"/>
+                <a:cs typeface="+mn-cs"/>
+              </a:defRPr>
+            </a:lvl9pPr>
+          </a:lstStyle>
+          <a:p>
+            <a:pPr>
+              <a:lnSpc>
+                <a:spcPct val="150000"/>
+              </a:lnSpc>
+              <a:buFont typeface="Wingdings" panose="05000000000000000000" pitchFamily="2" charset="2"/>
+              <a:buChar char="u"/>
+            </a:pPr>
+            <a:r>
+              <a:rPr lang="ko-KR" altLang="en-US" sz="1800" b="1" dirty="0" smtClean="0"/>
+              <a:t> </a:t>
+            </a:r>
+            <a:r>
+              <a:rPr lang="en-US" altLang="ko-KR" sz="1800" b="1" dirty="0" smtClean="0"/>
+              <a:t>DB </a:t>
+            </a:r>
+            <a:r>
+              <a:rPr lang="ko-KR" altLang="en-US" sz="1800" b="1" dirty="0" smtClean="0"/>
+              <a:t>테이블 생성</a:t>
+            </a:r>
+            <a:endParaRPr lang="en-US" altLang="ko-KR" sz="1800" b="1" dirty="0" smtClean="0"/>
+          </a:p>
+        </p:txBody>
+      </p:sp>
+      <p:pic>
+        <p:nvPicPr>
+          <p:cNvPr id="7" name="그림 6"/>
+          <p:cNvPicPr>
+            <a:picLocks noChangeAspect="1"/>
+          </p:cNvPicPr>
+          <p:nvPr/>
+        </p:nvPicPr>
+        <p:blipFill>
+          <a:blip r:embed="rId2">
+            <a:extLst>
+              <a:ext uri="{28A0092B-C50C-407E-A947-70E740481C1C}">
+                <a14:useLocalDpi xmlns:a14="http://schemas.microsoft.com/office/drawing/2010/main" val="0"/>
+              </a:ext>
+            </a:extLst>
+          </a:blip>
+          <a:stretch>
+            <a:fillRect/>
+          </a:stretch>
+        </p:blipFill>
+        <p:spPr>
+          <a:xfrm>
+            <a:off x="1280592" y="1772815"/>
+            <a:ext cx="7198375" cy="2232248"/>
+          </a:xfrm>
+          <a:prstGeom prst="rect">
+            <a:avLst/>
+          </a:prstGeom>
+          <a:ln>
+            <a:solidFill>
+              <a:schemeClr val="bg1">
+                <a:lumMod val="85000"/>
+              </a:schemeClr>
+            </a:solidFill>
+          </a:ln>
+        </p:spPr>
+      </p:pic>
+    </p:spTree>
+    <p:extLst>
+      <p:ext uri="{BB962C8B-B14F-4D97-AF65-F5344CB8AC3E}">
+        <p14:creationId xmlns:p14="http://schemas.microsoft.com/office/powerpoint/2010/main" val="1133290678"/>
+      </p:ext>
+    </p:extLst>
+  </p:cSld>
+  <p:clrMapOvr>
+    <a:masterClrMapping/>
+  </p:clrMapOvr>
+  <p:timing>
+    <p:tnLst>
+      <p:par>
+        <p:cTn id="1" dur="indefinite" restart="never" nodeType="tmRoot"/>
+      </p:par>
+    </p:tnLst>
+  </p:timing>
+</p:sld>
+</file>
+
+<file path=ppt/slides/slide23.xml><?xml version="1.0" encoding="utf-8"?>
+<p:sld xmlns:a="http://schemas.openxmlformats.org/drawingml/2006/main" xmlns:r="http://schemas.openxmlformats.org/officeDocument/2006/relationships" xmlns:p="http://schemas.openxmlformats.org/presentationml/2006/main">
+  <p:cSld>
+    <p:spTree>
+      <p:nvGrpSpPr>
+        <p:cNvPr id="1" name=""/>
+        <p:cNvGrpSpPr/>
+        <p:nvPr/>
+      </p:nvGrpSpPr>
+      <p:grpSpPr>
+        <a:xfrm>
+          <a:off x="0" y="0"/>
+          <a:ext cx="0" cy="0"/>
+          <a:chOff x="0" y="0"/>
+          <a:chExt cx="0" cy="0"/>
+        </a:xfrm>
+      </p:grpSpPr>
+      <p:sp>
+        <p:nvSpPr>
+          <p:cNvPr id="15" name="제목 5"/>
+          <p:cNvSpPr txBox="1">
+            <a:spLocks/>
+          </p:cNvSpPr>
+          <p:nvPr/>
+        </p:nvSpPr>
+        <p:spPr>
+          <a:xfrm>
+            <a:off x="0" y="-27384"/>
+            <a:ext cx="6897216" cy="854968"/>
+          </a:xfrm>
+          <a:prstGeom prst="rect">
+            <a:avLst/>
+          </a:prstGeom>
+        </p:spPr>
+        <p:txBody>
+          <a:bodyPr anchor="ctr" anchorCtr="0"/>
+          <a:lstStyle>
+            <a:lvl1pPr algn="l" defTabSz="914400" rtl="0" eaLnBrk="1" latinLnBrk="1" hangingPunct="1">
+              <a:spcBef>
+                <a:spcPct val="0"/>
+              </a:spcBef>
+              <a:buNone/>
+              <a:defRPr sz="3200" kern="1200">
+                <a:solidFill>
+                  <a:schemeClr val="bg1"/>
+                </a:solidFill>
+                <a:latin typeface="HY헤드라인M" panose="02030600000101010101" pitchFamily="18" charset="-127"/>
+                <a:ea typeface="HY헤드라인M" panose="02030600000101010101" pitchFamily="18" charset="-127"/>
+                <a:cs typeface="+mj-cs"/>
+              </a:defRPr>
+            </a:lvl1pPr>
+          </a:lstStyle>
+          <a:p>
+            <a:pPr>
+              <a:lnSpc>
+                <a:spcPct val="150000"/>
+              </a:lnSpc>
+            </a:pPr>
+            <a:r>
+              <a:rPr lang="en-US" altLang="ko-KR" dirty="0"/>
+              <a:t> </a:t>
+            </a:r>
+            <a:r>
+              <a:rPr lang="en-US" altLang="ko-KR" dirty="0" smtClean="0"/>
+              <a:t> </a:t>
+            </a:r>
+            <a:r>
+              <a:rPr lang="en-US" altLang="ko-KR" dirty="0" err="1"/>
+              <a:t>JDBCUtil</a:t>
+            </a:r>
+            <a:r>
+              <a:rPr lang="en-US" altLang="ko-KR" dirty="0"/>
+              <a:t> – </a:t>
+            </a:r>
+            <a:r>
+              <a:rPr lang="en-US" altLang="ko-KR" dirty="0" smtClean="0"/>
+              <a:t>DB </a:t>
+            </a:r>
+            <a:r>
+              <a:rPr lang="ko-KR" altLang="en-US" dirty="0" smtClean="0"/>
+              <a:t>연결</a:t>
+            </a:r>
+            <a:endParaRPr lang="en-US" altLang="ko-KR" b="1" dirty="0"/>
+          </a:p>
+        </p:txBody>
+      </p:sp>
+      <p:pic>
+        <p:nvPicPr>
+          <p:cNvPr id="2" name="그림 1"/>
+          <p:cNvPicPr>
+            <a:picLocks noChangeAspect="1"/>
+          </p:cNvPicPr>
+          <p:nvPr/>
+        </p:nvPicPr>
+        <p:blipFill>
+          <a:blip r:embed="rId2">
+            <a:extLst>
+              <a:ext uri="{28A0092B-C50C-407E-A947-70E740481C1C}">
+                <a14:useLocalDpi xmlns:a14="http://schemas.microsoft.com/office/drawing/2010/main" val="0"/>
+              </a:ext>
+            </a:extLst>
+          </a:blip>
+          <a:stretch>
+            <a:fillRect/>
+          </a:stretch>
+        </p:blipFill>
+        <p:spPr>
+          <a:xfrm>
+            <a:off x="416496" y="1340768"/>
+            <a:ext cx="9309957" cy="4154406"/>
+          </a:xfrm>
+          <a:prstGeom prst="rect">
+            <a:avLst/>
+          </a:prstGeom>
+          <a:ln>
+            <a:solidFill>
+              <a:schemeClr val="bg1">
+                <a:lumMod val="85000"/>
+              </a:schemeClr>
+            </a:solidFill>
+          </a:ln>
+        </p:spPr>
+      </p:pic>
+    </p:spTree>
+    <p:extLst>
+      <p:ext uri="{BB962C8B-B14F-4D97-AF65-F5344CB8AC3E}">
+        <p14:creationId xmlns:p14="http://schemas.microsoft.com/office/powerpoint/2010/main" val="2821703558"/>
+      </p:ext>
+    </p:extLst>
+  </p:cSld>
+  <p:clrMapOvr>
+    <a:masterClrMapping/>
+  </p:clrMapOvr>
+  <p:timing>
+    <p:tnLst>
+      <p:par>
+        <p:cTn id="1" dur="indefinite" restart="never" nodeType="tmRoot"/>
+      </p:par>
+    </p:tnLst>
+  </p:timing>
+</p:sld>
+</file>
+
+<file path=ppt/slides/slide24.xml><?xml version="1.0" encoding="utf-8"?>
+<p:sld xmlns:a="http://schemas.openxmlformats.org/drawingml/2006/main" xmlns:r="http://schemas.openxmlformats.org/officeDocument/2006/relationships" xmlns:p="http://schemas.openxmlformats.org/presentationml/2006/main">
+  <p:cSld>
+    <p:spTree>
+      <p:nvGrpSpPr>
+        <p:cNvPr id="1" name=""/>
+        <p:cNvGrpSpPr/>
+        <p:nvPr/>
+      </p:nvGrpSpPr>
+      <p:grpSpPr>
+        <a:xfrm>
+          <a:off x="0" y="0"/>
+          <a:ext cx="0" cy="0"/>
+          <a:chOff x="0" y="0"/>
+          <a:chExt cx="0" cy="0"/>
+        </a:xfrm>
+      </p:grpSpPr>
+      <p:sp>
+        <p:nvSpPr>
+          <p:cNvPr id="15" name="제목 5"/>
+          <p:cNvSpPr txBox="1">
+            <a:spLocks/>
+          </p:cNvSpPr>
+          <p:nvPr/>
+        </p:nvSpPr>
+        <p:spPr>
+          <a:xfrm>
+            <a:off x="0" y="-27384"/>
+            <a:ext cx="6897216" cy="854968"/>
+          </a:xfrm>
+          <a:prstGeom prst="rect">
+            <a:avLst/>
+          </a:prstGeom>
+        </p:spPr>
+        <p:txBody>
+          <a:bodyPr anchor="ctr" anchorCtr="0"/>
+          <a:lstStyle>
+            <a:lvl1pPr algn="l" defTabSz="914400" rtl="0" eaLnBrk="1" latinLnBrk="1" hangingPunct="1">
+              <a:spcBef>
+                <a:spcPct val="0"/>
+              </a:spcBef>
+              <a:buNone/>
+              <a:defRPr sz="3200" kern="1200">
+                <a:solidFill>
+                  <a:schemeClr val="bg1"/>
+                </a:solidFill>
+                <a:latin typeface="HY헤드라인M" panose="02030600000101010101" pitchFamily="18" charset="-127"/>
+                <a:ea typeface="HY헤드라인M" panose="02030600000101010101" pitchFamily="18" charset="-127"/>
+                <a:cs typeface="+mj-cs"/>
+              </a:defRPr>
+            </a:lvl1pPr>
+          </a:lstStyle>
+          <a:p>
+            <a:pPr>
+              <a:lnSpc>
+                <a:spcPct val="150000"/>
+              </a:lnSpc>
+            </a:pPr>
+            <a:r>
+              <a:rPr lang="en-US" altLang="ko-KR" dirty="0"/>
+              <a:t> </a:t>
+            </a:r>
+            <a:r>
+              <a:rPr lang="en-US" altLang="ko-KR" dirty="0" smtClean="0"/>
+              <a:t> </a:t>
+            </a:r>
+            <a:r>
+              <a:rPr lang="en-US" altLang="ko-KR" dirty="0" err="1" smtClean="0"/>
+              <a:t>JDBCUtil</a:t>
+            </a:r>
+            <a:r>
+              <a:rPr lang="en-US" altLang="ko-KR" dirty="0" smtClean="0"/>
+              <a:t> – </a:t>
+            </a:r>
+            <a:r>
+              <a:rPr lang="ko-KR" altLang="en-US" dirty="0" smtClean="0"/>
+              <a:t>연결 종료</a:t>
+            </a:r>
+            <a:endParaRPr lang="en-US" altLang="ko-KR" b="1" dirty="0"/>
+          </a:p>
+        </p:txBody>
+      </p:sp>
+      <p:pic>
+        <p:nvPicPr>
+          <p:cNvPr id="2" name="그림 1"/>
+          <p:cNvPicPr>
+            <a:picLocks noChangeAspect="1"/>
+          </p:cNvPicPr>
+          <p:nvPr/>
+        </p:nvPicPr>
+        <p:blipFill>
+          <a:blip r:embed="rId2">
+            <a:extLst>
+              <a:ext uri="{28A0092B-C50C-407E-A947-70E740481C1C}">
+                <a14:useLocalDpi xmlns:a14="http://schemas.microsoft.com/office/drawing/2010/main" val="0"/>
+              </a:ext>
+            </a:extLst>
+          </a:blip>
+          <a:stretch>
+            <a:fillRect/>
+          </a:stretch>
+        </p:blipFill>
+        <p:spPr>
+          <a:xfrm>
+            <a:off x="1496616" y="1196752"/>
+            <a:ext cx="6774768" cy="4656224"/>
+          </a:xfrm>
+          <a:prstGeom prst="rect">
+            <a:avLst/>
+          </a:prstGeom>
+          <a:ln>
+            <a:solidFill>
+              <a:schemeClr val="bg1">
+                <a:lumMod val="85000"/>
+              </a:schemeClr>
+            </a:solidFill>
+          </a:ln>
+        </p:spPr>
+      </p:pic>
+    </p:spTree>
+    <p:extLst>
+      <p:ext uri="{BB962C8B-B14F-4D97-AF65-F5344CB8AC3E}">
+        <p14:creationId xmlns:p14="http://schemas.microsoft.com/office/powerpoint/2010/main" val="2363531731"/>
+      </p:ext>
+    </p:extLst>
+  </p:cSld>
+  <p:clrMapOvr>
+    <a:masterClrMapping/>
+  </p:clrMapOvr>
+  <p:timing>
+    <p:tnLst>
+      <p:par>
+        <p:cTn id="1" dur="indefinite" restart="never" nodeType="tmRoot"/>
+      </p:par>
+    </p:tnLst>
+  </p:timing>
+</p:sld>
+</file>
+
+<file path=ppt/slides/slide25.xml><?xml version="1.0" encoding="utf-8"?>
+<p:sld xmlns:a="http://schemas.openxmlformats.org/drawingml/2006/main" xmlns:r="http://schemas.openxmlformats.org/officeDocument/2006/relationships" xmlns:p="http://schemas.openxmlformats.org/presentationml/2006/main">
+  <p:cSld>
+    <p:spTree>
+      <p:nvGrpSpPr>
+        <p:cNvPr id="1" name=""/>
+        <p:cNvGrpSpPr/>
+        <p:nvPr/>
+      </p:nvGrpSpPr>
+      <p:grpSpPr>
+        <a:xfrm>
+          <a:off x="0" y="0"/>
+          <a:ext cx="0" cy="0"/>
+          <a:chOff x="0" y="0"/>
+          <a:chExt cx="0" cy="0"/>
+        </a:xfrm>
+      </p:grpSpPr>
+      <p:sp>
+        <p:nvSpPr>
+          <p:cNvPr id="15" name="제목 5"/>
+          <p:cNvSpPr txBox="1">
+            <a:spLocks/>
+          </p:cNvSpPr>
+          <p:nvPr/>
+        </p:nvSpPr>
+        <p:spPr>
+          <a:xfrm>
+            <a:off x="0" y="-27384"/>
+            <a:ext cx="6897216" cy="854968"/>
+          </a:xfrm>
+          <a:prstGeom prst="rect">
+            <a:avLst/>
+          </a:prstGeom>
+        </p:spPr>
+        <p:txBody>
+          <a:bodyPr anchor="ctr" anchorCtr="0"/>
+          <a:lstStyle>
+            <a:lvl1pPr algn="l" defTabSz="914400" rtl="0" eaLnBrk="1" latinLnBrk="1" hangingPunct="1">
+              <a:spcBef>
+                <a:spcPct val="0"/>
+              </a:spcBef>
+              <a:buNone/>
+              <a:defRPr sz="3200" kern="1200">
+                <a:solidFill>
+                  <a:schemeClr val="bg1"/>
+                </a:solidFill>
+                <a:latin typeface="HY헤드라인M" panose="02030600000101010101" pitchFamily="18" charset="-127"/>
+                <a:ea typeface="HY헤드라인M" panose="02030600000101010101" pitchFamily="18" charset="-127"/>
+                <a:cs typeface="+mj-cs"/>
+              </a:defRPr>
+            </a:lvl1pPr>
+          </a:lstStyle>
+          <a:p>
+            <a:pPr>
+              <a:lnSpc>
+                <a:spcPct val="150000"/>
+              </a:lnSpc>
+            </a:pPr>
+            <a:r>
+              <a:rPr lang="en-US" altLang="ko-KR" dirty="0"/>
+              <a:t> </a:t>
+            </a:r>
+            <a:r>
+              <a:rPr lang="en-US" altLang="ko-KR" dirty="0" smtClean="0"/>
+              <a:t> </a:t>
+            </a:r>
+            <a:r>
+              <a:rPr lang="en-US" altLang="ko-KR" dirty="0" err="1" smtClean="0"/>
+              <a:t>JDBCUtil</a:t>
+            </a:r>
+            <a:r>
+              <a:rPr lang="en-US" altLang="ko-KR" dirty="0" smtClean="0"/>
+              <a:t> </a:t>
+            </a:r>
+            <a:r>
+              <a:rPr lang="en-US" altLang="ko-KR" dirty="0"/>
+              <a:t>– </a:t>
+            </a:r>
+            <a:r>
+              <a:rPr lang="ko-KR" altLang="en-US" dirty="0"/>
+              <a:t>연결 종료</a:t>
+            </a:r>
+            <a:endParaRPr lang="en-US" altLang="ko-KR" b="1" dirty="0"/>
+          </a:p>
+        </p:txBody>
+      </p:sp>
+      <p:pic>
+        <p:nvPicPr>
+          <p:cNvPr id="3" name="그림 2"/>
+          <p:cNvPicPr>
+            <a:picLocks noChangeAspect="1"/>
+          </p:cNvPicPr>
+          <p:nvPr/>
+        </p:nvPicPr>
+        <p:blipFill>
+          <a:blip r:embed="rId2">
+            <a:extLst>
+              <a:ext uri="{28A0092B-C50C-407E-A947-70E740481C1C}">
+                <a14:useLocalDpi xmlns:a14="http://schemas.microsoft.com/office/drawing/2010/main" val="0"/>
+              </a:ext>
+            </a:extLst>
+          </a:blip>
+          <a:stretch>
+            <a:fillRect/>
+          </a:stretch>
+        </p:blipFill>
+        <p:spPr>
+          <a:xfrm>
+            <a:off x="1424608" y="908721"/>
+            <a:ext cx="6696744" cy="5356094"/>
+          </a:xfrm>
+          <a:prstGeom prst="rect">
+            <a:avLst/>
+          </a:prstGeom>
+          <a:ln>
+            <a:solidFill>
+              <a:schemeClr val="bg1">
+                <a:lumMod val="85000"/>
+              </a:schemeClr>
+            </a:solidFill>
+          </a:ln>
+        </p:spPr>
+      </p:pic>
+    </p:spTree>
+    <p:extLst>
+      <p:ext uri="{BB962C8B-B14F-4D97-AF65-F5344CB8AC3E}">
+        <p14:creationId xmlns:p14="http://schemas.microsoft.com/office/powerpoint/2010/main" val="2390941912"/>
+      </p:ext>
+    </p:extLst>
+  </p:cSld>
+  <p:clrMapOvr>
+    <a:masterClrMapping/>
+  </p:clrMapOvr>
+  <p:timing>
+    <p:tnLst>
+      <p:par>
+        <p:cTn id="1" dur="indefinite" restart="never" nodeType="tmRoot"/>
+      </p:par>
+    </p:tnLst>
+  </p:timing>
+</p:sld>
+</file>
+
+<file path=ppt/slides/slide26.xml><?xml version="1.0" encoding="utf-8"?>
+<p:sld xmlns:a="http://schemas.openxmlformats.org/drawingml/2006/main" xmlns:r="http://schemas.openxmlformats.org/officeDocument/2006/relationships" xmlns:p="http://schemas.openxmlformats.org/presentationml/2006/main">
+  <p:cSld>
+    <p:spTree>
+      <p:nvGrpSpPr>
+        <p:cNvPr id="1" name=""/>
+        <p:cNvGrpSpPr/>
+        <p:nvPr/>
+      </p:nvGrpSpPr>
+      <p:grpSpPr>
+        <a:xfrm>
+          <a:off x="0" y="0"/>
+          <a:ext cx="0" cy="0"/>
+          <a:chOff x="0" y="0"/>
+          <a:chExt cx="0" cy="0"/>
+        </a:xfrm>
+      </p:grpSpPr>
+      <p:sp>
+        <p:nvSpPr>
+          <p:cNvPr id="6" name="제목 5"/>
+          <p:cNvSpPr>
+            <a:spLocks noGrp="1"/>
+          </p:cNvSpPr>
+          <p:nvPr>
+            <p:ph type="title"/>
+          </p:nvPr>
+        </p:nvSpPr>
+        <p:spPr>
+          <a:xfrm>
+            <a:off x="0" y="-18256"/>
+            <a:ext cx="7185248" cy="854968"/>
+          </a:xfrm>
+        </p:spPr>
+        <p:txBody>
+          <a:bodyPr>
+            <a:normAutofit/>
+          </a:bodyPr>
+          <a:lstStyle/>
+          <a:p>
+            <a:r>
+              <a:rPr lang="en-US" altLang="ko-KR" dirty="0" smtClean="0"/>
+              <a:t> </a:t>
+            </a:r>
+            <a:r>
+              <a:rPr lang="en-US" altLang="ko-KR" dirty="0" smtClean="0"/>
+              <a:t>step5. </a:t>
+            </a:r>
+            <a:r>
+              <a:rPr lang="en-US" altLang="ko-KR" dirty="0" smtClean="0"/>
+              <a:t>Main</a:t>
+            </a:r>
+            <a:endParaRPr lang="ko-KR" altLang="en-US" dirty="0"/>
+          </a:p>
+        </p:txBody>
+      </p:sp>
+      <p:sp>
+        <p:nvSpPr>
+          <p:cNvPr id="5" name="슬라이드 번호 개체 틀 4"/>
+          <p:cNvSpPr>
+            <a:spLocks noGrp="1"/>
+          </p:cNvSpPr>
+          <p:nvPr>
+            <p:ph type="sldNum" sz="quarter" idx="12"/>
+          </p:nvPr>
+        </p:nvSpPr>
+        <p:spPr>
+          <a:xfrm>
+            <a:off x="8853433" y="7312347"/>
+            <a:ext cx="557267" cy="365125"/>
+          </a:xfrm>
+        </p:spPr>
+        <p:txBody>
+          <a:bodyPr/>
+          <a:lstStyle/>
+          <a:p>
+            <a:fld id="{1BDE3FE7-3AEA-4B05-AC5A-802D1816ACF0}" type="slidenum">
+              <a:rPr lang="ko-KR" altLang="en-US" smtClean="0"/>
+              <a:t>26</a:t>
+            </a:fld>
+            <a:endParaRPr lang="ko-KR" altLang="en-US"/>
+          </a:p>
+        </p:txBody>
+      </p:sp>
+      <p:sp>
+        <p:nvSpPr>
+          <p:cNvPr id="8" name="내용 개체 틀 2">
+            <a:extLst>
+              <a:ext uri="{FF2B5EF4-FFF2-40B4-BE49-F238E27FC236}">
+                <a16:creationId xmlns:a16="http://schemas.microsoft.com/office/drawing/2014/main" id="{98AF3A4E-7D90-4241-89FE-799D6F9D5A94}"/>
+              </a:ext>
+            </a:extLst>
+          </p:cNvPr>
+          <p:cNvSpPr txBox="1">
+            <a:spLocks/>
+          </p:cNvSpPr>
+          <p:nvPr/>
+        </p:nvSpPr>
+        <p:spPr>
+          <a:xfrm>
+            <a:off x="883939" y="1052736"/>
+            <a:ext cx="5509221" cy="504055"/>
+          </a:xfrm>
+          <a:prstGeom prst="rect">
+            <a:avLst/>
+          </a:prstGeom>
+        </p:spPr>
+        <p:txBody>
+          <a:bodyPr/>
+          <a:lstStyle>
+            <a:lvl1pPr marL="228600" indent="-228600" algn="l" defTabSz="914400" rtl="0" eaLnBrk="1" latinLnBrk="1" hangingPunct="1">
+              <a:lnSpc>
+                <a:spcPct val="90000"/>
+              </a:lnSpc>
+              <a:spcBef>
+                <a:spcPts val="1000"/>
+              </a:spcBef>
+              <a:buFont typeface="Arial" panose="020B0604020202020204" pitchFamily="34" charset="0"/>
+              <a:buChar char="•"/>
+              <a:defRPr sz="2800" kern="1200">
+                <a:solidFill>
+                  <a:schemeClr val="tx1"/>
+                </a:solidFill>
+                <a:latin typeface="+mn-lt"/>
+                <a:ea typeface="+mn-ea"/>
+                <a:cs typeface="+mn-cs"/>
+              </a:defRPr>
+            </a:lvl1pPr>
+            <a:lvl2pPr marL="685800" indent="-228600" algn="l" defTabSz="914400" rtl="0" eaLnBrk="1" latinLnBrk="1" hangingPunct="1">
+              <a:lnSpc>
+                <a:spcPct val="90000"/>
+              </a:lnSpc>
+              <a:spcBef>
+                <a:spcPts val="500"/>
+              </a:spcBef>
+              <a:buFont typeface="Arial" panose="020B0604020202020204" pitchFamily="34" charset="0"/>
+              <a:buChar char="•"/>
+              <a:defRPr sz="2400" kern="1200">
+                <a:solidFill>
+                  <a:schemeClr val="tx1"/>
+                </a:solidFill>
+                <a:latin typeface="+mn-lt"/>
+                <a:ea typeface="+mn-ea"/>
+                <a:cs typeface="+mn-cs"/>
+              </a:defRPr>
+            </a:lvl2pPr>
+            <a:lvl3pPr marL="1143000" indent="-228600" algn="l" defTabSz="914400" rtl="0" eaLnBrk="1" latinLnBrk="1" hangingPunct="1">
+              <a:lnSpc>
+                <a:spcPct val="90000"/>
+              </a:lnSpc>
+              <a:spcBef>
+                <a:spcPts val="500"/>
+              </a:spcBef>
+              <a:buFont typeface="Arial" panose="020B0604020202020204" pitchFamily="34" charset="0"/>
+              <a:buChar char="•"/>
+              <a:defRPr sz="2000" kern="1200">
+                <a:solidFill>
+                  <a:schemeClr val="tx1"/>
+                </a:solidFill>
+                <a:latin typeface="+mn-lt"/>
+                <a:ea typeface="+mn-ea"/>
+                <a:cs typeface="+mn-cs"/>
+              </a:defRPr>
+            </a:lvl3pPr>
+            <a:lvl4pPr marL="1600200" indent="-228600" algn="l" defTabSz="914400" rtl="0" eaLnBrk="1" latinLnBrk="1" hangingPunct="1">
+              <a:lnSpc>
+                <a:spcPct val="90000"/>
+              </a:lnSpc>
+              <a:spcBef>
+                <a:spcPts val="500"/>
+              </a:spcBef>
+              <a:buFont typeface="Arial" panose="020B0604020202020204" pitchFamily="34" charset="0"/>
+              <a:buChar char="•"/>
+              <a:defRPr sz="1800" kern="1200">
+                <a:solidFill>
+                  <a:schemeClr val="tx1"/>
+                </a:solidFill>
+                <a:latin typeface="+mn-lt"/>
+                <a:ea typeface="+mn-ea"/>
+                <a:cs typeface="+mn-cs"/>
+              </a:defRPr>
+            </a:lvl4pPr>
+            <a:lvl5pPr marL="2057400" indent="-228600" algn="l" defTabSz="914400" rtl="0" eaLnBrk="1" latinLnBrk="1" hangingPunct="1">
+              <a:lnSpc>
+                <a:spcPct val="90000"/>
+              </a:lnSpc>
+              <a:spcBef>
+                <a:spcPts val="500"/>
+              </a:spcBef>
+              <a:buFont typeface="Arial" panose="020B0604020202020204" pitchFamily="34" charset="0"/>
+              <a:buChar char="•"/>
+              <a:defRPr sz="1800" kern="1200">
+                <a:solidFill>
+                  <a:schemeClr val="tx1"/>
+                </a:solidFill>
+                <a:latin typeface="+mn-lt"/>
+                <a:ea typeface="+mn-ea"/>
+                <a:cs typeface="+mn-cs"/>
+              </a:defRPr>
+            </a:lvl5pPr>
+            <a:lvl6pPr marL="2514600" indent="-228600" algn="l" defTabSz="914400" rtl="0" eaLnBrk="1" latinLnBrk="1" hangingPunct="1">
+              <a:lnSpc>
+                <a:spcPct val="90000"/>
+              </a:lnSpc>
+              <a:spcBef>
+                <a:spcPts val="500"/>
+              </a:spcBef>
+              <a:buFont typeface="Arial" panose="020B0604020202020204" pitchFamily="34" charset="0"/>
+              <a:buChar char="•"/>
+              <a:defRPr sz="1800" kern="1200">
+                <a:solidFill>
+                  <a:schemeClr val="tx1"/>
+                </a:solidFill>
+                <a:latin typeface="+mn-lt"/>
+                <a:ea typeface="+mn-ea"/>
+                <a:cs typeface="+mn-cs"/>
+              </a:defRPr>
+            </a:lvl6pPr>
+            <a:lvl7pPr marL="2971800" indent="-228600" algn="l" defTabSz="914400" rtl="0" eaLnBrk="1" latinLnBrk="1" hangingPunct="1">
+              <a:lnSpc>
+                <a:spcPct val="90000"/>
+              </a:lnSpc>
+              <a:spcBef>
+                <a:spcPts val="500"/>
+              </a:spcBef>
+              <a:buFont typeface="Arial" panose="020B0604020202020204" pitchFamily="34" charset="0"/>
+              <a:buChar char="•"/>
+              <a:defRPr sz="1800" kern="1200">
+                <a:solidFill>
+                  <a:schemeClr val="tx1"/>
+                </a:solidFill>
+                <a:latin typeface="+mn-lt"/>
+                <a:ea typeface="+mn-ea"/>
+                <a:cs typeface="+mn-cs"/>
+              </a:defRPr>
+            </a:lvl7pPr>
+            <a:lvl8pPr marL="3429000" indent="-228600" algn="l" defTabSz="914400" rtl="0" eaLnBrk="1" latinLnBrk="1" hangingPunct="1">
+              <a:lnSpc>
+                <a:spcPct val="90000"/>
+              </a:lnSpc>
+              <a:spcBef>
+                <a:spcPts val="500"/>
+              </a:spcBef>
+              <a:buFont typeface="Arial" panose="020B0604020202020204" pitchFamily="34" charset="0"/>
+              <a:buChar char="•"/>
+              <a:defRPr sz="1800" kern="1200">
+                <a:solidFill>
+                  <a:schemeClr val="tx1"/>
+                </a:solidFill>
+                <a:latin typeface="+mn-lt"/>
+                <a:ea typeface="+mn-ea"/>
+                <a:cs typeface="+mn-cs"/>
+              </a:defRPr>
+            </a:lvl8pPr>
+            <a:lvl9pPr marL="3886200" indent="-228600" algn="l" defTabSz="914400" rtl="0" eaLnBrk="1" latinLnBrk="1" hangingPunct="1">
+              <a:lnSpc>
+                <a:spcPct val="90000"/>
+              </a:lnSpc>
+              <a:spcBef>
+                <a:spcPts val="500"/>
+              </a:spcBef>
+              <a:buFont typeface="Arial" panose="020B0604020202020204" pitchFamily="34" charset="0"/>
+              <a:buChar char="•"/>
+              <a:defRPr sz="1800" kern="1200">
+                <a:solidFill>
+                  <a:schemeClr val="tx1"/>
+                </a:solidFill>
+                <a:latin typeface="+mn-lt"/>
+                <a:ea typeface="+mn-ea"/>
+                <a:cs typeface="+mn-cs"/>
+              </a:defRPr>
+            </a:lvl9pPr>
+          </a:lstStyle>
+          <a:p>
+            <a:pPr>
+              <a:lnSpc>
+                <a:spcPct val="150000"/>
+              </a:lnSpc>
+              <a:buFont typeface="Wingdings" panose="05000000000000000000" pitchFamily="2" charset="2"/>
+              <a:buChar char="u"/>
+            </a:pPr>
+            <a:r>
+              <a:rPr lang="ko-KR" altLang="en-US" sz="1800" b="1" dirty="0" smtClean="0"/>
+              <a:t> </a:t>
+            </a:r>
+            <a:r>
+              <a:rPr lang="en-US" altLang="ko-KR" sz="1800" b="1" dirty="0" smtClean="0"/>
+              <a:t>Bank Main</a:t>
+            </a:r>
+            <a:endParaRPr lang="en-US" altLang="ko-KR" sz="1800" b="1" dirty="0" smtClean="0"/>
+          </a:p>
+        </p:txBody>
+      </p:sp>
+      <p:pic>
+        <p:nvPicPr>
+          <p:cNvPr id="3" name="그림 2"/>
+          <p:cNvPicPr>
+            <a:picLocks noChangeAspect="1"/>
+          </p:cNvPicPr>
+          <p:nvPr/>
+        </p:nvPicPr>
+        <p:blipFill>
+          <a:blip r:embed="rId2">
+            <a:extLst>
+              <a:ext uri="{28A0092B-C50C-407E-A947-70E740481C1C}">
+                <a14:useLocalDpi xmlns:a14="http://schemas.microsoft.com/office/drawing/2010/main" val="0"/>
+              </a:ext>
+            </a:extLst>
+          </a:blip>
+          <a:stretch>
+            <a:fillRect/>
+          </a:stretch>
+        </p:blipFill>
+        <p:spPr>
+          <a:xfrm>
+            <a:off x="992560" y="1556791"/>
+            <a:ext cx="8296686" cy="4680521"/>
+          </a:xfrm>
+          <a:prstGeom prst="rect">
+            <a:avLst/>
+          </a:prstGeom>
+          <a:ln>
+            <a:solidFill>
+              <a:schemeClr val="bg1">
+                <a:lumMod val="85000"/>
+              </a:schemeClr>
+            </a:solidFill>
+          </a:ln>
+        </p:spPr>
+      </p:pic>
+    </p:spTree>
+    <p:extLst>
+      <p:ext uri="{BB962C8B-B14F-4D97-AF65-F5344CB8AC3E}">
+        <p14:creationId xmlns:p14="http://schemas.microsoft.com/office/powerpoint/2010/main" val="928264237"/>
+      </p:ext>
+    </p:extLst>
+  </p:cSld>
+  <p:clrMapOvr>
+    <a:masterClrMapping/>
+  </p:clrMapOvr>
+  <p:timing>
+    <p:tnLst>
+      <p:par>
+        <p:cTn id="1" dur="indefinite" restart="never" nodeType="tmRoot"/>
+      </p:par>
+    </p:tnLst>
+  </p:timing>
+</p:sld>
+</file>
+
+<file path=ppt/slides/slide27.xml><?xml version="1.0" encoding="utf-8"?>
+<p:sld xmlns:a="http://schemas.openxmlformats.org/drawingml/2006/main" xmlns:r="http://schemas.openxmlformats.org/officeDocument/2006/relationships" xmlns:p="http://schemas.openxmlformats.org/presentationml/2006/main">
+  <p:cSld>
+    <p:spTree>
+      <p:nvGrpSpPr>
+        <p:cNvPr id="1" name=""/>
+        <p:cNvGrpSpPr/>
+        <p:nvPr/>
+      </p:nvGrpSpPr>
+      <p:grpSpPr>
+        <a:xfrm>
+          <a:off x="0" y="0"/>
+          <a:ext cx="0" cy="0"/>
+          <a:chOff x="0" y="0"/>
+          <a:chExt cx="0" cy="0"/>
+        </a:xfrm>
+      </p:grpSpPr>
+      <p:sp>
+        <p:nvSpPr>
+          <p:cNvPr id="6" name="제목 5"/>
+          <p:cNvSpPr>
+            <a:spLocks noGrp="1"/>
+          </p:cNvSpPr>
+          <p:nvPr>
+            <p:ph type="title"/>
+          </p:nvPr>
+        </p:nvSpPr>
+        <p:spPr>
+          <a:xfrm>
+            <a:off x="0" y="-18256"/>
+            <a:ext cx="7185248" cy="854968"/>
+          </a:xfrm>
+        </p:spPr>
+        <p:txBody>
+          <a:bodyPr>
+            <a:normAutofit/>
+          </a:bodyPr>
+          <a:lstStyle/>
+          <a:p>
+            <a:r>
+              <a:rPr lang="en-US" altLang="ko-KR" dirty="0" smtClean="0"/>
+              <a:t> </a:t>
+            </a:r>
+            <a:r>
+              <a:rPr lang="en-US" altLang="ko-KR" dirty="0" smtClean="0"/>
+              <a:t>step5. </a:t>
+            </a:r>
+            <a:r>
+              <a:rPr lang="en-US" altLang="ko-KR" dirty="0" smtClean="0"/>
+              <a:t>Main</a:t>
+            </a:r>
+            <a:endParaRPr lang="ko-KR" altLang="en-US" dirty="0"/>
+          </a:p>
+        </p:txBody>
+      </p:sp>
+      <p:sp>
+        <p:nvSpPr>
+          <p:cNvPr id="5" name="슬라이드 번호 개체 틀 4"/>
+          <p:cNvSpPr>
+            <a:spLocks noGrp="1"/>
+          </p:cNvSpPr>
+          <p:nvPr>
+            <p:ph type="sldNum" sz="quarter" idx="12"/>
+          </p:nvPr>
+        </p:nvSpPr>
+        <p:spPr>
+          <a:xfrm>
+            <a:off x="8853433" y="7312347"/>
+            <a:ext cx="557267" cy="365125"/>
+          </a:xfrm>
+        </p:spPr>
+        <p:txBody>
+          <a:bodyPr/>
+          <a:lstStyle/>
+          <a:p>
+            <a:fld id="{1BDE3FE7-3AEA-4B05-AC5A-802D1816ACF0}" type="slidenum">
+              <a:rPr lang="ko-KR" altLang="en-US" smtClean="0"/>
+              <a:t>27</a:t>
+            </a:fld>
+            <a:endParaRPr lang="ko-KR" altLang="en-US"/>
+          </a:p>
+        </p:txBody>
+      </p:sp>
+      <p:sp>
+        <p:nvSpPr>
+          <p:cNvPr id="8" name="내용 개체 틀 2">
+            <a:extLst>
+              <a:ext uri="{FF2B5EF4-FFF2-40B4-BE49-F238E27FC236}">
+                <a16:creationId xmlns:a16="http://schemas.microsoft.com/office/drawing/2014/main" id="{98AF3A4E-7D90-4241-89FE-799D6F9D5A94}"/>
+              </a:ext>
+            </a:extLst>
+          </p:cNvPr>
+          <p:cNvSpPr txBox="1">
+            <a:spLocks/>
+          </p:cNvSpPr>
+          <p:nvPr/>
+        </p:nvSpPr>
+        <p:spPr>
+          <a:xfrm>
+            <a:off x="883939" y="1052736"/>
+            <a:ext cx="5509221" cy="504055"/>
+          </a:xfrm>
+          <a:prstGeom prst="rect">
+            <a:avLst/>
+          </a:prstGeom>
+        </p:spPr>
+        <p:txBody>
+          <a:bodyPr/>
+          <a:lstStyle>
+            <a:lvl1pPr marL="228600" indent="-228600" algn="l" defTabSz="914400" rtl="0" eaLnBrk="1" latinLnBrk="1" hangingPunct="1">
+              <a:lnSpc>
+                <a:spcPct val="90000"/>
+              </a:lnSpc>
+              <a:spcBef>
+                <a:spcPts val="1000"/>
+              </a:spcBef>
+              <a:buFont typeface="Arial" panose="020B0604020202020204" pitchFamily="34" charset="0"/>
+              <a:buChar char="•"/>
+              <a:defRPr sz="2800" kern="1200">
+                <a:solidFill>
+                  <a:schemeClr val="tx1"/>
+                </a:solidFill>
+                <a:latin typeface="+mn-lt"/>
+                <a:ea typeface="+mn-ea"/>
+                <a:cs typeface="+mn-cs"/>
+              </a:defRPr>
+            </a:lvl1pPr>
+            <a:lvl2pPr marL="685800" indent="-228600" algn="l" defTabSz="914400" rtl="0" eaLnBrk="1" latinLnBrk="1" hangingPunct="1">
+              <a:lnSpc>
+                <a:spcPct val="90000"/>
+              </a:lnSpc>
+              <a:spcBef>
+                <a:spcPts val="500"/>
+              </a:spcBef>
+              <a:buFont typeface="Arial" panose="020B0604020202020204" pitchFamily="34" charset="0"/>
+              <a:buChar char="•"/>
+              <a:defRPr sz="2400" kern="1200">
+                <a:solidFill>
+                  <a:schemeClr val="tx1"/>
+                </a:solidFill>
+                <a:latin typeface="+mn-lt"/>
+                <a:ea typeface="+mn-ea"/>
+                <a:cs typeface="+mn-cs"/>
+              </a:defRPr>
+            </a:lvl2pPr>
+            <a:lvl3pPr marL="1143000" indent="-228600" algn="l" defTabSz="914400" rtl="0" eaLnBrk="1" latinLnBrk="1" hangingPunct="1">
+              <a:lnSpc>
+                <a:spcPct val="90000"/>
+              </a:lnSpc>
+              <a:spcBef>
+                <a:spcPts val="500"/>
+              </a:spcBef>
+              <a:buFont typeface="Arial" panose="020B0604020202020204" pitchFamily="34" charset="0"/>
+              <a:buChar char="•"/>
+              <a:defRPr sz="2000" kern="1200">
+                <a:solidFill>
+                  <a:schemeClr val="tx1"/>
+                </a:solidFill>
+                <a:latin typeface="+mn-lt"/>
+                <a:ea typeface="+mn-ea"/>
+                <a:cs typeface="+mn-cs"/>
+              </a:defRPr>
+            </a:lvl3pPr>
+            <a:lvl4pPr marL="1600200" indent="-228600" algn="l" defTabSz="914400" rtl="0" eaLnBrk="1" latinLnBrk="1" hangingPunct="1">
+              <a:lnSpc>
+                <a:spcPct val="90000"/>
+              </a:lnSpc>
+              <a:spcBef>
+                <a:spcPts val="500"/>
+              </a:spcBef>
+              <a:buFont typeface="Arial" panose="020B0604020202020204" pitchFamily="34" charset="0"/>
+              <a:buChar char="•"/>
+              <a:defRPr sz="1800" kern="1200">
+                <a:solidFill>
+                  <a:schemeClr val="tx1"/>
+                </a:solidFill>
+                <a:latin typeface="+mn-lt"/>
+                <a:ea typeface="+mn-ea"/>
+                <a:cs typeface="+mn-cs"/>
+              </a:defRPr>
+            </a:lvl4pPr>
+            <a:lvl5pPr marL="2057400" indent="-228600" algn="l" defTabSz="914400" rtl="0" eaLnBrk="1" latinLnBrk="1" hangingPunct="1">
+              <a:lnSpc>
+                <a:spcPct val="90000"/>
+              </a:lnSpc>
+              <a:spcBef>
+                <a:spcPts val="500"/>
+              </a:spcBef>
+              <a:buFont typeface="Arial" panose="020B0604020202020204" pitchFamily="34" charset="0"/>
+              <a:buChar char="•"/>
+              <a:defRPr sz="1800" kern="1200">
+                <a:solidFill>
+                  <a:schemeClr val="tx1"/>
+                </a:solidFill>
+                <a:latin typeface="+mn-lt"/>
+                <a:ea typeface="+mn-ea"/>
+                <a:cs typeface="+mn-cs"/>
+              </a:defRPr>
+            </a:lvl5pPr>
+            <a:lvl6pPr marL="2514600" indent="-228600" algn="l" defTabSz="914400" rtl="0" eaLnBrk="1" latinLnBrk="1" hangingPunct="1">
+              <a:lnSpc>
+                <a:spcPct val="90000"/>
+              </a:lnSpc>
+              <a:spcBef>
+                <a:spcPts val="500"/>
+              </a:spcBef>
+              <a:buFont typeface="Arial" panose="020B0604020202020204" pitchFamily="34" charset="0"/>
+              <a:buChar char="•"/>
+              <a:defRPr sz="1800" kern="1200">
+                <a:solidFill>
+                  <a:schemeClr val="tx1"/>
+                </a:solidFill>
+                <a:latin typeface="+mn-lt"/>
+                <a:ea typeface="+mn-ea"/>
+                <a:cs typeface="+mn-cs"/>
+              </a:defRPr>
+            </a:lvl6pPr>
+            <a:lvl7pPr marL="2971800" indent="-228600" algn="l" defTabSz="914400" rtl="0" eaLnBrk="1" latinLnBrk="1" hangingPunct="1">
+              <a:lnSpc>
+                <a:spcPct val="90000"/>
+              </a:lnSpc>
+              <a:spcBef>
+                <a:spcPts val="500"/>
+              </a:spcBef>
+              <a:buFont typeface="Arial" panose="020B0604020202020204" pitchFamily="34" charset="0"/>
+              <a:buChar char="•"/>
+              <a:defRPr sz="1800" kern="1200">
+                <a:solidFill>
+                  <a:schemeClr val="tx1"/>
+                </a:solidFill>
+                <a:latin typeface="+mn-lt"/>
+                <a:ea typeface="+mn-ea"/>
+                <a:cs typeface="+mn-cs"/>
+              </a:defRPr>
+            </a:lvl7pPr>
+            <a:lvl8pPr marL="3429000" indent="-228600" algn="l" defTabSz="914400" rtl="0" eaLnBrk="1" latinLnBrk="1" hangingPunct="1">
+              <a:lnSpc>
+                <a:spcPct val="90000"/>
+              </a:lnSpc>
+              <a:spcBef>
+                <a:spcPts val="500"/>
+              </a:spcBef>
+              <a:buFont typeface="Arial" panose="020B0604020202020204" pitchFamily="34" charset="0"/>
+              <a:buChar char="•"/>
+              <a:defRPr sz="1800" kern="1200">
+                <a:solidFill>
+                  <a:schemeClr val="tx1"/>
+                </a:solidFill>
+                <a:latin typeface="+mn-lt"/>
+                <a:ea typeface="+mn-ea"/>
+                <a:cs typeface="+mn-cs"/>
+              </a:defRPr>
+            </a:lvl8pPr>
+            <a:lvl9pPr marL="3886200" indent="-228600" algn="l" defTabSz="914400" rtl="0" eaLnBrk="1" latinLnBrk="1" hangingPunct="1">
+              <a:lnSpc>
+                <a:spcPct val="90000"/>
+              </a:lnSpc>
+              <a:spcBef>
+                <a:spcPts val="500"/>
+              </a:spcBef>
+              <a:buFont typeface="Arial" panose="020B0604020202020204" pitchFamily="34" charset="0"/>
+              <a:buChar char="•"/>
+              <a:defRPr sz="1800" kern="1200">
+                <a:solidFill>
+                  <a:schemeClr val="tx1"/>
+                </a:solidFill>
+                <a:latin typeface="+mn-lt"/>
+                <a:ea typeface="+mn-ea"/>
+                <a:cs typeface="+mn-cs"/>
+              </a:defRPr>
+            </a:lvl9pPr>
+          </a:lstStyle>
+          <a:p>
+            <a:pPr>
+              <a:lnSpc>
+                <a:spcPct val="150000"/>
+              </a:lnSpc>
+              <a:buFont typeface="Wingdings" panose="05000000000000000000" pitchFamily="2" charset="2"/>
+              <a:buChar char="u"/>
+            </a:pPr>
+            <a:r>
+              <a:rPr lang="ko-KR" altLang="en-US" sz="1800" b="1" dirty="0" smtClean="0"/>
+              <a:t> </a:t>
+            </a:r>
+            <a:r>
+              <a:rPr lang="en-US" altLang="ko-KR" sz="1800" b="1" dirty="0" smtClean="0"/>
+              <a:t>Bank Main</a:t>
+            </a:r>
+            <a:endParaRPr lang="en-US" altLang="ko-KR" sz="1800" b="1" dirty="0" smtClean="0"/>
+          </a:p>
+        </p:txBody>
+      </p:sp>
+      <p:pic>
+        <p:nvPicPr>
+          <p:cNvPr id="2" name="그림 1"/>
+          <p:cNvPicPr>
+            <a:picLocks noChangeAspect="1"/>
+          </p:cNvPicPr>
+          <p:nvPr/>
+        </p:nvPicPr>
+        <p:blipFill>
+          <a:blip r:embed="rId2">
+            <a:extLst>
+              <a:ext uri="{28A0092B-C50C-407E-A947-70E740481C1C}">
+                <a14:useLocalDpi xmlns:a14="http://schemas.microsoft.com/office/drawing/2010/main" val="0"/>
+              </a:ext>
+            </a:extLst>
+          </a:blip>
+          <a:stretch>
+            <a:fillRect/>
+          </a:stretch>
+        </p:blipFill>
+        <p:spPr>
+          <a:xfrm>
+            <a:off x="860319" y="1700808"/>
+            <a:ext cx="8550381" cy="3863675"/>
+          </a:xfrm>
+          <a:prstGeom prst="rect">
+            <a:avLst/>
+          </a:prstGeom>
+          <a:ln>
+            <a:solidFill>
+              <a:schemeClr val="bg1">
+                <a:lumMod val="85000"/>
+              </a:schemeClr>
+            </a:solidFill>
+          </a:ln>
+        </p:spPr>
+      </p:pic>
+    </p:spTree>
+    <p:extLst>
+      <p:ext uri="{BB962C8B-B14F-4D97-AF65-F5344CB8AC3E}">
+        <p14:creationId xmlns:p14="http://schemas.microsoft.com/office/powerpoint/2010/main" val="2294367334"/>
+      </p:ext>
+    </p:extLst>
+  </p:cSld>
+  <p:clrMapOvr>
+    <a:masterClrMapping/>
+  </p:clrMapOvr>
+  <p:timing>
+    <p:tnLst>
+      <p:par>
+        <p:cTn id="1" dur="indefinite" restart="never" nodeType="tmRoot"/>
+      </p:par>
+    </p:tnLst>
+  </p:timing>
+</p:sld>
+</file>
+
+<file path=ppt/slides/slide28.xml><?xml version="1.0" encoding="utf-8"?>
+<p:sld xmlns:a="http://schemas.openxmlformats.org/drawingml/2006/main" xmlns:r="http://schemas.openxmlformats.org/officeDocument/2006/relationships" xmlns:p="http://schemas.openxmlformats.org/presentationml/2006/main">
+  <p:cSld>
+    <p:spTree>
+      <p:nvGrpSpPr>
+        <p:cNvPr id="1" name=""/>
+        <p:cNvGrpSpPr/>
+        <p:nvPr/>
+      </p:nvGrpSpPr>
+      <p:grpSpPr>
+        <a:xfrm>
+          <a:off x="0" y="0"/>
+          <a:ext cx="0" cy="0"/>
+          <a:chOff x="0" y="0"/>
+          <a:chExt cx="0" cy="0"/>
+        </a:xfrm>
+      </p:grpSpPr>
+      <p:sp>
+        <p:nvSpPr>
+          <p:cNvPr id="6" name="제목 5"/>
+          <p:cNvSpPr>
+            <a:spLocks noGrp="1"/>
+          </p:cNvSpPr>
+          <p:nvPr>
+            <p:ph type="title"/>
+          </p:nvPr>
+        </p:nvSpPr>
+        <p:spPr>
+          <a:xfrm>
+            <a:off x="0" y="-18256"/>
+            <a:ext cx="7185248" cy="854968"/>
+          </a:xfrm>
+        </p:spPr>
+        <p:txBody>
+          <a:bodyPr>
+            <a:normAutofit/>
+          </a:bodyPr>
+          <a:lstStyle/>
+          <a:p>
+            <a:r>
+              <a:rPr lang="en-US" altLang="ko-KR" dirty="0" smtClean="0"/>
+              <a:t> </a:t>
+            </a:r>
+            <a:r>
+              <a:rPr lang="en-US" altLang="ko-KR" dirty="0" smtClean="0"/>
+              <a:t>step5. </a:t>
+            </a:r>
+            <a:r>
+              <a:rPr lang="en-US" altLang="ko-KR" dirty="0" err="1" smtClean="0"/>
+              <a:t>AccountDAO</a:t>
+            </a:r>
+            <a:endParaRPr lang="ko-KR" altLang="en-US" dirty="0"/>
+          </a:p>
+        </p:txBody>
+      </p:sp>
+      <p:sp>
+        <p:nvSpPr>
+          <p:cNvPr id="5" name="슬라이드 번호 개체 틀 4"/>
+          <p:cNvSpPr>
+            <a:spLocks noGrp="1"/>
+          </p:cNvSpPr>
+          <p:nvPr>
+            <p:ph type="sldNum" sz="quarter" idx="12"/>
+          </p:nvPr>
+        </p:nvSpPr>
+        <p:spPr>
+          <a:xfrm>
+            <a:off x="8853433" y="7312347"/>
+            <a:ext cx="557267" cy="365125"/>
+          </a:xfrm>
+        </p:spPr>
+        <p:txBody>
+          <a:bodyPr/>
+          <a:lstStyle/>
+          <a:p>
+            <a:fld id="{1BDE3FE7-3AEA-4B05-AC5A-802D1816ACF0}" type="slidenum">
+              <a:rPr lang="ko-KR" altLang="en-US" smtClean="0"/>
+              <a:t>28</a:t>
+            </a:fld>
+            <a:endParaRPr lang="ko-KR" altLang="en-US"/>
+          </a:p>
+        </p:txBody>
+      </p:sp>
+      <p:sp>
+        <p:nvSpPr>
+          <p:cNvPr id="8" name="내용 개체 틀 2">
+            <a:extLst>
+              <a:ext uri="{FF2B5EF4-FFF2-40B4-BE49-F238E27FC236}">
+                <a16:creationId xmlns:a16="http://schemas.microsoft.com/office/drawing/2014/main" id="{98AF3A4E-7D90-4241-89FE-799D6F9D5A94}"/>
+              </a:ext>
+            </a:extLst>
+          </p:cNvPr>
+          <p:cNvSpPr txBox="1">
+            <a:spLocks/>
+          </p:cNvSpPr>
+          <p:nvPr/>
+        </p:nvSpPr>
+        <p:spPr>
+          <a:xfrm>
+            <a:off x="883939" y="1052736"/>
+            <a:ext cx="5509221" cy="504055"/>
+          </a:xfrm>
+          <a:prstGeom prst="rect">
+            <a:avLst/>
+          </a:prstGeom>
+        </p:spPr>
+        <p:txBody>
+          <a:bodyPr/>
+          <a:lstStyle>
+            <a:lvl1pPr marL="228600" indent="-228600" algn="l" defTabSz="914400" rtl="0" eaLnBrk="1" latinLnBrk="1" hangingPunct="1">
+              <a:lnSpc>
+                <a:spcPct val="90000"/>
+              </a:lnSpc>
+              <a:spcBef>
+                <a:spcPts val="1000"/>
+              </a:spcBef>
+              <a:buFont typeface="Arial" panose="020B0604020202020204" pitchFamily="34" charset="0"/>
+              <a:buChar char="•"/>
+              <a:defRPr sz="2800" kern="1200">
+                <a:solidFill>
+                  <a:schemeClr val="tx1"/>
+                </a:solidFill>
+                <a:latin typeface="+mn-lt"/>
+                <a:ea typeface="+mn-ea"/>
+                <a:cs typeface="+mn-cs"/>
+              </a:defRPr>
+            </a:lvl1pPr>
+            <a:lvl2pPr marL="685800" indent="-228600" algn="l" defTabSz="914400" rtl="0" eaLnBrk="1" latinLnBrk="1" hangingPunct="1">
+              <a:lnSpc>
+                <a:spcPct val="90000"/>
+              </a:lnSpc>
+              <a:spcBef>
+                <a:spcPts val="500"/>
+              </a:spcBef>
+              <a:buFont typeface="Arial" panose="020B0604020202020204" pitchFamily="34" charset="0"/>
+              <a:buChar char="•"/>
+              <a:defRPr sz="2400" kern="1200">
+                <a:solidFill>
+                  <a:schemeClr val="tx1"/>
+                </a:solidFill>
+                <a:latin typeface="+mn-lt"/>
+                <a:ea typeface="+mn-ea"/>
+                <a:cs typeface="+mn-cs"/>
+              </a:defRPr>
+            </a:lvl2pPr>
+            <a:lvl3pPr marL="1143000" indent="-228600" algn="l" defTabSz="914400" rtl="0" eaLnBrk="1" latinLnBrk="1" hangingPunct="1">
+              <a:lnSpc>
+                <a:spcPct val="90000"/>
+              </a:lnSpc>
+              <a:spcBef>
+                <a:spcPts val="500"/>
+              </a:spcBef>
+              <a:buFont typeface="Arial" panose="020B0604020202020204" pitchFamily="34" charset="0"/>
+              <a:buChar char="•"/>
+              <a:defRPr sz="2000" kern="1200">
+                <a:solidFill>
+                  <a:schemeClr val="tx1"/>
+                </a:solidFill>
+                <a:latin typeface="+mn-lt"/>
+                <a:ea typeface="+mn-ea"/>
+                <a:cs typeface="+mn-cs"/>
+              </a:defRPr>
+            </a:lvl3pPr>
+            <a:lvl4pPr marL="1600200" indent="-228600" algn="l" defTabSz="914400" rtl="0" eaLnBrk="1" latinLnBrk="1" hangingPunct="1">
+              <a:lnSpc>
+                <a:spcPct val="90000"/>
+              </a:lnSpc>
+              <a:spcBef>
+                <a:spcPts val="500"/>
+              </a:spcBef>
+              <a:buFont typeface="Arial" panose="020B0604020202020204" pitchFamily="34" charset="0"/>
+              <a:buChar char="•"/>
+              <a:defRPr sz="1800" kern="1200">
+                <a:solidFill>
+                  <a:schemeClr val="tx1"/>
+                </a:solidFill>
+                <a:latin typeface="+mn-lt"/>
+                <a:ea typeface="+mn-ea"/>
+                <a:cs typeface="+mn-cs"/>
+              </a:defRPr>
+            </a:lvl4pPr>
+            <a:lvl5pPr marL="2057400" indent="-228600" algn="l" defTabSz="914400" rtl="0" eaLnBrk="1" latinLnBrk="1" hangingPunct="1">
+              <a:lnSpc>
+                <a:spcPct val="90000"/>
+              </a:lnSpc>
+              <a:spcBef>
+                <a:spcPts val="500"/>
+              </a:spcBef>
+              <a:buFont typeface="Arial" panose="020B0604020202020204" pitchFamily="34" charset="0"/>
+              <a:buChar char="•"/>
+              <a:defRPr sz="1800" kern="1200">
+                <a:solidFill>
+                  <a:schemeClr val="tx1"/>
+                </a:solidFill>
+                <a:latin typeface="+mn-lt"/>
+                <a:ea typeface="+mn-ea"/>
+                <a:cs typeface="+mn-cs"/>
+              </a:defRPr>
+            </a:lvl5pPr>
+            <a:lvl6pPr marL="2514600" indent="-228600" algn="l" defTabSz="914400" rtl="0" eaLnBrk="1" latinLnBrk="1" hangingPunct="1">
+              <a:lnSpc>
+                <a:spcPct val="90000"/>
+              </a:lnSpc>
+              <a:spcBef>
+                <a:spcPts val="500"/>
+              </a:spcBef>
+              <a:buFont typeface="Arial" panose="020B0604020202020204" pitchFamily="34" charset="0"/>
+              <a:buChar char="•"/>
+              <a:defRPr sz="1800" kern="1200">
+                <a:solidFill>
+                  <a:schemeClr val="tx1"/>
+                </a:solidFill>
+                <a:latin typeface="+mn-lt"/>
+                <a:ea typeface="+mn-ea"/>
+                <a:cs typeface="+mn-cs"/>
+              </a:defRPr>
+            </a:lvl6pPr>
+            <a:lvl7pPr marL="2971800" indent="-228600" algn="l" defTabSz="914400" rtl="0" eaLnBrk="1" latinLnBrk="1" hangingPunct="1">
+              <a:lnSpc>
+                <a:spcPct val="90000"/>
+              </a:lnSpc>
+              <a:spcBef>
+                <a:spcPts val="500"/>
+              </a:spcBef>
+              <a:buFont typeface="Arial" panose="020B0604020202020204" pitchFamily="34" charset="0"/>
+              <a:buChar char="•"/>
+              <a:defRPr sz="1800" kern="1200">
+                <a:solidFill>
+                  <a:schemeClr val="tx1"/>
+                </a:solidFill>
+                <a:latin typeface="+mn-lt"/>
+                <a:ea typeface="+mn-ea"/>
+                <a:cs typeface="+mn-cs"/>
+              </a:defRPr>
+            </a:lvl7pPr>
+            <a:lvl8pPr marL="3429000" indent="-228600" algn="l" defTabSz="914400" rtl="0" eaLnBrk="1" latinLnBrk="1" hangingPunct="1">
+              <a:lnSpc>
+                <a:spcPct val="90000"/>
+              </a:lnSpc>
+              <a:spcBef>
+                <a:spcPts val="500"/>
+              </a:spcBef>
+              <a:buFont typeface="Arial" panose="020B0604020202020204" pitchFamily="34" charset="0"/>
+              <a:buChar char="•"/>
+              <a:defRPr sz="1800" kern="1200">
+                <a:solidFill>
+                  <a:schemeClr val="tx1"/>
+                </a:solidFill>
+                <a:latin typeface="+mn-lt"/>
+                <a:ea typeface="+mn-ea"/>
+                <a:cs typeface="+mn-cs"/>
+              </a:defRPr>
+            </a:lvl8pPr>
+            <a:lvl9pPr marL="3886200" indent="-228600" algn="l" defTabSz="914400" rtl="0" eaLnBrk="1" latinLnBrk="1" hangingPunct="1">
+              <a:lnSpc>
+                <a:spcPct val="90000"/>
+              </a:lnSpc>
+              <a:spcBef>
+                <a:spcPts val="500"/>
+              </a:spcBef>
+              <a:buFont typeface="Arial" panose="020B0604020202020204" pitchFamily="34" charset="0"/>
+              <a:buChar char="•"/>
+              <a:defRPr sz="1800" kern="1200">
+                <a:solidFill>
+                  <a:schemeClr val="tx1"/>
+                </a:solidFill>
+                <a:latin typeface="+mn-lt"/>
+                <a:ea typeface="+mn-ea"/>
+                <a:cs typeface="+mn-cs"/>
+              </a:defRPr>
+            </a:lvl9pPr>
+          </a:lstStyle>
+          <a:p>
+            <a:pPr>
+              <a:lnSpc>
+                <a:spcPct val="150000"/>
+              </a:lnSpc>
+              <a:buFont typeface="Wingdings" panose="05000000000000000000" pitchFamily="2" charset="2"/>
+              <a:buChar char="u"/>
+            </a:pPr>
+            <a:r>
+              <a:rPr lang="ko-KR" altLang="en-US" sz="1800" b="1" dirty="0" smtClean="0"/>
+              <a:t> 계좌 생성</a:t>
+            </a:r>
+            <a:endParaRPr lang="en-US" altLang="ko-KR" sz="1800" b="1" dirty="0" smtClean="0"/>
+          </a:p>
+        </p:txBody>
+      </p:sp>
+      <p:pic>
+        <p:nvPicPr>
+          <p:cNvPr id="2" name="그림 1"/>
+          <p:cNvPicPr>
+            <a:picLocks noChangeAspect="1"/>
+          </p:cNvPicPr>
+          <p:nvPr/>
+        </p:nvPicPr>
+        <p:blipFill>
+          <a:blip r:embed="rId2">
+            <a:extLst>
+              <a:ext uri="{28A0092B-C50C-407E-A947-70E740481C1C}">
+                <a14:useLocalDpi xmlns:a14="http://schemas.microsoft.com/office/drawing/2010/main" val="0"/>
+              </a:ext>
+            </a:extLst>
+          </a:blip>
+          <a:stretch>
+            <a:fillRect/>
+          </a:stretch>
+        </p:blipFill>
+        <p:spPr>
+          <a:xfrm>
+            <a:off x="1280592" y="1628800"/>
+            <a:ext cx="6577117" cy="4613117"/>
+          </a:xfrm>
+          <a:prstGeom prst="rect">
+            <a:avLst/>
+          </a:prstGeom>
+          <a:ln>
+            <a:solidFill>
+              <a:schemeClr val="bg1">
+                <a:lumMod val="85000"/>
+              </a:schemeClr>
+            </a:solidFill>
+          </a:ln>
+        </p:spPr>
+      </p:pic>
+    </p:spTree>
+    <p:extLst>
+      <p:ext uri="{BB962C8B-B14F-4D97-AF65-F5344CB8AC3E}">
+        <p14:creationId xmlns:p14="http://schemas.microsoft.com/office/powerpoint/2010/main" val="1984647114"/>
+      </p:ext>
+    </p:extLst>
+  </p:cSld>
+  <p:clrMapOvr>
+    <a:masterClrMapping/>
+  </p:clrMapOvr>
+  <p:timing>
+    <p:tnLst>
+      <p:par>
+        <p:cTn id="1" dur="indefinite" restart="never" nodeType="tmRoot"/>
+      </p:par>
+    </p:tnLst>
+  </p:timing>
+</p:sld>
+</file>
+
+<file path=ppt/slides/slide29.xml><?xml version="1.0" encoding="utf-8"?>
+<p:sld xmlns:a="http://schemas.openxmlformats.org/drawingml/2006/main" xmlns:r="http://schemas.openxmlformats.org/officeDocument/2006/relationships" xmlns:p="http://schemas.openxmlformats.org/presentationml/2006/main">
+  <p:cSld>
+    <p:spTree>
+      <p:nvGrpSpPr>
+        <p:cNvPr id="1" name=""/>
+        <p:cNvGrpSpPr/>
+        <p:nvPr/>
+      </p:nvGrpSpPr>
+      <p:grpSpPr>
+        <a:xfrm>
+          <a:off x="0" y="0"/>
+          <a:ext cx="0" cy="0"/>
+          <a:chOff x="0" y="0"/>
+          <a:chExt cx="0" cy="0"/>
+        </a:xfrm>
+      </p:grpSpPr>
+      <p:sp>
+        <p:nvSpPr>
+          <p:cNvPr id="6" name="제목 5"/>
+          <p:cNvSpPr>
+            <a:spLocks noGrp="1"/>
+          </p:cNvSpPr>
+          <p:nvPr>
+            <p:ph type="title"/>
+          </p:nvPr>
+        </p:nvSpPr>
+        <p:spPr>
+          <a:xfrm>
+            <a:off x="0" y="-18256"/>
+            <a:ext cx="7185248" cy="854968"/>
+          </a:xfrm>
+        </p:spPr>
+        <p:txBody>
+          <a:bodyPr>
+            <a:normAutofit/>
+          </a:bodyPr>
+          <a:lstStyle/>
+          <a:p>
+            <a:r>
+              <a:rPr lang="en-US" altLang="ko-KR" dirty="0" smtClean="0"/>
+              <a:t> </a:t>
+            </a:r>
+            <a:r>
+              <a:rPr lang="en-US" altLang="ko-KR" dirty="0" smtClean="0"/>
+              <a:t>step5. </a:t>
+            </a:r>
+            <a:r>
+              <a:rPr lang="ko-KR" altLang="en-US" dirty="0" smtClean="0"/>
+              <a:t>업그레이드</a:t>
+            </a:r>
+            <a:r>
+              <a:rPr lang="en-US" altLang="ko-KR" dirty="0" smtClean="0"/>
+              <a:t> – DB </a:t>
+            </a:r>
+            <a:r>
+              <a:rPr lang="ko-KR" altLang="en-US" dirty="0" smtClean="0"/>
+              <a:t>연동</a:t>
+            </a:r>
+            <a:endParaRPr lang="ko-KR" altLang="en-US" dirty="0"/>
+          </a:p>
+        </p:txBody>
+      </p:sp>
+      <p:sp>
+        <p:nvSpPr>
+          <p:cNvPr id="5" name="슬라이드 번호 개체 틀 4"/>
+          <p:cNvSpPr>
+            <a:spLocks noGrp="1"/>
+          </p:cNvSpPr>
+          <p:nvPr>
+            <p:ph type="sldNum" sz="quarter" idx="12"/>
+          </p:nvPr>
+        </p:nvSpPr>
+        <p:spPr>
+          <a:xfrm>
+            <a:off x="8853433" y="7312347"/>
+            <a:ext cx="557267" cy="365125"/>
+          </a:xfrm>
+        </p:spPr>
+        <p:txBody>
+          <a:bodyPr/>
+          <a:lstStyle/>
+          <a:p>
+            <a:fld id="{1BDE3FE7-3AEA-4B05-AC5A-802D1816ACF0}" type="slidenum">
+              <a:rPr lang="ko-KR" altLang="en-US" smtClean="0"/>
+              <a:t>29</a:t>
+            </a:fld>
+            <a:endParaRPr lang="ko-KR" altLang="en-US"/>
+          </a:p>
+        </p:txBody>
+      </p:sp>
+      <p:pic>
+        <p:nvPicPr>
+          <p:cNvPr id="3" name="그림 2"/>
+          <p:cNvPicPr>
+            <a:picLocks noChangeAspect="1"/>
+          </p:cNvPicPr>
+          <p:nvPr/>
+        </p:nvPicPr>
+        <p:blipFill rotWithShape="1">
+          <a:blip r:embed="rId2">
+            <a:extLst>
+              <a:ext uri="{28A0092B-C50C-407E-A947-70E740481C1C}">
+                <a14:useLocalDpi xmlns:a14="http://schemas.microsoft.com/office/drawing/2010/main" val="0"/>
+              </a:ext>
+            </a:extLst>
+          </a:blip>
+          <a:srcRect l="4303"/>
+          <a:stretch/>
+        </p:blipFill>
+        <p:spPr>
+          <a:xfrm>
+            <a:off x="1064568" y="1196752"/>
+            <a:ext cx="7925173" cy="4896544"/>
+          </a:xfrm>
+          <a:prstGeom prst="rect">
+            <a:avLst/>
+          </a:prstGeom>
+          <a:ln>
+            <a:solidFill>
+              <a:schemeClr val="bg1">
+                <a:lumMod val="85000"/>
+              </a:schemeClr>
+            </a:solidFill>
+          </a:ln>
+        </p:spPr>
+      </p:pic>
+    </p:spTree>
+    <p:extLst>
+      <p:ext uri="{BB962C8B-B14F-4D97-AF65-F5344CB8AC3E}">
+        <p14:creationId xmlns:p14="http://schemas.microsoft.com/office/powerpoint/2010/main" val="2090410847"/>
       </p:ext>
     </p:extLst>
   </p:cSld>
@@ -8318,6 +10639,2420 @@
     <p:extLst>
       <p:ext uri="{BB962C8B-B14F-4D97-AF65-F5344CB8AC3E}">
         <p14:creationId xmlns:p14="http://schemas.microsoft.com/office/powerpoint/2010/main" val="663507487"/>
+      </p:ext>
+    </p:extLst>
+  </p:cSld>
+  <p:clrMapOvr>
+    <a:masterClrMapping/>
+  </p:clrMapOvr>
+  <p:timing>
+    <p:tnLst>
+      <p:par>
+        <p:cTn id="1" dur="indefinite" restart="never" nodeType="tmRoot"/>
+      </p:par>
+    </p:tnLst>
+  </p:timing>
+</p:sld>
+</file>
+
+<file path=ppt/slides/slide30.xml><?xml version="1.0" encoding="utf-8"?>
+<p:sld xmlns:a="http://schemas.openxmlformats.org/drawingml/2006/main" xmlns:r="http://schemas.openxmlformats.org/officeDocument/2006/relationships" xmlns:p="http://schemas.openxmlformats.org/presentationml/2006/main">
+  <p:cSld>
+    <p:spTree>
+      <p:nvGrpSpPr>
+        <p:cNvPr id="1" name=""/>
+        <p:cNvGrpSpPr/>
+        <p:nvPr/>
+      </p:nvGrpSpPr>
+      <p:grpSpPr>
+        <a:xfrm>
+          <a:off x="0" y="0"/>
+          <a:ext cx="0" cy="0"/>
+          <a:chOff x="0" y="0"/>
+          <a:chExt cx="0" cy="0"/>
+        </a:xfrm>
+      </p:grpSpPr>
+      <p:sp>
+        <p:nvSpPr>
+          <p:cNvPr id="6" name="제목 5"/>
+          <p:cNvSpPr>
+            <a:spLocks noGrp="1"/>
+          </p:cNvSpPr>
+          <p:nvPr>
+            <p:ph type="title"/>
+          </p:nvPr>
+        </p:nvSpPr>
+        <p:spPr>
+          <a:xfrm>
+            <a:off x="0" y="-18256"/>
+            <a:ext cx="7185248" cy="854968"/>
+          </a:xfrm>
+        </p:spPr>
+        <p:txBody>
+          <a:bodyPr>
+            <a:normAutofit/>
+          </a:bodyPr>
+          <a:lstStyle/>
+          <a:p>
+            <a:r>
+              <a:rPr lang="en-US" altLang="ko-KR" dirty="0" smtClean="0"/>
+              <a:t> </a:t>
+            </a:r>
+            <a:r>
+              <a:rPr lang="en-US" altLang="ko-KR" dirty="0" smtClean="0"/>
+              <a:t>step5. </a:t>
+            </a:r>
+            <a:r>
+              <a:rPr lang="en-US" altLang="ko-KR" dirty="0" err="1" smtClean="0"/>
+              <a:t>AccountDAO</a:t>
+            </a:r>
+            <a:endParaRPr lang="ko-KR" altLang="en-US" dirty="0"/>
+          </a:p>
+        </p:txBody>
+      </p:sp>
+      <p:sp>
+        <p:nvSpPr>
+          <p:cNvPr id="5" name="슬라이드 번호 개체 틀 4"/>
+          <p:cNvSpPr>
+            <a:spLocks noGrp="1"/>
+          </p:cNvSpPr>
+          <p:nvPr>
+            <p:ph type="sldNum" sz="quarter" idx="12"/>
+          </p:nvPr>
+        </p:nvSpPr>
+        <p:spPr>
+          <a:xfrm>
+            <a:off x="8853433" y="7312347"/>
+            <a:ext cx="557267" cy="365125"/>
+          </a:xfrm>
+        </p:spPr>
+        <p:txBody>
+          <a:bodyPr/>
+          <a:lstStyle/>
+          <a:p>
+            <a:fld id="{1BDE3FE7-3AEA-4B05-AC5A-802D1816ACF0}" type="slidenum">
+              <a:rPr lang="ko-KR" altLang="en-US" smtClean="0"/>
+              <a:t>30</a:t>
+            </a:fld>
+            <a:endParaRPr lang="ko-KR" altLang="en-US"/>
+          </a:p>
+        </p:txBody>
+      </p:sp>
+      <p:sp>
+        <p:nvSpPr>
+          <p:cNvPr id="8" name="내용 개체 틀 2">
+            <a:extLst>
+              <a:ext uri="{FF2B5EF4-FFF2-40B4-BE49-F238E27FC236}">
+                <a16:creationId xmlns:a16="http://schemas.microsoft.com/office/drawing/2014/main" id="{98AF3A4E-7D90-4241-89FE-799D6F9D5A94}"/>
+              </a:ext>
+            </a:extLst>
+          </p:cNvPr>
+          <p:cNvSpPr txBox="1">
+            <a:spLocks/>
+          </p:cNvSpPr>
+          <p:nvPr/>
+        </p:nvSpPr>
+        <p:spPr>
+          <a:xfrm>
+            <a:off x="883939" y="1052736"/>
+            <a:ext cx="5509221" cy="504055"/>
+          </a:xfrm>
+          <a:prstGeom prst="rect">
+            <a:avLst/>
+          </a:prstGeom>
+        </p:spPr>
+        <p:txBody>
+          <a:bodyPr/>
+          <a:lstStyle>
+            <a:lvl1pPr marL="228600" indent="-228600" algn="l" defTabSz="914400" rtl="0" eaLnBrk="1" latinLnBrk="1" hangingPunct="1">
+              <a:lnSpc>
+                <a:spcPct val="90000"/>
+              </a:lnSpc>
+              <a:spcBef>
+                <a:spcPts val="1000"/>
+              </a:spcBef>
+              <a:buFont typeface="Arial" panose="020B0604020202020204" pitchFamily="34" charset="0"/>
+              <a:buChar char="•"/>
+              <a:defRPr sz="2800" kern="1200">
+                <a:solidFill>
+                  <a:schemeClr val="tx1"/>
+                </a:solidFill>
+                <a:latin typeface="+mn-lt"/>
+                <a:ea typeface="+mn-ea"/>
+                <a:cs typeface="+mn-cs"/>
+              </a:defRPr>
+            </a:lvl1pPr>
+            <a:lvl2pPr marL="685800" indent="-228600" algn="l" defTabSz="914400" rtl="0" eaLnBrk="1" latinLnBrk="1" hangingPunct="1">
+              <a:lnSpc>
+                <a:spcPct val="90000"/>
+              </a:lnSpc>
+              <a:spcBef>
+                <a:spcPts val="500"/>
+              </a:spcBef>
+              <a:buFont typeface="Arial" panose="020B0604020202020204" pitchFamily="34" charset="0"/>
+              <a:buChar char="•"/>
+              <a:defRPr sz="2400" kern="1200">
+                <a:solidFill>
+                  <a:schemeClr val="tx1"/>
+                </a:solidFill>
+                <a:latin typeface="+mn-lt"/>
+                <a:ea typeface="+mn-ea"/>
+                <a:cs typeface="+mn-cs"/>
+              </a:defRPr>
+            </a:lvl2pPr>
+            <a:lvl3pPr marL="1143000" indent="-228600" algn="l" defTabSz="914400" rtl="0" eaLnBrk="1" latinLnBrk="1" hangingPunct="1">
+              <a:lnSpc>
+                <a:spcPct val="90000"/>
+              </a:lnSpc>
+              <a:spcBef>
+                <a:spcPts val="500"/>
+              </a:spcBef>
+              <a:buFont typeface="Arial" panose="020B0604020202020204" pitchFamily="34" charset="0"/>
+              <a:buChar char="•"/>
+              <a:defRPr sz="2000" kern="1200">
+                <a:solidFill>
+                  <a:schemeClr val="tx1"/>
+                </a:solidFill>
+                <a:latin typeface="+mn-lt"/>
+                <a:ea typeface="+mn-ea"/>
+                <a:cs typeface="+mn-cs"/>
+              </a:defRPr>
+            </a:lvl3pPr>
+            <a:lvl4pPr marL="1600200" indent="-228600" algn="l" defTabSz="914400" rtl="0" eaLnBrk="1" latinLnBrk="1" hangingPunct="1">
+              <a:lnSpc>
+                <a:spcPct val="90000"/>
+              </a:lnSpc>
+              <a:spcBef>
+                <a:spcPts val="500"/>
+              </a:spcBef>
+              <a:buFont typeface="Arial" panose="020B0604020202020204" pitchFamily="34" charset="0"/>
+              <a:buChar char="•"/>
+              <a:defRPr sz="1800" kern="1200">
+                <a:solidFill>
+                  <a:schemeClr val="tx1"/>
+                </a:solidFill>
+                <a:latin typeface="+mn-lt"/>
+                <a:ea typeface="+mn-ea"/>
+                <a:cs typeface="+mn-cs"/>
+              </a:defRPr>
+            </a:lvl4pPr>
+            <a:lvl5pPr marL="2057400" indent="-228600" algn="l" defTabSz="914400" rtl="0" eaLnBrk="1" latinLnBrk="1" hangingPunct="1">
+              <a:lnSpc>
+                <a:spcPct val="90000"/>
+              </a:lnSpc>
+              <a:spcBef>
+                <a:spcPts val="500"/>
+              </a:spcBef>
+              <a:buFont typeface="Arial" panose="020B0604020202020204" pitchFamily="34" charset="0"/>
+              <a:buChar char="•"/>
+              <a:defRPr sz="1800" kern="1200">
+                <a:solidFill>
+                  <a:schemeClr val="tx1"/>
+                </a:solidFill>
+                <a:latin typeface="+mn-lt"/>
+                <a:ea typeface="+mn-ea"/>
+                <a:cs typeface="+mn-cs"/>
+              </a:defRPr>
+            </a:lvl5pPr>
+            <a:lvl6pPr marL="2514600" indent="-228600" algn="l" defTabSz="914400" rtl="0" eaLnBrk="1" latinLnBrk="1" hangingPunct="1">
+              <a:lnSpc>
+                <a:spcPct val="90000"/>
+              </a:lnSpc>
+              <a:spcBef>
+                <a:spcPts val="500"/>
+              </a:spcBef>
+              <a:buFont typeface="Arial" panose="020B0604020202020204" pitchFamily="34" charset="0"/>
+              <a:buChar char="•"/>
+              <a:defRPr sz="1800" kern="1200">
+                <a:solidFill>
+                  <a:schemeClr val="tx1"/>
+                </a:solidFill>
+                <a:latin typeface="+mn-lt"/>
+                <a:ea typeface="+mn-ea"/>
+                <a:cs typeface="+mn-cs"/>
+              </a:defRPr>
+            </a:lvl6pPr>
+            <a:lvl7pPr marL="2971800" indent="-228600" algn="l" defTabSz="914400" rtl="0" eaLnBrk="1" latinLnBrk="1" hangingPunct="1">
+              <a:lnSpc>
+                <a:spcPct val="90000"/>
+              </a:lnSpc>
+              <a:spcBef>
+                <a:spcPts val="500"/>
+              </a:spcBef>
+              <a:buFont typeface="Arial" panose="020B0604020202020204" pitchFamily="34" charset="0"/>
+              <a:buChar char="•"/>
+              <a:defRPr sz="1800" kern="1200">
+                <a:solidFill>
+                  <a:schemeClr val="tx1"/>
+                </a:solidFill>
+                <a:latin typeface="+mn-lt"/>
+                <a:ea typeface="+mn-ea"/>
+                <a:cs typeface="+mn-cs"/>
+              </a:defRPr>
+            </a:lvl7pPr>
+            <a:lvl8pPr marL="3429000" indent="-228600" algn="l" defTabSz="914400" rtl="0" eaLnBrk="1" latinLnBrk="1" hangingPunct="1">
+              <a:lnSpc>
+                <a:spcPct val="90000"/>
+              </a:lnSpc>
+              <a:spcBef>
+                <a:spcPts val="500"/>
+              </a:spcBef>
+              <a:buFont typeface="Arial" panose="020B0604020202020204" pitchFamily="34" charset="0"/>
+              <a:buChar char="•"/>
+              <a:defRPr sz="1800" kern="1200">
+                <a:solidFill>
+                  <a:schemeClr val="tx1"/>
+                </a:solidFill>
+                <a:latin typeface="+mn-lt"/>
+                <a:ea typeface="+mn-ea"/>
+                <a:cs typeface="+mn-cs"/>
+              </a:defRPr>
+            </a:lvl8pPr>
+            <a:lvl9pPr marL="3886200" indent="-228600" algn="l" defTabSz="914400" rtl="0" eaLnBrk="1" latinLnBrk="1" hangingPunct="1">
+              <a:lnSpc>
+                <a:spcPct val="90000"/>
+              </a:lnSpc>
+              <a:spcBef>
+                <a:spcPts val="500"/>
+              </a:spcBef>
+              <a:buFont typeface="Arial" panose="020B0604020202020204" pitchFamily="34" charset="0"/>
+              <a:buChar char="•"/>
+              <a:defRPr sz="1800" kern="1200">
+                <a:solidFill>
+                  <a:schemeClr val="tx1"/>
+                </a:solidFill>
+                <a:latin typeface="+mn-lt"/>
+                <a:ea typeface="+mn-ea"/>
+                <a:cs typeface="+mn-cs"/>
+              </a:defRPr>
+            </a:lvl9pPr>
+          </a:lstStyle>
+          <a:p>
+            <a:pPr>
+              <a:lnSpc>
+                <a:spcPct val="150000"/>
+              </a:lnSpc>
+              <a:buFont typeface="Wingdings" panose="05000000000000000000" pitchFamily="2" charset="2"/>
+              <a:buChar char="u"/>
+            </a:pPr>
+            <a:r>
+              <a:rPr lang="ko-KR" altLang="en-US" sz="1800" b="1" dirty="0" smtClean="0"/>
+              <a:t> 계좌 검색</a:t>
+            </a:r>
+            <a:endParaRPr lang="en-US" altLang="ko-KR" sz="1800" b="1" dirty="0" smtClean="0"/>
+          </a:p>
+        </p:txBody>
+      </p:sp>
+      <p:pic>
+        <p:nvPicPr>
+          <p:cNvPr id="4" name="그림 3"/>
+          <p:cNvPicPr>
+            <a:picLocks noChangeAspect="1"/>
+          </p:cNvPicPr>
+          <p:nvPr/>
+        </p:nvPicPr>
+        <p:blipFill>
+          <a:blip r:embed="rId2">
+            <a:extLst>
+              <a:ext uri="{28A0092B-C50C-407E-A947-70E740481C1C}">
+                <a14:useLocalDpi xmlns:a14="http://schemas.microsoft.com/office/drawing/2010/main" val="0"/>
+              </a:ext>
+            </a:extLst>
+          </a:blip>
+          <a:stretch>
+            <a:fillRect/>
+          </a:stretch>
+        </p:blipFill>
+        <p:spPr>
+          <a:xfrm>
+            <a:off x="1280592" y="1556791"/>
+            <a:ext cx="5702707" cy="4698979"/>
+          </a:xfrm>
+          <a:prstGeom prst="rect">
+            <a:avLst/>
+          </a:prstGeom>
+          <a:ln>
+            <a:solidFill>
+              <a:schemeClr val="bg1">
+                <a:lumMod val="85000"/>
+              </a:schemeClr>
+            </a:solidFill>
+          </a:ln>
+        </p:spPr>
+      </p:pic>
+    </p:spTree>
+    <p:extLst>
+      <p:ext uri="{BB962C8B-B14F-4D97-AF65-F5344CB8AC3E}">
+        <p14:creationId xmlns:p14="http://schemas.microsoft.com/office/powerpoint/2010/main" val="2891298026"/>
+      </p:ext>
+    </p:extLst>
+  </p:cSld>
+  <p:clrMapOvr>
+    <a:masterClrMapping/>
+  </p:clrMapOvr>
+  <p:timing>
+    <p:tnLst>
+      <p:par>
+        <p:cTn id="1" dur="indefinite" restart="never" nodeType="tmRoot"/>
+      </p:par>
+    </p:tnLst>
+  </p:timing>
+</p:sld>
+</file>
+
+<file path=ppt/slides/slide31.xml><?xml version="1.0" encoding="utf-8"?>
+<p:sld xmlns:a="http://schemas.openxmlformats.org/drawingml/2006/main" xmlns:r="http://schemas.openxmlformats.org/officeDocument/2006/relationships" xmlns:p="http://schemas.openxmlformats.org/presentationml/2006/main">
+  <p:cSld>
+    <p:spTree>
+      <p:nvGrpSpPr>
+        <p:cNvPr id="1" name=""/>
+        <p:cNvGrpSpPr/>
+        <p:nvPr/>
+      </p:nvGrpSpPr>
+      <p:grpSpPr>
+        <a:xfrm>
+          <a:off x="0" y="0"/>
+          <a:ext cx="0" cy="0"/>
+          <a:chOff x="0" y="0"/>
+          <a:chExt cx="0" cy="0"/>
+        </a:xfrm>
+      </p:grpSpPr>
+      <p:sp>
+        <p:nvSpPr>
+          <p:cNvPr id="6" name="제목 5"/>
+          <p:cNvSpPr>
+            <a:spLocks noGrp="1"/>
+          </p:cNvSpPr>
+          <p:nvPr>
+            <p:ph type="title"/>
+          </p:nvPr>
+        </p:nvSpPr>
+        <p:spPr>
+          <a:xfrm>
+            <a:off x="0" y="-18256"/>
+            <a:ext cx="7185248" cy="854968"/>
+          </a:xfrm>
+        </p:spPr>
+        <p:txBody>
+          <a:bodyPr>
+            <a:normAutofit/>
+          </a:bodyPr>
+          <a:lstStyle/>
+          <a:p>
+            <a:r>
+              <a:rPr lang="en-US" altLang="ko-KR" dirty="0" smtClean="0"/>
+              <a:t> </a:t>
+            </a:r>
+            <a:r>
+              <a:rPr lang="en-US" altLang="ko-KR" dirty="0" smtClean="0"/>
+              <a:t>step5. </a:t>
+            </a:r>
+            <a:r>
+              <a:rPr lang="en-US" altLang="ko-KR" dirty="0" err="1" smtClean="0"/>
+              <a:t>AccountDAO</a:t>
+            </a:r>
+            <a:endParaRPr lang="ko-KR" altLang="en-US" dirty="0"/>
+          </a:p>
+        </p:txBody>
+      </p:sp>
+      <p:sp>
+        <p:nvSpPr>
+          <p:cNvPr id="5" name="슬라이드 번호 개체 틀 4"/>
+          <p:cNvSpPr>
+            <a:spLocks noGrp="1"/>
+          </p:cNvSpPr>
+          <p:nvPr>
+            <p:ph type="sldNum" sz="quarter" idx="12"/>
+          </p:nvPr>
+        </p:nvSpPr>
+        <p:spPr>
+          <a:xfrm>
+            <a:off x="8853433" y="7312347"/>
+            <a:ext cx="557267" cy="365125"/>
+          </a:xfrm>
+        </p:spPr>
+        <p:txBody>
+          <a:bodyPr/>
+          <a:lstStyle/>
+          <a:p>
+            <a:fld id="{1BDE3FE7-3AEA-4B05-AC5A-802D1816ACF0}" type="slidenum">
+              <a:rPr lang="ko-KR" altLang="en-US" smtClean="0"/>
+              <a:t>31</a:t>
+            </a:fld>
+            <a:endParaRPr lang="ko-KR" altLang="en-US"/>
+          </a:p>
+        </p:txBody>
+      </p:sp>
+      <p:sp>
+        <p:nvSpPr>
+          <p:cNvPr id="8" name="내용 개체 틀 2">
+            <a:extLst>
+              <a:ext uri="{FF2B5EF4-FFF2-40B4-BE49-F238E27FC236}">
+                <a16:creationId xmlns:a16="http://schemas.microsoft.com/office/drawing/2014/main" id="{98AF3A4E-7D90-4241-89FE-799D6F9D5A94}"/>
+              </a:ext>
+            </a:extLst>
+          </p:cNvPr>
+          <p:cNvSpPr txBox="1">
+            <a:spLocks/>
+          </p:cNvSpPr>
+          <p:nvPr/>
+        </p:nvSpPr>
+        <p:spPr>
+          <a:xfrm>
+            <a:off x="883939" y="1052736"/>
+            <a:ext cx="5509221" cy="504055"/>
+          </a:xfrm>
+          <a:prstGeom prst="rect">
+            <a:avLst/>
+          </a:prstGeom>
+        </p:spPr>
+        <p:txBody>
+          <a:bodyPr/>
+          <a:lstStyle>
+            <a:lvl1pPr marL="228600" indent="-228600" algn="l" defTabSz="914400" rtl="0" eaLnBrk="1" latinLnBrk="1" hangingPunct="1">
+              <a:lnSpc>
+                <a:spcPct val="90000"/>
+              </a:lnSpc>
+              <a:spcBef>
+                <a:spcPts val="1000"/>
+              </a:spcBef>
+              <a:buFont typeface="Arial" panose="020B0604020202020204" pitchFamily="34" charset="0"/>
+              <a:buChar char="•"/>
+              <a:defRPr sz="2800" kern="1200">
+                <a:solidFill>
+                  <a:schemeClr val="tx1"/>
+                </a:solidFill>
+                <a:latin typeface="+mn-lt"/>
+                <a:ea typeface="+mn-ea"/>
+                <a:cs typeface="+mn-cs"/>
+              </a:defRPr>
+            </a:lvl1pPr>
+            <a:lvl2pPr marL="685800" indent="-228600" algn="l" defTabSz="914400" rtl="0" eaLnBrk="1" latinLnBrk="1" hangingPunct="1">
+              <a:lnSpc>
+                <a:spcPct val="90000"/>
+              </a:lnSpc>
+              <a:spcBef>
+                <a:spcPts val="500"/>
+              </a:spcBef>
+              <a:buFont typeface="Arial" panose="020B0604020202020204" pitchFamily="34" charset="0"/>
+              <a:buChar char="•"/>
+              <a:defRPr sz="2400" kern="1200">
+                <a:solidFill>
+                  <a:schemeClr val="tx1"/>
+                </a:solidFill>
+                <a:latin typeface="+mn-lt"/>
+                <a:ea typeface="+mn-ea"/>
+                <a:cs typeface="+mn-cs"/>
+              </a:defRPr>
+            </a:lvl2pPr>
+            <a:lvl3pPr marL="1143000" indent="-228600" algn="l" defTabSz="914400" rtl="0" eaLnBrk="1" latinLnBrk="1" hangingPunct="1">
+              <a:lnSpc>
+                <a:spcPct val="90000"/>
+              </a:lnSpc>
+              <a:spcBef>
+                <a:spcPts val="500"/>
+              </a:spcBef>
+              <a:buFont typeface="Arial" panose="020B0604020202020204" pitchFamily="34" charset="0"/>
+              <a:buChar char="•"/>
+              <a:defRPr sz="2000" kern="1200">
+                <a:solidFill>
+                  <a:schemeClr val="tx1"/>
+                </a:solidFill>
+                <a:latin typeface="+mn-lt"/>
+                <a:ea typeface="+mn-ea"/>
+                <a:cs typeface="+mn-cs"/>
+              </a:defRPr>
+            </a:lvl3pPr>
+            <a:lvl4pPr marL="1600200" indent="-228600" algn="l" defTabSz="914400" rtl="0" eaLnBrk="1" latinLnBrk="1" hangingPunct="1">
+              <a:lnSpc>
+                <a:spcPct val="90000"/>
+              </a:lnSpc>
+              <a:spcBef>
+                <a:spcPts val="500"/>
+              </a:spcBef>
+              <a:buFont typeface="Arial" panose="020B0604020202020204" pitchFamily="34" charset="0"/>
+              <a:buChar char="•"/>
+              <a:defRPr sz="1800" kern="1200">
+                <a:solidFill>
+                  <a:schemeClr val="tx1"/>
+                </a:solidFill>
+                <a:latin typeface="+mn-lt"/>
+                <a:ea typeface="+mn-ea"/>
+                <a:cs typeface="+mn-cs"/>
+              </a:defRPr>
+            </a:lvl4pPr>
+            <a:lvl5pPr marL="2057400" indent="-228600" algn="l" defTabSz="914400" rtl="0" eaLnBrk="1" latinLnBrk="1" hangingPunct="1">
+              <a:lnSpc>
+                <a:spcPct val="90000"/>
+              </a:lnSpc>
+              <a:spcBef>
+                <a:spcPts val="500"/>
+              </a:spcBef>
+              <a:buFont typeface="Arial" panose="020B0604020202020204" pitchFamily="34" charset="0"/>
+              <a:buChar char="•"/>
+              <a:defRPr sz="1800" kern="1200">
+                <a:solidFill>
+                  <a:schemeClr val="tx1"/>
+                </a:solidFill>
+                <a:latin typeface="+mn-lt"/>
+                <a:ea typeface="+mn-ea"/>
+                <a:cs typeface="+mn-cs"/>
+              </a:defRPr>
+            </a:lvl5pPr>
+            <a:lvl6pPr marL="2514600" indent="-228600" algn="l" defTabSz="914400" rtl="0" eaLnBrk="1" latinLnBrk="1" hangingPunct="1">
+              <a:lnSpc>
+                <a:spcPct val="90000"/>
+              </a:lnSpc>
+              <a:spcBef>
+                <a:spcPts val="500"/>
+              </a:spcBef>
+              <a:buFont typeface="Arial" panose="020B0604020202020204" pitchFamily="34" charset="0"/>
+              <a:buChar char="•"/>
+              <a:defRPr sz="1800" kern="1200">
+                <a:solidFill>
+                  <a:schemeClr val="tx1"/>
+                </a:solidFill>
+                <a:latin typeface="+mn-lt"/>
+                <a:ea typeface="+mn-ea"/>
+                <a:cs typeface="+mn-cs"/>
+              </a:defRPr>
+            </a:lvl6pPr>
+            <a:lvl7pPr marL="2971800" indent="-228600" algn="l" defTabSz="914400" rtl="0" eaLnBrk="1" latinLnBrk="1" hangingPunct="1">
+              <a:lnSpc>
+                <a:spcPct val="90000"/>
+              </a:lnSpc>
+              <a:spcBef>
+                <a:spcPts val="500"/>
+              </a:spcBef>
+              <a:buFont typeface="Arial" panose="020B0604020202020204" pitchFamily="34" charset="0"/>
+              <a:buChar char="•"/>
+              <a:defRPr sz="1800" kern="1200">
+                <a:solidFill>
+                  <a:schemeClr val="tx1"/>
+                </a:solidFill>
+                <a:latin typeface="+mn-lt"/>
+                <a:ea typeface="+mn-ea"/>
+                <a:cs typeface="+mn-cs"/>
+              </a:defRPr>
+            </a:lvl7pPr>
+            <a:lvl8pPr marL="3429000" indent="-228600" algn="l" defTabSz="914400" rtl="0" eaLnBrk="1" latinLnBrk="1" hangingPunct="1">
+              <a:lnSpc>
+                <a:spcPct val="90000"/>
+              </a:lnSpc>
+              <a:spcBef>
+                <a:spcPts val="500"/>
+              </a:spcBef>
+              <a:buFont typeface="Arial" panose="020B0604020202020204" pitchFamily="34" charset="0"/>
+              <a:buChar char="•"/>
+              <a:defRPr sz="1800" kern="1200">
+                <a:solidFill>
+                  <a:schemeClr val="tx1"/>
+                </a:solidFill>
+                <a:latin typeface="+mn-lt"/>
+                <a:ea typeface="+mn-ea"/>
+                <a:cs typeface="+mn-cs"/>
+              </a:defRPr>
+            </a:lvl8pPr>
+            <a:lvl9pPr marL="3886200" indent="-228600" algn="l" defTabSz="914400" rtl="0" eaLnBrk="1" latinLnBrk="1" hangingPunct="1">
+              <a:lnSpc>
+                <a:spcPct val="90000"/>
+              </a:lnSpc>
+              <a:spcBef>
+                <a:spcPts val="500"/>
+              </a:spcBef>
+              <a:buFont typeface="Arial" panose="020B0604020202020204" pitchFamily="34" charset="0"/>
+              <a:buChar char="•"/>
+              <a:defRPr sz="1800" kern="1200">
+                <a:solidFill>
+                  <a:schemeClr val="tx1"/>
+                </a:solidFill>
+                <a:latin typeface="+mn-lt"/>
+                <a:ea typeface="+mn-ea"/>
+                <a:cs typeface="+mn-cs"/>
+              </a:defRPr>
+            </a:lvl9pPr>
+          </a:lstStyle>
+          <a:p>
+            <a:pPr>
+              <a:lnSpc>
+                <a:spcPct val="150000"/>
+              </a:lnSpc>
+              <a:buFont typeface="Wingdings" panose="05000000000000000000" pitchFamily="2" charset="2"/>
+              <a:buChar char="u"/>
+            </a:pPr>
+            <a:r>
+              <a:rPr lang="ko-KR" altLang="en-US" sz="1800" b="1" dirty="0" smtClean="0"/>
+              <a:t> 계좌 목록</a:t>
+            </a:r>
+            <a:endParaRPr lang="en-US" altLang="ko-KR" sz="1800" b="1" dirty="0" smtClean="0"/>
+          </a:p>
+        </p:txBody>
+      </p:sp>
+      <p:pic>
+        <p:nvPicPr>
+          <p:cNvPr id="3" name="그림 2"/>
+          <p:cNvPicPr>
+            <a:picLocks noChangeAspect="1"/>
+          </p:cNvPicPr>
+          <p:nvPr/>
+        </p:nvPicPr>
+        <p:blipFill>
+          <a:blip r:embed="rId2">
+            <a:extLst>
+              <a:ext uri="{28A0092B-C50C-407E-A947-70E740481C1C}">
+                <a14:useLocalDpi xmlns:a14="http://schemas.microsoft.com/office/drawing/2010/main" val="0"/>
+              </a:ext>
+            </a:extLst>
+          </a:blip>
+          <a:stretch>
+            <a:fillRect/>
+          </a:stretch>
+        </p:blipFill>
+        <p:spPr>
+          <a:xfrm>
+            <a:off x="1064567" y="1556791"/>
+            <a:ext cx="8340519" cy="4608513"/>
+          </a:xfrm>
+          <a:prstGeom prst="rect">
+            <a:avLst/>
+          </a:prstGeom>
+          <a:ln>
+            <a:solidFill>
+              <a:schemeClr val="bg1">
+                <a:lumMod val="85000"/>
+              </a:schemeClr>
+            </a:solidFill>
+          </a:ln>
+        </p:spPr>
+      </p:pic>
+    </p:spTree>
+    <p:extLst>
+      <p:ext uri="{BB962C8B-B14F-4D97-AF65-F5344CB8AC3E}">
+        <p14:creationId xmlns:p14="http://schemas.microsoft.com/office/powerpoint/2010/main" val="2484241321"/>
+      </p:ext>
+    </p:extLst>
+  </p:cSld>
+  <p:clrMapOvr>
+    <a:masterClrMapping/>
+  </p:clrMapOvr>
+  <p:timing>
+    <p:tnLst>
+      <p:par>
+        <p:cTn id="1" dur="indefinite" restart="never" nodeType="tmRoot"/>
+      </p:par>
+    </p:tnLst>
+  </p:timing>
+</p:sld>
+</file>
+
+<file path=ppt/slides/slide32.xml><?xml version="1.0" encoding="utf-8"?>
+<p:sld xmlns:a="http://schemas.openxmlformats.org/drawingml/2006/main" xmlns:r="http://schemas.openxmlformats.org/officeDocument/2006/relationships" xmlns:p="http://schemas.openxmlformats.org/presentationml/2006/main">
+  <p:cSld>
+    <p:spTree>
+      <p:nvGrpSpPr>
+        <p:cNvPr id="1" name=""/>
+        <p:cNvGrpSpPr/>
+        <p:nvPr/>
+      </p:nvGrpSpPr>
+      <p:grpSpPr>
+        <a:xfrm>
+          <a:off x="0" y="0"/>
+          <a:ext cx="0" cy="0"/>
+          <a:chOff x="0" y="0"/>
+          <a:chExt cx="0" cy="0"/>
+        </a:xfrm>
+      </p:grpSpPr>
+      <p:sp>
+        <p:nvSpPr>
+          <p:cNvPr id="6" name="제목 5"/>
+          <p:cNvSpPr>
+            <a:spLocks noGrp="1"/>
+          </p:cNvSpPr>
+          <p:nvPr>
+            <p:ph type="title"/>
+          </p:nvPr>
+        </p:nvSpPr>
+        <p:spPr>
+          <a:xfrm>
+            <a:off x="0" y="-18256"/>
+            <a:ext cx="7185248" cy="854968"/>
+          </a:xfrm>
+        </p:spPr>
+        <p:txBody>
+          <a:bodyPr>
+            <a:normAutofit/>
+          </a:bodyPr>
+          <a:lstStyle/>
+          <a:p>
+            <a:r>
+              <a:rPr lang="en-US" altLang="ko-KR" dirty="0" smtClean="0"/>
+              <a:t> </a:t>
+            </a:r>
+            <a:r>
+              <a:rPr lang="en-US" altLang="ko-KR" dirty="0" smtClean="0"/>
+              <a:t>step5. </a:t>
+            </a:r>
+            <a:r>
+              <a:rPr lang="en-US" altLang="ko-KR" dirty="0" err="1" smtClean="0"/>
+              <a:t>AccountDAO</a:t>
+            </a:r>
+            <a:endParaRPr lang="ko-KR" altLang="en-US" dirty="0"/>
+          </a:p>
+        </p:txBody>
+      </p:sp>
+      <p:sp>
+        <p:nvSpPr>
+          <p:cNvPr id="5" name="슬라이드 번호 개체 틀 4"/>
+          <p:cNvSpPr>
+            <a:spLocks noGrp="1"/>
+          </p:cNvSpPr>
+          <p:nvPr>
+            <p:ph type="sldNum" sz="quarter" idx="12"/>
+          </p:nvPr>
+        </p:nvSpPr>
+        <p:spPr>
+          <a:xfrm>
+            <a:off x="8853433" y="7312347"/>
+            <a:ext cx="557267" cy="365125"/>
+          </a:xfrm>
+        </p:spPr>
+        <p:txBody>
+          <a:bodyPr/>
+          <a:lstStyle/>
+          <a:p>
+            <a:fld id="{1BDE3FE7-3AEA-4B05-AC5A-802D1816ACF0}" type="slidenum">
+              <a:rPr lang="ko-KR" altLang="en-US" smtClean="0"/>
+              <a:t>32</a:t>
+            </a:fld>
+            <a:endParaRPr lang="ko-KR" altLang="en-US"/>
+          </a:p>
+        </p:txBody>
+      </p:sp>
+      <p:sp>
+        <p:nvSpPr>
+          <p:cNvPr id="8" name="내용 개체 틀 2">
+            <a:extLst>
+              <a:ext uri="{FF2B5EF4-FFF2-40B4-BE49-F238E27FC236}">
+                <a16:creationId xmlns:a16="http://schemas.microsoft.com/office/drawing/2014/main" id="{98AF3A4E-7D90-4241-89FE-799D6F9D5A94}"/>
+              </a:ext>
+            </a:extLst>
+          </p:cNvPr>
+          <p:cNvSpPr txBox="1">
+            <a:spLocks/>
+          </p:cNvSpPr>
+          <p:nvPr/>
+        </p:nvSpPr>
+        <p:spPr>
+          <a:xfrm>
+            <a:off x="883939" y="1052736"/>
+            <a:ext cx="5509221" cy="504055"/>
+          </a:xfrm>
+          <a:prstGeom prst="rect">
+            <a:avLst/>
+          </a:prstGeom>
+        </p:spPr>
+        <p:txBody>
+          <a:bodyPr/>
+          <a:lstStyle>
+            <a:lvl1pPr marL="228600" indent="-228600" algn="l" defTabSz="914400" rtl="0" eaLnBrk="1" latinLnBrk="1" hangingPunct="1">
+              <a:lnSpc>
+                <a:spcPct val="90000"/>
+              </a:lnSpc>
+              <a:spcBef>
+                <a:spcPts val="1000"/>
+              </a:spcBef>
+              <a:buFont typeface="Arial" panose="020B0604020202020204" pitchFamily="34" charset="0"/>
+              <a:buChar char="•"/>
+              <a:defRPr sz="2800" kern="1200">
+                <a:solidFill>
+                  <a:schemeClr val="tx1"/>
+                </a:solidFill>
+                <a:latin typeface="+mn-lt"/>
+                <a:ea typeface="+mn-ea"/>
+                <a:cs typeface="+mn-cs"/>
+              </a:defRPr>
+            </a:lvl1pPr>
+            <a:lvl2pPr marL="685800" indent="-228600" algn="l" defTabSz="914400" rtl="0" eaLnBrk="1" latinLnBrk="1" hangingPunct="1">
+              <a:lnSpc>
+                <a:spcPct val="90000"/>
+              </a:lnSpc>
+              <a:spcBef>
+                <a:spcPts val="500"/>
+              </a:spcBef>
+              <a:buFont typeface="Arial" panose="020B0604020202020204" pitchFamily="34" charset="0"/>
+              <a:buChar char="•"/>
+              <a:defRPr sz="2400" kern="1200">
+                <a:solidFill>
+                  <a:schemeClr val="tx1"/>
+                </a:solidFill>
+                <a:latin typeface="+mn-lt"/>
+                <a:ea typeface="+mn-ea"/>
+                <a:cs typeface="+mn-cs"/>
+              </a:defRPr>
+            </a:lvl2pPr>
+            <a:lvl3pPr marL="1143000" indent="-228600" algn="l" defTabSz="914400" rtl="0" eaLnBrk="1" latinLnBrk="1" hangingPunct="1">
+              <a:lnSpc>
+                <a:spcPct val="90000"/>
+              </a:lnSpc>
+              <a:spcBef>
+                <a:spcPts val="500"/>
+              </a:spcBef>
+              <a:buFont typeface="Arial" panose="020B0604020202020204" pitchFamily="34" charset="0"/>
+              <a:buChar char="•"/>
+              <a:defRPr sz="2000" kern="1200">
+                <a:solidFill>
+                  <a:schemeClr val="tx1"/>
+                </a:solidFill>
+                <a:latin typeface="+mn-lt"/>
+                <a:ea typeface="+mn-ea"/>
+                <a:cs typeface="+mn-cs"/>
+              </a:defRPr>
+            </a:lvl3pPr>
+            <a:lvl4pPr marL="1600200" indent="-228600" algn="l" defTabSz="914400" rtl="0" eaLnBrk="1" latinLnBrk="1" hangingPunct="1">
+              <a:lnSpc>
+                <a:spcPct val="90000"/>
+              </a:lnSpc>
+              <a:spcBef>
+                <a:spcPts val="500"/>
+              </a:spcBef>
+              <a:buFont typeface="Arial" panose="020B0604020202020204" pitchFamily="34" charset="0"/>
+              <a:buChar char="•"/>
+              <a:defRPr sz="1800" kern="1200">
+                <a:solidFill>
+                  <a:schemeClr val="tx1"/>
+                </a:solidFill>
+                <a:latin typeface="+mn-lt"/>
+                <a:ea typeface="+mn-ea"/>
+                <a:cs typeface="+mn-cs"/>
+              </a:defRPr>
+            </a:lvl4pPr>
+            <a:lvl5pPr marL="2057400" indent="-228600" algn="l" defTabSz="914400" rtl="0" eaLnBrk="1" latinLnBrk="1" hangingPunct="1">
+              <a:lnSpc>
+                <a:spcPct val="90000"/>
+              </a:lnSpc>
+              <a:spcBef>
+                <a:spcPts val="500"/>
+              </a:spcBef>
+              <a:buFont typeface="Arial" panose="020B0604020202020204" pitchFamily="34" charset="0"/>
+              <a:buChar char="•"/>
+              <a:defRPr sz="1800" kern="1200">
+                <a:solidFill>
+                  <a:schemeClr val="tx1"/>
+                </a:solidFill>
+                <a:latin typeface="+mn-lt"/>
+                <a:ea typeface="+mn-ea"/>
+                <a:cs typeface="+mn-cs"/>
+              </a:defRPr>
+            </a:lvl5pPr>
+            <a:lvl6pPr marL="2514600" indent="-228600" algn="l" defTabSz="914400" rtl="0" eaLnBrk="1" latinLnBrk="1" hangingPunct="1">
+              <a:lnSpc>
+                <a:spcPct val="90000"/>
+              </a:lnSpc>
+              <a:spcBef>
+                <a:spcPts val="500"/>
+              </a:spcBef>
+              <a:buFont typeface="Arial" panose="020B0604020202020204" pitchFamily="34" charset="0"/>
+              <a:buChar char="•"/>
+              <a:defRPr sz="1800" kern="1200">
+                <a:solidFill>
+                  <a:schemeClr val="tx1"/>
+                </a:solidFill>
+                <a:latin typeface="+mn-lt"/>
+                <a:ea typeface="+mn-ea"/>
+                <a:cs typeface="+mn-cs"/>
+              </a:defRPr>
+            </a:lvl6pPr>
+            <a:lvl7pPr marL="2971800" indent="-228600" algn="l" defTabSz="914400" rtl="0" eaLnBrk="1" latinLnBrk="1" hangingPunct="1">
+              <a:lnSpc>
+                <a:spcPct val="90000"/>
+              </a:lnSpc>
+              <a:spcBef>
+                <a:spcPts val="500"/>
+              </a:spcBef>
+              <a:buFont typeface="Arial" panose="020B0604020202020204" pitchFamily="34" charset="0"/>
+              <a:buChar char="•"/>
+              <a:defRPr sz="1800" kern="1200">
+                <a:solidFill>
+                  <a:schemeClr val="tx1"/>
+                </a:solidFill>
+                <a:latin typeface="+mn-lt"/>
+                <a:ea typeface="+mn-ea"/>
+                <a:cs typeface="+mn-cs"/>
+              </a:defRPr>
+            </a:lvl7pPr>
+            <a:lvl8pPr marL="3429000" indent="-228600" algn="l" defTabSz="914400" rtl="0" eaLnBrk="1" latinLnBrk="1" hangingPunct="1">
+              <a:lnSpc>
+                <a:spcPct val="90000"/>
+              </a:lnSpc>
+              <a:spcBef>
+                <a:spcPts val="500"/>
+              </a:spcBef>
+              <a:buFont typeface="Arial" panose="020B0604020202020204" pitchFamily="34" charset="0"/>
+              <a:buChar char="•"/>
+              <a:defRPr sz="1800" kern="1200">
+                <a:solidFill>
+                  <a:schemeClr val="tx1"/>
+                </a:solidFill>
+                <a:latin typeface="+mn-lt"/>
+                <a:ea typeface="+mn-ea"/>
+                <a:cs typeface="+mn-cs"/>
+              </a:defRPr>
+            </a:lvl8pPr>
+            <a:lvl9pPr marL="3886200" indent="-228600" algn="l" defTabSz="914400" rtl="0" eaLnBrk="1" latinLnBrk="1" hangingPunct="1">
+              <a:lnSpc>
+                <a:spcPct val="90000"/>
+              </a:lnSpc>
+              <a:spcBef>
+                <a:spcPts val="500"/>
+              </a:spcBef>
+              <a:buFont typeface="Arial" panose="020B0604020202020204" pitchFamily="34" charset="0"/>
+              <a:buChar char="•"/>
+              <a:defRPr sz="1800" kern="1200">
+                <a:solidFill>
+                  <a:schemeClr val="tx1"/>
+                </a:solidFill>
+                <a:latin typeface="+mn-lt"/>
+                <a:ea typeface="+mn-ea"/>
+                <a:cs typeface="+mn-cs"/>
+              </a:defRPr>
+            </a:lvl9pPr>
+          </a:lstStyle>
+          <a:p>
+            <a:pPr>
+              <a:lnSpc>
+                <a:spcPct val="150000"/>
+              </a:lnSpc>
+              <a:buFont typeface="Wingdings" panose="05000000000000000000" pitchFamily="2" charset="2"/>
+              <a:buChar char="u"/>
+            </a:pPr>
+            <a:r>
+              <a:rPr lang="ko-KR" altLang="en-US" sz="1800" b="1" dirty="0" smtClean="0"/>
+              <a:t> 계좌 목록</a:t>
+            </a:r>
+            <a:endParaRPr lang="en-US" altLang="ko-KR" sz="1800" b="1" dirty="0" smtClean="0"/>
+          </a:p>
+        </p:txBody>
+      </p:sp>
+      <p:pic>
+        <p:nvPicPr>
+          <p:cNvPr id="2" name="그림 1"/>
+          <p:cNvPicPr>
+            <a:picLocks noChangeAspect="1"/>
+          </p:cNvPicPr>
+          <p:nvPr/>
+        </p:nvPicPr>
+        <p:blipFill>
+          <a:blip r:embed="rId2">
+            <a:extLst>
+              <a:ext uri="{28A0092B-C50C-407E-A947-70E740481C1C}">
+                <a14:useLocalDpi xmlns:a14="http://schemas.microsoft.com/office/drawing/2010/main" val="0"/>
+              </a:ext>
+            </a:extLst>
+          </a:blip>
+          <a:stretch>
+            <a:fillRect/>
+          </a:stretch>
+        </p:blipFill>
+        <p:spPr>
+          <a:xfrm>
+            <a:off x="1003120" y="1700808"/>
+            <a:ext cx="8131245" cy="2949196"/>
+          </a:xfrm>
+          <a:prstGeom prst="rect">
+            <a:avLst/>
+          </a:prstGeom>
+          <a:ln>
+            <a:solidFill>
+              <a:schemeClr val="bg1">
+                <a:lumMod val="85000"/>
+              </a:schemeClr>
+            </a:solidFill>
+          </a:ln>
+        </p:spPr>
+      </p:pic>
+    </p:spTree>
+    <p:extLst>
+      <p:ext uri="{BB962C8B-B14F-4D97-AF65-F5344CB8AC3E}">
+        <p14:creationId xmlns:p14="http://schemas.microsoft.com/office/powerpoint/2010/main" val="3645243917"/>
+      </p:ext>
+    </p:extLst>
+  </p:cSld>
+  <p:clrMapOvr>
+    <a:masterClrMapping/>
+  </p:clrMapOvr>
+  <p:timing>
+    <p:tnLst>
+      <p:par>
+        <p:cTn id="1" dur="indefinite" restart="never" nodeType="tmRoot"/>
+      </p:par>
+    </p:tnLst>
+  </p:timing>
+</p:sld>
+</file>
+
+<file path=ppt/slides/slide33.xml><?xml version="1.0" encoding="utf-8"?>
+<p:sld xmlns:a="http://schemas.openxmlformats.org/drawingml/2006/main" xmlns:r="http://schemas.openxmlformats.org/officeDocument/2006/relationships" xmlns:p="http://schemas.openxmlformats.org/presentationml/2006/main">
+  <p:cSld>
+    <p:spTree>
+      <p:nvGrpSpPr>
+        <p:cNvPr id="1" name=""/>
+        <p:cNvGrpSpPr/>
+        <p:nvPr/>
+      </p:nvGrpSpPr>
+      <p:grpSpPr>
+        <a:xfrm>
+          <a:off x="0" y="0"/>
+          <a:ext cx="0" cy="0"/>
+          <a:chOff x="0" y="0"/>
+          <a:chExt cx="0" cy="0"/>
+        </a:xfrm>
+      </p:grpSpPr>
+      <p:sp>
+        <p:nvSpPr>
+          <p:cNvPr id="6" name="제목 5"/>
+          <p:cNvSpPr>
+            <a:spLocks noGrp="1"/>
+          </p:cNvSpPr>
+          <p:nvPr>
+            <p:ph type="title"/>
+          </p:nvPr>
+        </p:nvSpPr>
+        <p:spPr>
+          <a:xfrm>
+            <a:off x="0" y="-18256"/>
+            <a:ext cx="7185248" cy="854968"/>
+          </a:xfrm>
+        </p:spPr>
+        <p:txBody>
+          <a:bodyPr>
+            <a:normAutofit/>
+          </a:bodyPr>
+          <a:lstStyle/>
+          <a:p>
+            <a:r>
+              <a:rPr lang="en-US" altLang="ko-KR" dirty="0" smtClean="0"/>
+              <a:t> </a:t>
+            </a:r>
+            <a:r>
+              <a:rPr lang="en-US" altLang="ko-KR" dirty="0" smtClean="0"/>
+              <a:t>step5. </a:t>
+            </a:r>
+            <a:r>
+              <a:rPr lang="en-US" altLang="ko-KR" dirty="0" err="1" smtClean="0"/>
+              <a:t>AccountDAO</a:t>
+            </a:r>
+            <a:endParaRPr lang="ko-KR" altLang="en-US" dirty="0"/>
+          </a:p>
+        </p:txBody>
+      </p:sp>
+      <p:sp>
+        <p:nvSpPr>
+          <p:cNvPr id="5" name="슬라이드 번호 개체 틀 4"/>
+          <p:cNvSpPr>
+            <a:spLocks noGrp="1"/>
+          </p:cNvSpPr>
+          <p:nvPr>
+            <p:ph type="sldNum" sz="quarter" idx="12"/>
+          </p:nvPr>
+        </p:nvSpPr>
+        <p:spPr>
+          <a:xfrm>
+            <a:off x="8853433" y="7312347"/>
+            <a:ext cx="557267" cy="365125"/>
+          </a:xfrm>
+        </p:spPr>
+        <p:txBody>
+          <a:bodyPr/>
+          <a:lstStyle/>
+          <a:p>
+            <a:fld id="{1BDE3FE7-3AEA-4B05-AC5A-802D1816ACF0}" type="slidenum">
+              <a:rPr lang="ko-KR" altLang="en-US" smtClean="0"/>
+              <a:t>33</a:t>
+            </a:fld>
+            <a:endParaRPr lang="ko-KR" altLang="en-US"/>
+          </a:p>
+        </p:txBody>
+      </p:sp>
+      <p:sp>
+        <p:nvSpPr>
+          <p:cNvPr id="8" name="내용 개체 틀 2">
+            <a:extLst>
+              <a:ext uri="{FF2B5EF4-FFF2-40B4-BE49-F238E27FC236}">
+                <a16:creationId xmlns:a16="http://schemas.microsoft.com/office/drawing/2014/main" id="{98AF3A4E-7D90-4241-89FE-799D6F9D5A94}"/>
+              </a:ext>
+            </a:extLst>
+          </p:cNvPr>
+          <p:cNvSpPr txBox="1">
+            <a:spLocks/>
+          </p:cNvSpPr>
+          <p:nvPr/>
+        </p:nvSpPr>
+        <p:spPr>
+          <a:xfrm>
+            <a:off x="848544" y="1052736"/>
+            <a:ext cx="5509221" cy="504055"/>
+          </a:xfrm>
+          <a:prstGeom prst="rect">
+            <a:avLst/>
+          </a:prstGeom>
+        </p:spPr>
+        <p:txBody>
+          <a:bodyPr/>
+          <a:lstStyle>
+            <a:lvl1pPr marL="228600" indent="-228600" algn="l" defTabSz="914400" rtl="0" eaLnBrk="1" latinLnBrk="1" hangingPunct="1">
+              <a:lnSpc>
+                <a:spcPct val="90000"/>
+              </a:lnSpc>
+              <a:spcBef>
+                <a:spcPts val="1000"/>
+              </a:spcBef>
+              <a:buFont typeface="Arial" panose="020B0604020202020204" pitchFamily="34" charset="0"/>
+              <a:buChar char="•"/>
+              <a:defRPr sz="2800" kern="1200">
+                <a:solidFill>
+                  <a:schemeClr val="tx1"/>
+                </a:solidFill>
+                <a:latin typeface="+mn-lt"/>
+                <a:ea typeface="+mn-ea"/>
+                <a:cs typeface="+mn-cs"/>
+              </a:defRPr>
+            </a:lvl1pPr>
+            <a:lvl2pPr marL="685800" indent="-228600" algn="l" defTabSz="914400" rtl="0" eaLnBrk="1" latinLnBrk="1" hangingPunct="1">
+              <a:lnSpc>
+                <a:spcPct val="90000"/>
+              </a:lnSpc>
+              <a:spcBef>
+                <a:spcPts val="500"/>
+              </a:spcBef>
+              <a:buFont typeface="Arial" panose="020B0604020202020204" pitchFamily="34" charset="0"/>
+              <a:buChar char="•"/>
+              <a:defRPr sz="2400" kern="1200">
+                <a:solidFill>
+                  <a:schemeClr val="tx1"/>
+                </a:solidFill>
+                <a:latin typeface="+mn-lt"/>
+                <a:ea typeface="+mn-ea"/>
+                <a:cs typeface="+mn-cs"/>
+              </a:defRPr>
+            </a:lvl2pPr>
+            <a:lvl3pPr marL="1143000" indent="-228600" algn="l" defTabSz="914400" rtl="0" eaLnBrk="1" latinLnBrk="1" hangingPunct="1">
+              <a:lnSpc>
+                <a:spcPct val="90000"/>
+              </a:lnSpc>
+              <a:spcBef>
+                <a:spcPts val="500"/>
+              </a:spcBef>
+              <a:buFont typeface="Arial" panose="020B0604020202020204" pitchFamily="34" charset="0"/>
+              <a:buChar char="•"/>
+              <a:defRPr sz="2000" kern="1200">
+                <a:solidFill>
+                  <a:schemeClr val="tx1"/>
+                </a:solidFill>
+                <a:latin typeface="+mn-lt"/>
+                <a:ea typeface="+mn-ea"/>
+                <a:cs typeface="+mn-cs"/>
+              </a:defRPr>
+            </a:lvl3pPr>
+            <a:lvl4pPr marL="1600200" indent="-228600" algn="l" defTabSz="914400" rtl="0" eaLnBrk="1" latinLnBrk="1" hangingPunct="1">
+              <a:lnSpc>
+                <a:spcPct val="90000"/>
+              </a:lnSpc>
+              <a:spcBef>
+                <a:spcPts val="500"/>
+              </a:spcBef>
+              <a:buFont typeface="Arial" panose="020B0604020202020204" pitchFamily="34" charset="0"/>
+              <a:buChar char="•"/>
+              <a:defRPr sz="1800" kern="1200">
+                <a:solidFill>
+                  <a:schemeClr val="tx1"/>
+                </a:solidFill>
+                <a:latin typeface="+mn-lt"/>
+                <a:ea typeface="+mn-ea"/>
+                <a:cs typeface="+mn-cs"/>
+              </a:defRPr>
+            </a:lvl4pPr>
+            <a:lvl5pPr marL="2057400" indent="-228600" algn="l" defTabSz="914400" rtl="0" eaLnBrk="1" latinLnBrk="1" hangingPunct="1">
+              <a:lnSpc>
+                <a:spcPct val="90000"/>
+              </a:lnSpc>
+              <a:spcBef>
+                <a:spcPts val="500"/>
+              </a:spcBef>
+              <a:buFont typeface="Arial" panose="020B0604020202020204" pitchFamily="34" charset="0"/>
+              <a:buChar char="•"/>
+              <a:defRPr sz="1800" kern="1200">
+                <a:solidFill>
+                  <a:schemeClr val="tx1"/>
+                </a:solidFill>
+                <a:latin typeface="+mn-lt"/>
+                <a:ea typeface="+mn-ea"/>
+                <a:cs typeface="+mn-cs"/>
+              </a:defRPr>
+            </a:lvl5pPr>
+            <a:lvl6pPr marL="2514600" indent="-228600" algn="l" defTabSz="914400" rtl="0" eaLnBrk="1" latinLnBrk="1" hangingPunct="1">
+              <a:lnSpc>
+                <a:spcPct val="90000"/>
+              </a:lnSpc>
+              <a:spcBef>
+                <a:spcPts val="500"/>
+              </a:spcBef>
+              <a:buFont typeface="Arial" panose="020B0604020202020204" pitchFamily="34" charset="0"/>
+              <a:buChar char="•"/>
+              <a:defRPr sz="1800" kern="1200">
+                <a:solidFill>
+                  <a:schemeClr val="tx1"/>
+                </a:solidFill>
+                <a:latin typeface="+mn-lt"/>
+                <a:ea typeface="+mn-ea"/>
+                <a:cs typeface="+mn-cs"/>
+              </a:defRPr>
+            </a:lvl6pPr>
+            <a:lvl7pPr marL="2971800" indent="-228600" algn="l" defTabSz="914400" rtl="0" eaLnBrk="1" latinLnBrk="1" hangingPunct="1">
+              <a:lnSpc>
+                <a:spcPct val="90000"/>
+              </a:lnSpc>
+              <a:spcBef>
+                <a:spcPts val="500"/>
+              </a:spcBef>
+              <a:buFont typeface="Arial" panose="020B0604020202020204" pitchFamily="34" charset="0"/>
+              <a:buChar char="•"/>
+              <a:defRPr sz="1800" kern="1200">
+                <a:solidFill>
+                  <a:schemeClr val="tx1"/>
+                </a:solidFill>
+                <a:latin typeface="+mn-lt"/>
+                <a:ea typeface="+mn-ea"/>
+                <a:cs typeface="+mn-cs"/>
+              </a:defRPr>
+            </a:lvl7pPr>
+            <a:lvl8pPr marL="3429000" indent="-228600" algn="l" defTabSz="914400" rtl="0" eaLnBrk="1" latinLnBrk="1" hangingPunct="1">
+              <a:lnSpc>
+                <a:spcPct val="90000"/>
+              </a:lnSpc>
+              <a:spcBef>
+                <a:spcPts val="500"/>
+              </a:spcBef>
+              <a:buFont typeface="Arial" panose="020B0604020202020204" pitchFamily="34" charset="0"/>
+              <a:buChar char="•"/>
+              <a:defRPr sz="1800" kern="1200">
+                <a:solidFill>
+                  <a:schemeClr val="tx1"/>
+                </a:solidFill>
+                <a:latin typeface="+mn-lt"/>
+                <a:ea typeface="+mn-ea"/>
+                <a:cs typeface="+mn-cs"/>
+              </a:defRPr>
+            </a:lvl8pPr>
+            <a:lvl9pPr marL="3886200" indent="-228600" algn="l" defTabSz="914400" rtl="0" eaLnBrk="1" latinLnBrk="1" hangingPunct="1">
+              <a:lnSpc>
+                <a:spcPct val="90000"/>
+              </a:lnSpc>
+              <a:spcBef>
+                <a:spcPts val="500"/>
+              </a:spcBef>
+              <a:buFont typeface="Arial" panose="020B0604020202020204" pitchFamily="34" charset="0"/>
+              <a:buChar char="•"/>
+              <a:defRPr sz="1800" kern="1200">
+                <a:solidFill>
+                  <a:schemeClr val="tx1"/>
+                </a:solidFill>
+                <a:latin typeface="+mn-lt"/>
+                <a:ea typeface="+mn-ea"/>
+                <a:cs typeface="+mn-cs"/>
+              </a:defRPr>
+            </a:lvl9pPr>
+          </a:lstStyle>
+          <a:p>
+            <a:pPr>
+              <a:lnSpc>
+                <a:spcPct val="150000"/>
+              </a:lnSpc>
+              <a:buFont typeface="Wingdings" panose="05000000000000000000" pitchFamily="2" charset="2"/>
+              <a:buChar char="u"/>
+            </a:pPr>
+            <a:r>
+              <a:rPr lang="ko-KR" altLang="en-US" sz="1800" b="1" dirty="0" smtClean="0"/>
+              <a:t> 예금</a:t>
+            </a:r>
+            <a:endParaRPr lang="en-US" altLang="ko-KR" sz="1800" b="1" dirty="0" smtClean="0"/>
+          </a:p>
+        </p:txBody>
+      </p:sp>
+      <p:pic>
+        <p:nvPicPr>
+          <p:cNvPr id="3" name="그림 2"/>
+          <p:cNvPicPr>
+            <a:picLocks noChangeAspect="1"/>
+          </p:cNvPicPr>
+          <p:nvPr/>
+        </p:nvPicPr>
+        <p:blipFill rotWithShape="1">
+          <a:blip r:embed="rId2">
+            <a:extLst>
+              <a:ext uri="{28A0092B-C50C-407E-A947-70E740481C1C}">
+                <a14:useLocalDpi xmlns:a14="http://schemas.microsoft.com/office/drawing/2010/main" val="0"/>
+              </a:ext>
+            </a:extLst>
+          </a:blip>
+          <a:srcRect t="5751"/>
+          <a:stretch/>
+        </p:blipFill>
+        <p:spPr>
+          <a:xfrm>
+            <a:off x="488604" y="1588840"/>
+            <a:ext cx="9093284" cy="4288432"/>
+          </a:xfrm>
+          <a:prstGeom prst="rect">
+            <a:avLst/>
+          </a:prstGeom>
+          <a:ln>
+            <a:solidFill>
+              <a:schemeClr val="bg1">
+                <a:lumMod val="85000"/>
+              </a:schemeClr>
+            </a:solidFill>
+          </a:ln>
+        </p:spPr>
+      </p:pic>
+    </p:spTree>
+    <p:extLst>
+      <p:ext uri="{BB962C8B-B14F-4D97-AF65-F5344CB8AC3E}">
+        <p14:creationId xmlns:p14="http://schemas.microsoft.com/office/powerpoint/2010/main" val="2518306796"/>
+      </p:ext>
+    </p:extLst>
+  </p:cSld>
+  <p:clrMapOvr>
+    <a:masterClrMapping/>
+  </p:clrMapOvr>
+  <p:timing>
+    <p:tnLst>
+      <p:par>
+        <p:cTn id="1" dur="indefinite" restart="never" nodeType="tmRoot"/>
+      </p:par>
+    </p:tnLst>
+  </p:timing>
+</p:sld>
+</file>
+
+<file path=ppt/slides/slide34.xml><?xml version="1.0" encoding="utf-8"?>
+<p:sld xmlns:a="http://schemas.openxmlformats.org/drawingml/2006/main" xmlns:r="http://schemas.openxmlformats.org/officeDocument/2006/relationships" xmlns:p="http://schemas.openxmlformats.org/presentationml/2006/main">
+  <p:cSld>
+    <p:spTree>
+      <p:nvGrpSpPr>
+        <p:cNvPr id="1" name=""/>
+        <p:cNvGrpSpPr/>
+        <p:nvPr/>
+      </p:nvGrpSpPr>
+      <p:grpSpPr>
+        <a:xfrm>
+          <a:off x="0" y="0"/>
+          <a:ext cx="0" cy="0"/>
+          <a:chOff x="0" y="0"/>
+          <a:chExt cx="0" cy="0"/>
+        </a:xfrm>
+      </p:grpSpPr>
+      <p:sp>
+        <p:nvSpPr>
+          <p:cNvPr id="6" name="제목 5"/>
+          <p:cNvSpPr>
+            <a:spLocks noGrp="1"/>
+          </p:cNvSpPr>
+          <p:nvPr>
+            <p:ph type="title"/>
+          </p:nvPr>
+        </p:nvSpPr>
+        <p:spPr>
+          <a:xfrm>
+            <a:off x="0" y="-18256"/>
+            <a:ext cx="7185248" cy="854968"/>
+          </a:xfrm>
+        </p:spPr>
+        <p:txBody>
+          <a:bodyPr>
+            <a:normAutofit/>
+          </a:bodyPr>
+          <a:lstStyle/>
+          <a:p>
+            <a:r>
+              <a:rPr lang="en-US" altLang="ko-KR" dirty="0" smtClean="0"/>
+              <a:t> </a:t>
+            </a:r>
+            <a:r>
+              <a:rPr lang="en-US" altLang="ko-KR" dirty="0" smtClean="0"/>
+              <a:t>step5. </a:t>
+            </a:r>
+            <a:r>
+              <a:rPr lang="en-US" altLang="ko-KR" dirty="0" err="1" smtClean="0"/>
+              <a:t>AccountDAO</a:t>
+            </a:r>
+            <a:endParaRPr lang="ko-KR" altLang="en-US" dirty="0"/>
+          </a:p>
+        </p:txBody>
+      </p:sp>
+      <p:sp>
+        <p:nvSpPr>
+          <p:cNvPr id="5" name="슬라이드 번호 개체 틀 4"/>
+          <p:cNvSpPr>
+            <a:spLocks noGrp="1"/>
+          </p:cNvSpPr>
+          <p:nvPr>
+            <p:ph type="sldNum" sz="quarter" idx="12"/>
+          </p:nvPr>
+        </p:nvSpPr>
+        <p:spPr>
+          <a:xfrm>
+            <a:off x="8853433" y="7312347"/>
+            <a:ext cx="557267" cy="365125"/>
+          </a:xfrm>
+        </p:spPr>
+        <p:txBody>
+          <a:bodyPr/>
+          <a:lstStyle/>
+          <a:p>
+            <a:fld id="{1BDE3FE7-3AEA-4B05-AC5A-802D1816ACF0}" type="slidenum">
+              <a:rPr lang="ko-KR" altLang="en-US" smtClean="0"/>
+              <a:t>34</a:t>
+            </a:fld>
+            <a:endParaRPr lang="ko-KR" altLang="en-US"/>
+          </a:p>
+        </p:txBody>
+      </p:sp>
+      <p:sp>
+        <p:nvSpPr>
+          <p:cNvPr id="8" name="내용 개체 틀 2">
+            <a:extLst>
+              <a:ext uri="{FF2B5EF4-FFF2-40B4-BE49-F238E27FC236}">
+                <a16:creationId xmlns:a16="http://schemas.microsoft.com/office/drawing/2014/main" id="{98AF3A4E-7D90-4241-89FE-799D6F9D5A94}"/>
+              </a:ext>
+            </a:extLst>
+          </p:cNvPr>
+          <p:cNvSpPr txBox="1">
+            <a:spLocks/>
+          </p:cNvSpPr>
+          <p:nvPr/>
+        </p:nvSpPr>
+        <p:spPr>
+          <a:xfrm>
+            <a:off x="848544" y="1052736"/>
+            <a:ext cx="5509221" cy="504055"/>
+          </a:xfrm>
+          <a:prstGeom prst="rect">
+            <a:avLst/>
+          </a:prstGeom>
+        </p:spPr>
+        <p:txBody>
+          <a:bodyPr/>
+          <a:lstStyle>
+            <a:lvl1pPr marL="228600" indent="-228600" algn="l" defTabSz="914400" rtl="0" eaLnBrk="1" latinLnBrk="1" hangingPunct="1">
+              <a:lnSpc>
+                <a:spcPct val="90000"/>
+              </a:lnSpc>
+              <a:spcBef>
+                <a:spcPts val="1000"/>
+              </a:spcBef>
+              <a:buFont typeface="Arial" panose="020B0604020202020204" pitchFamily="34" charset="0"/>
+              <a:buChar char="•"/>
+              <a:defRPr sz="2800" kern="1200">
+                <a:solidFill>
+                  <a:schemeClr val="tx1"/>
+                </a:solidFill>
+                <a:latin typeface="+mn-lt"/>
+                <a:ea typeface="+mn-ea"/>
+                <a:cs typeface="+mn-cs"/>
+              </a:defRPr>
+            </a:lvl1pPr>
+            <a:lvl2pPr marL="685800" indent="-228600" algn="l" defTabSz="914400" rtl="0" eaLnBrk="1" latinLnBrk="1" hangingPunct="1">
+              <a:lnSpc>
+                <a:spcPct val="90000"/>
+              </a:lnSpc>
+              <a:spcBef>
+                <a:spcPts val="500"/>
+              </a:spcBef>
+              <a:buFont typeface="Arial" panose="020B0604020202020204" pitchFamily="34" charset="0"/>
+              <a:buChar char="•"/>
+              <a:defRPr sz="2400" kern="1200">
+                <a:solidFill>
+                  <a:schemeClr val="tx1"/>
+                </a:solidFill>
+                <a:latin typeface="+mn-lt"/>
+                <a:ea typeface="+mn-ea"/>
+                <a:cs typeface="+mn-cs"/>
+              </a:defRPr>
+            </a:lvl2pPr>
+            <a:lvl3pPr marL="1143000" indent="-228600" algn="l" defTabSz="914400" rtl="0" eaLnBrk="1" latinLnBrk="1" hangingPunct="1">
+              <a:lnSpc>
+                <a:spcPct val="90000"/>
+              </a:lnSpc>
+              <a:spcBef>
+                <a:spcPts val="500"/>
+              </a:spcBef>
+              <a:buFont typeface="Arial" panose="020B0604020202020204" pitchFamily="34" charset="0"/>
+              <a:buChar char="•"/>
+              <a:defRPr sz="2000" kern="1200">
+                <a:solidFill>
+                  <a:schemeClr val="tx1"/>
+                </a:solidFill>
+                <a:latin typeface="+mn-lt"/>
+                <a:ea typeface="+mn-ea"/>
+                <a:cs typeface="+mn-cs"/>
+              </a:defRPr>
+            </a:lvl3pPr>
+            <a:lvl4pPr marL="1600200" indent="-228600" algn="l" defTabSz="914400" rtl="0" eaLnBrk="1" latinLnBrk="1" hangingPunct="1">
+              <a:lnSpc>
+                <a:spcPct val="90000"/>
+              </a:lnSpc>
+              <a:spcBef>
+                <a:spcPts val="500"/>
+              </a:spcBef>
+              <a:buFont typeface="Arial" panose="020B0604020202020204" pitchFamily="34" charset="0"/>
+              <a:buChar char="•"/>
+              <a:defRPr sz="1800" kern="1200">
+                <a:solidFill>
+                  <a:schemeClr val="tx1"/>
+                </a:solidFill>
+                <a:latin typeface="+mn-lt"/>
+                <a:ea typeface="+mn-ea"/>
+                <a:cs typeface="+mn-cs"/>
+              </a:defRPr>
+            </a:lvl4pPr>
+            <a:lvl5pPr marL="2057400" indent="-228600" algn="l" defTabSz="914400" rtl="0" eaLnBrk="1" latinLnBrk="1" hangingPunct="1">
+              <a:lnSpc>
+                <a:spcPct val="90000"/>
+              </a:lnSpc>
+              <a:spcBef>
+                <a:spcPts val="500"/>
+              </a:spcBef>
+              <a:buFont typeface="Arial" panose="020B0604020202020204" pitchFamily="34" charset="0"/>
+              <a:buChar char="•"/>
+              <a:defRPr sz="1800" kern="1200">
+                <a:solidFill>
+                  <a:schemeClr val="tx1"/>
+                </a:solidFill>
+                <a:latin typeface="+mn-lt"/>
+                <a:ea typeface="+mn-ea"/>
+                <a:cs typeface="+mn-cs"/>
+              </a:defRPr>
+            </a:lvl5pPr>
+            <a:lvl6pPr marL="2514600" indent="-228600" algn="l" defTabSz="914400" rtl="0" eaLnBrk="1" latinLnBrk="1" hangingPunct="1">
+              <a:lnSpc>
+                <a:spcPct val="90000"/>
+              </a:lnSpc>
+              <a:spcBef>
+                <a:spcPts val="500"/>
+              </a:spcBef>
+              <a:buFont typeface="Arial" panose="020B0604020202020204" pitchFamily="34" charset="0"/>
+              <a:buChar char="•"/>
+              <a:defRPr sz="1800" kern="1200">
+                <a:solidFill>
+                  <a:schemeClr val="tx1"/>
+                </a:solidFill>
+                <a:latin typeface="+mn-lt"/>
+                <a:ea typeface="+mn-ea"/>
+                <a:cs typeface="+mn-cs"/>
+              </a:defRPr>
+            </a:lvl6pPr>
+            <a:lvl7pPr marL="2971800" indent="-228600" algn="l" defTabSz="914400" rtl="0" eaLnBrk="1" latinLnBrk="1" hangingPunct="1">
+              <a:lnSpc>
+                <a:spcPct val="90000"/>
+              </a:lnSpc>
+              <a:spcBef>
+                <a:spcPts val="500"/>
+              </a:spcBef>
+              <a:buFont typeface="Arial" panose="020B0604020202020204" pitchFamily="34" charset="0"/>
+              <a:buChar char="•"/>
+              <a:defRPr sz="1800" kern="1200">
+                <a:solidFill>
+                  <a:schemeClr val="tx1"/>
+                </a:solidFill>
+                <a:latin typeface="+mn-lt"/>
+                <a:ea typeface="+mn-ea"/>
+                <a:cs typeface="+mn-cs"/>
+              </a:defRPr>
+            </a:lvl7pPr>
+            <a:lvl8pPr marL="3429000" indent="-228600" algn="l" defTabSz="914400" rtl="0" eaLnBrk="1" latinLnBrk="1" hangingPunct="1">
+              <a:lnSpc>
+                <a:spcPct val="90000"/>
+              </a:lnSpc>
+              <a:spcBef>
+                <a:spcPts val="500"/>
+              </a:spcBef>
+              <a:buFont typeface="Arial" panose="020B0604020202020204" pitchFamily="34" charset="0"/>
+              <a:buChar char="•"/>
+              <a:defRPr sz="1800" kern="1200">
+                <a:solidFill>
+                  <a:schemeClr val="tx1"/>
+                </a:solidFill>
+                <a:latin typeface="+mn-lt"/>
+                <a:ea typeface="+mn-ea"/>
+                <a:cs typeface="+mn-cs"/>
+              </a:defRPr>
+            </a:lvl8pPr>
+            <a:lvl9pPr marL="3886200" indent="-228600" algn="l" defTabSz="914400" rtl="0" eaLnBrk="1" latinLnBrk="1" hangingPunct="1">
+              <a:lnSpc>
+                <a:spcPct val="90000"/>
+              </a:lnSpc>
+              <a:spcBef>
+                <a:spcPts val="500"/>
+              </a:spcBef>
+              <a:buFont typeface="Arial" panose="020B0604020202020204" pitchFamily="34" charset="0"/>
+              <a:buChar char="•"/>
+              <a:defRPr sz="1800" kern="1200">
+                <a:solidFill>
+                  <a:schemeClr val="tx1"/>
+                </a:solidFill>
+                <a:latin typeface="+mn-lt"/>
+                <a:ea typeface="+mn-ea"/>
+                <a:cs typeface="+mn-cs"/>
+              </a:defRPr>
+            </a:lvl9pPr>
+          </a:lstStyle>
+          <a:p>
+            <a:pPr>
+              <a:lnSpc>
+                <a:spcPct val="150000"/>
+              </a:lnSpc>
+              <a:buFont typeface="Wingdings" panose="05000000000000000000" pitchFamily="2" charset="2"/>
+              <a:buChar char="u"/>
+            </a:pPr>
+            <a:r>
+              <a:rPr lang="ko-KR" altLang="en-US" sz="1800" b="1" dirty="0" smtClean="0"/>
+              <a:t> 예금</a:t>
+            </a:r>
+            <a:endParaRPr lang="en-US" altLang="ko-KR" sz="1800" b="1" dirty="0" smtClean="0"/>
+          </a:p>
+        </p:txBody>
+      </p:sp>
+      <p:pic>
+        <p:nvPicPr>
+          <p:cNvPr id="2" name="그림 1"/>
+          <p:cNvPicPr>
+            <a:picLocks noChangeAspect="1"/>
+          </p:cNvPicPr>
+          <p:nvPr/>
+        </p:nvPicPr>
+        <p:blipFill>
+          <a:blip r:embed="rId2">
+            <a:extLst>
+              <a:ext uri="{28A0092B-C50C-407E-A947-70E740481C1C}">
+                <a14:useLocalDpi xmlns:a14="http://schemas.microsoft.com/office/drawing/2010/main" val="0"/>
+              </a:ext>
+            </a:extLst>
+          </a:blip>
+          <a:stretch>
+            <a:fillRect/>
+          </a:stretch>
+        </p:blipFill>
+        <p:spPr>
+          <a:xfrm>
+            <a:off x="1208584" y="1700808"/>
+            <a:ext cx="7788315" cy="4061812"/>
+          </a:xfrm>
+          <a:prstGeom prst="rect">
+            <a:avLst/>
+          </a:prstGeom>
+          <a:ln>
+            <a:solidFill>
+              <a:schemeClr val="bg1">
+                <a:lumMod val="85000"/>
+              </a:schemeClr>
+            </a:solidFill>
+          </a:ln>
+        </p:spPr>
+      </p:pic>
+    </p:spTree>
+    <p:extLst>
+      <p:ext uri="{BB962C8B-B14F-4D97-AF65-F5344CB8AC3E}">
+        <p14:creationId xmlns:p14="http://schemas.microsoft.com/office/powerpoint/2010/main" val="4025854829"/>
+      </p:ext>
+    </p:extLst>
+  </p:cSld>
+  <p:clrMapOvr>
+    <a:masterClrMapping/>
+  </p:clrMapOvr>
+  <p:timing>
+    <p:tnLst>
+      <p:par>
+        <p:cTn id="1" dur="indefinite" restart="never" nodeType="tmRoot"/>
+      </p:par>
+    </p:tnLst>
+  </p:timing>
+</p:sld>
+</file>
+
+<file path=ppt/slides/slide35.xml><?xml version="1.0" encoding="utf-8"?>
+<p:sld xmlns:a="http://schemas.openxmlformats.org/drawingml/2006/main" xmlns:r="http://schemas.openxmlformats.org/officeDocument/2006/relationships" xmlns:p="http://schemas.openxmlformats.org/presentationml/2006/main">
+  <p:cSld>
+    <p:spTree>
+      <p:nvGrpSpPr>
+        <p:cNvPr id="1" name=""/>
+        <p:cNvGrpSpPr/>
+        <p:nvPr/>
+      </p:nvGrpSpPr>
+      <p:grpSpPr>
+        <a:xfrm>
+          <a:off x="0" y="0"/>
+          <a:ext cx="0" cy="0"/>
+          <a:chOff x="0" y="0"/>
+          <a:chExt cx="0" cy="0"/>
+        </a:xfrm>
+      </p:grpSpPr>
+      <p:sp>
+        <p:nvSpPr>
+          <p:cNvPr id="6" name="제목 5"/>
+          <p:cNvSpPr>
+            <a:spLocks noGrp="1"/>
+          </p:cNvSpPr>
+          <p:nvPr>
+            <p:ph type="title"/>
+          </p:nvPr>
+        </p:nvSpPr>
+        <p:spPr>
+          <a:xfrm>
+            <a:off x="0" y="-18256"/>
+            <a:ext cx="7185248" cy="854968"/>
+          </a:xfrm>
+        </p:spPr>
+        <p:txBody>
+          <a:bodyPr>
+            <a:normAutofit/>
+          </a:bodyPr>
+          <a:lstStyle/>
+          <a:p>
+            <a:r>
+              <a:rPr lang="en-US" altLang="ko-KR" dirty="0" smtClean="0"/>
+              <a:t> </a:t>
+            </a:r>
+            <a:r>
+              <a:rPr lang="en-US" altLang="ko-KR" dirty="0" smtClean="0"/>
+              <a:t>step5. </a:t>
+            </a:r>
+            <a:r>
+              <a:rPr lang="en-US" altLang="ko-KR" dirty="0" err="1" smtClean="0"/>
+              <a:t>AccountDAO</a:t>
+            </a:r>
+            <a:endParaRPr lang="ko-KR" altLang="en-US" dirty="0"/>
+          </a:p>
+        </p:txBody>
+      </p:sp>
+      <p:sp>
+        <p:nvSpPr>
+          <p:cNvPr id="5" name="슬라이드 번호 개체 틀 4"/>
+          <p:cNvSpPr>
+            <a:spLocks noGrp="1"/>
+          </p:cNvSpPr>
+          <p:nvPr>
+            <p:ph type="sldNum" sz="quarter" idx="12"/>
+          </p:nvPr>
+        </p:nvSpPr>
+        <p:spPr>
+          <a:xfrm>
+            <a:off x="8853433" y="7312347"/>
+            <a:ext cx="557267" cy="365125"/>
+          </a:xfrm>
+        </p:spPr>
+        <p:txBody>
+          <a:bodyPr/>
+          <a:lstStyle/>
+          <a:p>
+            <a:fld id="{1BDE3FE7-3AEA-4B05-AC5A-802D1816ACF0}" type="slidenum">
+              <a:rPr lang="ko-KR" altLang="en-US" smtClean="0"/>
+              <a:t>35</a:t>
+            </a:fld>
+            <a:endParaRPr lang="ko-KR" altLang="en-US"/>
+          </a:p>
+        </p:txBody>
+      </p:sp>
+      <p:sp>
+        <p:nvSpPr>
+          <p:cNvPr id="8" name="내용 개체 틀 2">
+            <a:extLst>
+              <a:ext uri="{FF2B5EF4-FFF2-40B4-BE49-F238E27FC236}">
+                <a16:creationId xmlns:a16="http://schemas.microsoft.com/office/drawing/2014/main" id="{98AF3A4E-7D90-4241-89FE-799D6F9D5A94}"/>
+              </a:ext>
+            </a:extLst>
+          </p:cNvPr>
+          <p:cNvSpPr txBox="1">
+            <a:spLocks/>
+          </p:cNvSpPr>
+          <p:nvPr/>
+        </p:nvSpPr>
+        <p:spPr>
+          <a:xfrm>
+            <a:off x="848544" y="1052736"/>
+            <a:ext cx="5509221" cy="504055"/>
+          </a:xfrm>
+          <a:prstGeom prst="rect">
+            <a:avLst/>
+          </a:prstGeom>
+        </p:spPr>
+        <p:txBody>
+          <a:bodyPr/>
+          <a:lstStyle>
+            <a:lvl1pPr marL="228600" indent="-228600" algn="l" defTabSz="914400" rtl="0" eaLnBrk="1" latinLnBrk="1" hangingPunct="1">
+              <a:lnSpc>
+                <a:spcPct val="90000"/>
+              </a:lnSpc>
+              <a:spcBef>
+                <a:spcPts val="1000"/>
+              </a:spcBef>
+              <a:buFont typeface="Arial" panose="020B0604020202020204" pitchFamily="34" charset="0"/>
+              <a:buChar char="•"/>
+              <a:defRPr sz="2800" kern="1200">
+                <a:solidFill>
+                  <a:schemeClr val="tx1"/>
+                </a:solidFill>
+                <a:latin typeface="+mn-lt"/>
+                <a:ea typeface="+mn-ea"/>
+                <a:cs typeface="+mn-cs"/>
+              </a:defRPr>
+            </a:lvl1pPr>
+            <a:lvl2pPr marL="685800" indent="-228600" algn="l" defTabSz="914400" rtl="0" eaLnBrk="1" latinLnBrk="1" hangingPunct="1">
+              <a:lnSpc>
+                <a:spcPct val="90000"/>
+              </a:lnSpc>
+              <a:spcBef>
+                <a:spcPts val="500"/>
+              </a:spcBef>
+              <a:buFont typeface="Arial" panose="020B0604020202020204" pitchFamily="34" charset="0"/>
+              <a:buChar char="•"/>
+              <a:defRPr sz="2400" kern="1200">
+                <a:solidFill>
+                  <a:schemeClr val="tx1"/>
+                </a:solidFill>
+                <a:latin typeface="+mn-lt"/>
+                <a:ea typeface="+mn-ea"/>
+                <a:cs typeface="+mn-cs"/>
+              </a:defRPr>
+            </a:lvl2pPr>
+            <a:lvl3pPr marL="1143000" indent="-228600" algn="l" defTabSz="914400" rtl="0" eaLnBrk="1" latinLnBrk="1" hangingPunct="1">
+              <a:lnSpc>
+                <a:spcPct val="90000"/>
+              </a:lnSpc>
+              <a:spcBef>
+                <a:spcPts val="500"/>
+              </a:spcBef>
+              <a:buFont typeface="Arial" panose="020B0604020202020204" pitchFamily="34" charset="0"/>
+              <a:buChar char="•"/>
+              <a:defRPr sz="2000" kern="1200">
+                <a:solidFill>
+                  <a:schemeClr val="tx1"/>
+                </a:solidFill>
+                <a:latin typeface="+mn-lt"/>
+                <a:ea typeface="+mn-ea"/>
+                <a:cs typeface="+mn-cs"/>
+              </a:defRPr>
+            </a:lvl3pPr>
+            <a:lvl4pPr marL="1600200" indent="-228600" algn="l" defTabSz="914400" rtl="0" eaLnBrk="1" latinLnBrk="1" hangingPunct="1">
+              <a:lnSpc>
+                <a:spcPct val="90000"/>
+              </a:lnSpc>
+              <a:spcBef>
+                <a:spcPts val="500"/>
+              </a:spcBef>
+              <a:buFont typeface="Arial" panose="020B0604020202020204" pitchFamily="34" charset="0"/>
+              <a:buChar char="•"/>
+              <a:defRPr sz="1800" kern="1200">
+                <a:solidFill>
+                  <a:schemeClr val="tx1"/>
+                </a:solidFill>
+                <a:latin typeface="+mn-lt"/>
+                <a:ea typeface="+mn-ea"/>
+                <a:cs typeface="+mn-cs"/>
+              </a:defRPr>
+            </a:lvl4pPr>
+            <a:lvl5pPr marL="2057400" indent="-228600" algn="l" defTabSz="914400" rtl="0" eaLnBrk="1" latinLnBrk="1" hangingPunct="1">
+              <a:lnSpc>
+                <a:spcPct val="90000"/>
+              </a:lnSpc>
+              <a:spcBef>
+                <a:spcPts val="500"/>
+              </a:spcBef>
+              <a:buFont typeface="Arial" panose="020B0604020202020204" pitchFamily="34" charset="0"/>
+              <a:buChar char="•"/>
+              <a:defRPr sz="1800" kern="1200">
+                <a:solidFill>
+                  <a:schemeClr val="tx1"/>
+                </a:solidFill>
+                <a:latin typeface="+mn-lt"/>
+                <a:ea typeface="+mn-ea"/>
+                <a:cs typeface="+mn-cs"/>
+              </a:defRPr>
+            </a:lvl5pPr>
+            <a:lvl6pPr marL="2514600" indent="-228600" algn="l" defTabSz="914400" rtl="0" eaLnBrk="1" latinLnBrk="1" hangingPunct="1">
+              <a:lnSpc>
+                <a:spcPct val="90000"/>
+              </a:lnSpc>
+              <a:spcBef>
+                <a:spcPts val="500"/>
+              </a:spcBef>
+              <a:buFont typeface="Arial" panose="020B0604020202020204" pitchFamily="34" charset="0"/>
+              <a:buChar char="•"/>
+              <a:defRPr sz="1800" kern="1200">
+                <a:solidFill>
+                  <a:schemeClr val="tx1"/>
+                </a:solidFill>
+                <a:latin typeface="+mn-lt"/>
+                <a:ea typeface="+mn-ea"/>
+                <a:cs typeface="+mn-cs"/>
+              </a:defRPr>
+            </a:lvl6pPr>
+            <a:lvl7pPr marL="2971800" indent="-228600" algn="l" defTabSz="914400" rtl="0" eaLnBrk="1" latinLnBrk="1" hangingPunct="1">
+              <a:lnSpc>
+                <a:spcPct val="90000"/>
+              </a:lnSpc>
+              <a:spcBef>
+                <a:spcPts val="500"/>
+              </a:spcBef>
+              <a:buFont typeface="Arial" panose="020B0604020202020204" pitchFamily="34" charset="0"/>
+              <a:buChar char="•"/>
+              <a:defRPr sz="1800" kern="1200">
+                <a:solidFill>
+                  <a:schemeClr val="tx1"/>
+                </a:solidFill>
+                <a:latin typeface="+mn-lt"/>
+                <a:ea typeface="+mn-ea"/>
+                <a:cs typeface="+mn-cs"/>
+              </a:defRPr>
+            </a:lvl7pPr>
+            <a:lvl8pPr marL="3429000" indent="-228600" algn="l" defTabSz="914400" rtl="0" eaLnBrk="1" latinLnBrk="1" hangingPunct="1">
+              <a:lnSpc>
+                <a:spcPct val="90000"/>
+              </a:lnSpc>
+              <a:spcBef>
+                <a:spcPts val="500"/>
+              </a:spcBef>
+              <a:buFont typeface="Arial" panose="020B0604020202020204" pitchFamily="34" charset="0"/>
+              <a:buChar char="•"/>
+              <a:defRPr sz="1800" kern="1200">
+                <a:solidFill>
+                  <a:schemeClr val="tx1"/>
+                </a:solidFill>
+                <a:latin typeface="+mn-lt"/>
+                <a:ea typeface="+mn-ea"/>
+                <a:cs typeface="+mn-cs"/>
+              </a:defRPr>
+            </a:lvl8pPr>
+            <a:lvl9pPr marL="3886200" indent="-228600" algn="l" defTabSz="914400" rtl="0" eaLnBrk="1" latinLnBrk="1" hangingPunct="1">
+              <a:lnSpc>
+                <a:spcPct val="90000"/>
+              </a:lnSpc>
+              <a:spcBef>
+                <a:spcPts val="500"/>
+              </a:spcBef>
+              <a:buFont typeface="Arial" panose="020B0604020202020204" pitchFamily="34" charset="0"/>
+              <a:buChar char="•"/>
+              <a:defRPr sz="1800" kern="1200">
+                <a:solidFill>
+                  <a:schemeClr val="tx1"/>
+                </a:solidFill>
+                <a:latin typeface="+mn-lt"/>
+                <a:ea typeface="+mn-ea"/>
+                <a:cs typeface="+mn-cs"/>
+              </a:defRPr>
+            </a:lvl9pPr>
+          </a:lstStyle>
+          <a:p>
+            <a:pPr>
+              <a:lnSpc>
+                <a:spcPct val="150000"/>
+              </a:lnSpc>
+              <a:buFont typeface="Wingdings" panose="05000000000000000000" pitchFamily="2" charset="2"/>
+              <a:buChar char="u"/>
+            </a:pPr>
+            <a:r>
+              <a:rPr lang="ko-KR" altLang="en-US" sz="1800" b="1" dirty="0" smtClean="0"/>
+              <a:t> 출금</a:t>
+            </a:r>
+            <a:endParaRPr lang="en-US" altLang="ko-KR" sz="1800" b="1" dirty="0" smtClean="0"/>
+          </a:p>
+        </p:txBody>
+      </p:sp>
+      <p:pic>
+        <p:nvPicPr>
+          <p:cNvPr id="3" name="그림 2"/>
+          <p:cNvPicPr>
+            <a:picLocks noChangeAspect="1"/>
+          </p:cNvPicPr>
+          <p:nvPr/>
+        </p:nvPicPr>
+        <p:blipFill>
+          <a:blip r:embed="rId2">
+            <a:extLst>
+              <a:ext uri="{28A0092B-C50C-407E-A947-70E740481C1C}">
+                <a14:useLocalDpi xmlns:a14="http://schemas.microsoft.com/office/drawing/2010/main" val="0"/>
+              </a:ext>
+            </a:extLst>
+          </a:blip>
+          <a:stretch>
+            <a:fillRect/>
+          </a:stretch>
+        </p:blipFill>
+        <p:spPr>
+          <a:xfrm>
+            <a:off x="488504" y="1556791"/>
+            <a:ext cx="9073008" cy="4536504"/>
+          </a:xfrm>
+          <a:prstGeom prst="rect">
+            <a:avLst/>
+          </a:prstGeom>
+          <a:ln>
+            <a:solidFill>
+              <a:schemeClr val="bg1">
+                <a:lumMod val="85000"/>
+              </a:schemeClr>
+            </a:solidFill>
+          </a:ln>
+        </p:spPr>
+      </p:pic>
+    </p:spTree>
+    <p:extLst>
+      <p:ext uri="{BB962C8B-B14F-4D97-AF65-F5344CB8AC3E}">
+        <p14:creationId xmlns:p14="http://schemas.microsoft.com/office/powerpoint/2010/main" val="3319347175"/>
+      </p:ext>
+    </p:extLst>
+  </p:cSld>
+  <p:clrMapOvr>
+    <a:masterClrMapping/>
+  </p:clrMapOvr>
+  <p:timing>
+    <p:tnLst>
+      <p:par>
+        <p:cTn id="1" dur="indefinite" restart="never" nodeType="tmRoot"/>
+      </p:par>
+    </p:tnLst>
+  </p:timing>
+</p:sld>
+</file>
+
+<file path=ppt/slides/slide36.xml><?xml version="1.0" encoding="utf-8"?>
+<p:sld xmlns:a="http://schemas.openxmlformats.org/drawingml/2006/main" xmlns:r="http://schemas.openxmlformats.org/officeDocument/2006/relationships" xmlns:p="http://schemas.openxmlformats.org/presentationml/2006/main">
+  <p:cSld>
+    <p:spTree>
+      <p:nvGrpSpPr>
+        <p:cNvPr id="1" name=""/>
+        <p:cNvGrpSpPr/>
+        <p:nvPr/>
+      </p:nvGrpSpPr>
+      <p:grpSpPr>
+        <a:xfrm>
+          <a:off x="0" y="0"/>
+          <a:ext cx="0" cy="0"/>
+          <a:chOff x="0" y="0"/>
+          <a:chExt cx="0" cy="0"/>
+        </a:xfrm>
+      </p:grpSpPr>
+      <p:sp>
+        <p:nvSpPr>
+          <p:cNvPr id="6" name="제목 5"/>
+          <p:cNvSpPr>
+            <a:spLocks noGrp="1"/>
+          </p:cNvSpPr>
+          <p:nvPr>
+            <p:ph type="title"/>
+          </p:nvPr>
+        </p:nvSpPr>
+        <p:spPr>
+          <a:xfrm>
+            <a:off x="0" y="-18256"/>
+            <a:ext cx="7185248" cy="854968"/>
+          </a:xfrm>
+        </p:spPr>
+        <p:txBody>
+          <a:bodyPr>
+            <a:normAutofit/>
+          </a:bodyPr>
+          <a:lstStyle/>
+          <a:p>
+            <a:r>
+              <a:rPr lang="en-US" altLang="ko-KR" dirty="0" smtClean="0"/>
+              <a:t> </a:t>
+            </a:r>
+            <a:r>
+              <a:rPr lang="en-US" altLang="ko-KR" dirty="0" smtClean="0"/>
+              <a:t>step5. </a:t>
+            </a:r>
+            <a:r>
+              <a:rPr lang="en-US" altLang="ko-KR" dirty="0" err="1" smtClean="0"/>
+              <a:t>AccountDAO</a:t>
+            </a:r>
+            <a:endParaRPr lang="ko-KR" altLang="en-US" dirty="0"/>
+          </a:p>
+        </p:txBody>
+      </p:sp>
+      <p:sp>
+        <p:nvSpPr>
+          <p:cNvPr id="5" name="슬라이드 번호 개체 틀 4"/>
+          <p:cNvSpPr>
+            <a:spLocks noGrp="1"/>
+          </p:cNvSpPr>
+          <p:nvPr>
+            <p:ph type="sldNum" sz="quarter" idx="12"/>
+          </p:nvPr>
+        </p:nvSpPr>
+        <p:spPr>
+          <a:xfrm>
+            <a:off x="8853433" y="7312347"/>
+            <a:ext cx="557267" cy="365125"/>
+          </a:xfrm>
+        </p:spPr>
+        <p:txBody>
+          <a:bodyPr/>
+          <a:lstStyle/>
+          <a:p>
+            <a:fld id="{1BDE3FE7-3AEA-4B05-AC5A-802D1816ACF0}" type="slidenum">
+              <a:rPr lang="ko-KR" altLang="en-US" smtClean="0"/>
+              <a:t>36</a:t>
+            </a:fld>
+            <a:endParaRPr lang="ko-KR" altLang="en-US"/>
+          </a:p>
+        </p:txBody>
+      </p:sp>
+      <p:sp>
+        <p:nvSpPr>
+          <p:cNvPr id="8" name="내용 개체 틀 2">
+            <a:extLst>
+              <a:ext uri="{FF2B5EF4-FFF2-40B4-BE49-F238E27FC236}">
+                <a16:creationId xmlns:a16="http://schemas.microsoft.com/office/drawing/2014/main" id="{98AF3A4E-7D90-4241-89FE-799D6F9D5A94}"/>
+              </a:ext>
+            </a:extLst>
+          </p:cNvPr>
+          <p:cNvSpPr txBox="1">
+            <a:spLocks/>
+          </p:cNvSpPr>
+          <p:nvPr/>
+        </p:nvSpPr>
+        <p:spPr>
+          <a:xfrm>
+            <a:off x="848544" y="1052736"/>
+            <a:ext cx="5509221" cy="504055"/>
+          </a:xfrm>
+          <a:prstGeom prst="rect">
+            <a:avLst/>
+          </a:prstGeom>
+        </p:spPr>
+        <p:txBody>
+          <a:bodyPr/>
+          <a:lstStyle>
+            <a:lvl1pPr marL="228600" indent="-228600" algn="l" defTabSz="914400" rtl="0" eaLnBrk="1" latinLnBrk="1" hangingPunct="1">
+              <a:lnSpc>
+                <a:spcPct val="90000"/>
+              </a:lnSpc>
+              <a:spcBef>
+                <a:spcPts val="1000"/>
+              </a:spcBef>
+              <a:buFont typeface="Arial" panose="020B0604020202020204" pitchFamily="34" charset="0"/>
+              <a:buChar char="•"/>
+              <a:defRPr sz="2800" kern="1200">
+                <a:solidFill>
+                  <a:schemeClr val="tx1"/>
+                </a:solidFill>
+                <a:latin typeface="+mn-lt"/>
+                <a:ea typeface="+mn-ea"/>
+                <a:cs typeface="+mn-cs"/>
+              </a:defRPr>
+            </a:lvl1pPr>
+            <a:lvl2pPr marL="685800" indent="-228600" algn="l" defTabSz="914400" rtl="0" eaLnBrk="1" latinLnBrk="1" hangingPunct="1">
+              <a:lnSpc>
+                <a:spcPct val="90000"/>
+              </a:lnSpc>
+              <a:spcBef>
+                <a:spcPts val="500"/>
+              </a:spcBef>
+              <a:buFont typeface="Arial" panose="020B0604020202020204" pitchFamily="34" charset="0"/>
+              <a:buChar char="•"/>
+              <a:defRPr sz="2400" kern="1200">
+                <a:solidFill>
+                  <a:schemeClr val="tx1"/>
+                </a:solidFill>
+                <a:latin typeface="+mn-lt"/>
+                <a:ea typeface="+mn-ea"/>
+                <a:cs typeface="+mn-cs"/>
+              </a:defRPr>
+            </a:lvl2pPr>
+            <a:lvl3pPr marL="1143000" indent="-228600" algn="l" defTabSz="914400" rtl="0" eaLnBrk="1" latinLnBrk="1" hangingPunct="1">
+              <a:lnSpc>
+                <a:spcPct val="90000"/>
+              </a:lnSpc>
+              <a:spcBef>
+                <a:spcPts val="500"/>
+              </a:spcBef>
+              <a:buFont typeface="Arial" panose="020B0604020202020204" pitchFamily="34" charset="0"/>
+              <a:buChar char="•"/>
+              <a:defRPr sz="2000" kern="1200">
+                <a:solidFill>
+                  <a:schemeClr val="tx1"/>
+                </a:solidFill>
+                <a:latin typeface="+mn-lt"/>
+                <a:ea typeface="+mn-ea"/>
+                <a:cs typeface="+mn-cs"/>
+              </a:defRPr>
+            </a:lvl3pPr>
+            <a:lvl4pPr marL="1600200" indent="-228600" algn="l" defTabSz="914400" rtl="0" eaLnBrk="1" latinLnBrk="1" hangingPunct="1">
+              <a:lnSpc>
+                <a:spcPct val="90000"/>
+              </a:lnSpc>
+              <a:spcBef>
+                <a:spcPts val="500"/>
+              </a:spcBef>
+              <a:buFont typeface="Arial" panose="020B0604020202020204" pitchFamily="34" charset="0"/>
+              <a:buChar char="•"/>
+              <a:defRPr sz="1800" kern="1200">
+                <a:solidFill>
+                  <a:schemeClr val="tx1"/>
+                </a:solidFill>
+                <a:latin typeface="+mn-lt"/>
+                <a:ea typeface="+mn-ea"/>
+                <a:cs typeface="+mn-cs"/>
+              </a:defRPr>
+            </a:lvl4pPr>
+            <a:lvl5pPr marL="2057400" indent="-228600" algn="l" defTabSz="914400" rtl="0" eaLnBrk="1" latinLnBrk="1" hangingPunct="1">
+              <a:lnSpc>
+                <a:spcPct val="90000"/>
+              </a:lnSpc>
+              <a:spcBef>
+                <a:spcPts val="500"/>
+              </a:spcBef>
+              <a:buFont typeface="Arial" panose="020B0604020202020204" pitchFamily="34" charset="0"/>
+              <a:buChar char="•"/>
+              <a:defRPr sz="1800" kern="1200">
+                <a:solidFill>
+                  <a:schemeClr val="tx1"/>
+                </a:solidFill>
+                <a:latin typeface="+mn-lt"/>
+                <a:ea typeface="+mn-ea"/>
+                <a:cs typeface="+mn-cs"/>
+              </a:defRPr>
+            </a:lvl5pPr>
+            <a:lvl6pPr marL="2514600" indent="-228600" algn="l" defTabSz="914400" rtl="0" eaLnBrk="1" latinLnBrk="1" hangingPunct="1">
+              <a:lnSpc>
+                <a:spcPct val="90000"/>
+              </a:lnSpc>
+              <a:spcBef>
+                <a:spcPts val="500"/>
+              </a:spcBef>
+              <a:buFont typeface="Arial" panose="020B0604020202020204" pitchFamily="34" charset="0"/>
+              <a:buChar char="•"/>
+              <a:defRPr sz="1800" kern="1200">
+                <a:solidFill>
+                  <a:schemeClr val="tx1"/>
+                </a:solidFill>
+                <a:latin typeface="+mn-lt"/>
+                <a:ea typeface="+mn-ea"/>
+                <a:cs typeface="+mn-cs"/>
+              </a:defRPr>
+            </a:lvl6pPr>
+            <a:lvl7pPr marL="2971800" indent="-228600" algn="l" defTabSz="914400" rtl="0" eaLnBrk="1" latinLnBrk="1" hangingPunct="1">
+              <a:lnSpc>
+                <a:spcPct val="90000"/>
+              </a:lnSpc>
+              <a:spcBef>
+                <a:spcPts val="500"/>
+              </a:spcBef>
+              <a:buFont typeface="Arial" panose="020B0604020202020204" pitchFamily="34" charset="0"/>
+              <a:buChar char="•"/>
+              <a:defRPr sz="1800" kern="1200">
+                <a:solidFill>
+                  <a:schemeClr val="tx1"/>
+                </a:solidFill>
+                <a:latin typeface="+mn-lt"/>
+                <a:ea typeface="+mn-ea"/>
+                <a:cs typeface="+mn-cs"/>
+              </a:defRPr>
+            </a:lvl7pPr>
+            <a:lvl8pPr marL="3429000" indent="-228600" algn="l" defTabSz="914400" rtl="0" eaLnBrk="1" latinLnBrk="1" hangingPunct="1">
+              <a:lnSpc>
+                <a:spcPct val="90000"/>
+              </a:lnSpc>
+              <a:spcBef>
+                <a:spcPts val="500"/>
+              </a:spcBef>
+              <a:buFont typeface="Arial" panose="020B0604020202020204" pitchFamily="34" charset="0"/>
+              <a:buChar char="•"/>
+              <a:defRPr sz="1800" kern="1200">
+                <a:solidFill>
+                  <a:schemeClr val="tx1"/>
+                </a:solidFill>
+                <a:latin typeface="+mn-lt"/>
+                <a:ea typeface="+mn-ea"/>
+                <a:cs typeface="+mn-cs"/>
+              </a:defRPr>
+            </a:lvl8pPr>
+            <a:lvl9pPr marL="3886200" indent="-228600" algn="l" defTabSz="914400" rtl="0" eaLnBrk="1" latinLnBrk="1" hangingPunct="1">
+              <a:lnSpc>
+                <a:spcPct val="90000"/>
+              </a:lnSpc>
+              <a:spcBef>
+                <a:spcPts val="500"/>
+              </a:spcBef>
+              <a:buFont typeface="Arial" panose="020B0604020202020204" pitchFamily="34" charset="0"/>
+              <a:buChar char="•"/>
+              <a:defRPr sz="1800" kern="1200">
+                <a:solidFill>
+                  <a:schemeClr val="tx1"/>
+                </a:solidFill>
+                <a:latin typeface="+mn-lt"/>
+                <a:ea typeface="+mn-ea"/>
+                <a:cs typeface="+mn-cs"/>
+              </a:defRPr>
+            </a:lvl9pPr>
+          </a:lstStyle>
+          <a:p>
+            <a:pPr>
+              <a:lnSpc>
+                <a:spcPct val="150000"/>
+              </a:lnSpc>
+              <a:buFont typeface="Wingdings" panose="05000000000000000000" pitchFamily="2" charset="2"/>
+              <a:buChar char="u"/>
+            </a:pPr>
+            <a:r>
+              <a:rPr lang="ko-KR" altLang="en-US" sz="1800" b="1" dirty="0" smtClean="0"/>
+              <a:t> 출금</a:t>
+            </a:r>
+            <a:endParaRPr lang="en-US" altLang="ko-KR" sz="1800" b="1" dirty="0" smtClean="0"/>
+          </a:p>
+        </p:txBody>
+      </p:sp>
+      <p:pic>
+        <p:nvPicPr>
+          <p:cNvPr id="2" name="그림 1"/>
+          <p:cNvPicPr>
+            <a:picLocks noChangeAspect="1"/>
+          </p:cNvPicPr>
+          <p:nvPr/>
+        </p:nvPicPr>
+        <p:blipFill>
+          <a:blip r:embed="rId2">
+            <a:extLst>
+              <a:ext uri="{28A0092B-C50C-407E-A947-70E740481C1C}">
+                <a14:useLocalDpi xmlns:a14="http://schemas.microsoft.com/office/drawing/2010/main" val="0"/>
+              </a:ext>
+            </a:extLst>
+          </a:blip>
+          <a:stretch>
+            <a:fillRect/>
+          </a:stretch>
+        </p:blipFill>
+        <p:spPr>
+          <a:xfrm>
+            <a:off x="1064568" y="1700808"/>
+            <a:ext cx="7695594" cy="4485593"/>
+          </a:xfrm>
+          <a:prstGeom prst="rect">
+            <a:avLst/>
+          </a:prstGeom>
+          <a:ln>
+            <a:solidFill>
+              <a:schemeClr val="bg1">
+                <a:lumMod val="85000"/>
+              </a:schemeClr>
+            </a:solidFill>
+          </a:ln>
+        </p:spPr>
+      </p:pic>
+    </p:spTree>
+    <p:extLst>
+      <p:ext uri="{BB962C8B-B14F-4D97-AF65-F5344CB8AC3E}">
+        <p14:creationId xmlns:p14="http://schemas.microsoft.com/office/powerpoint/2010/main" val="3063822080"/>
       </p:ext>
     </p:extLst>
   </p:cSld>
